--- a/LinearRegression/LinearRegression.pptx
+++ b/LinearRegression/LinearRegression.pptx
@@ -5,7 +5,7 @@
     <p:sldMasterId id="2147483659" r:id="rId1"/>
   </p:sldMasterIdLst>
   <p:notesMasterIdLst>
-    <p:notesMasterId r:id="rId42"/>
+    <p:notesMasterId r:id="rId49"/>
   </p:notesMasterIdLst>
   <p:sldIdLst>
     <p:sldId id="256" r:id="rId2"/>
@@ -25,46 +25,53 @@
     <p:sldId id="272" r:id="rId16"/>
     <p:sldId id="270" r:id="rId17"/>
     <p:sldId id="271" r:id="rId18"/>
-    <p:sldId id="273" r:id="rId19"/>
-    <p:sldId id="274" r:id="rId20"/>
-    <p:sldId id="279" r:id="rId21"/>
-    <p:sldId id="280" r:id="rId22"/>
-    <p:sldId id="281" r:id="rId23"/>
-    <p:sldId id="282" r:id="rId24"/>
-    <p:sldId id="283" r:id="rId25"/>
-    <p:sldId id="276" r:id="rId26"/>
-    <p:sldId id="277" r:id="rId27"/>
-    <p:sldId id="285" r:id="rId28"/>
-    <p:sldId id="286" r:id="rId29"/>
-    <p:sldId id="284" r:id="rId30"/>
-    <p:sldId id="287" r:id="rId31"/>
-    <p:sldId id="288" r:id="rId32"/>
-    <p:sldId id="289" r:id="rId33"/>
-    <p:sldId id="292" r:id="rId34"/>
-    <p:sldId id="290" r:id="rId35"/>
-    <p:sldId id="293" r:id="rId36"/>
-    <p:sldId id="296" r:id="rId37"/>
-    <p:sldId id="295" r:id="rId38"/>
-    <p:sldId id="294" r:id="rId39"/>
-    <p:sldId id="297" r:id="rId40"/>
-    <p:sldId id="291" r:id="rId41"/>
+    <p:sldId id="307" r:id="rId19"/>
+    <p:sldId id="273" r:id="rId20"/>
+    <p:sldId id="274" r:id="rId21"/>
+    <p:sldId id="279" r:id="rId22"/>
+    <p:sldId id="280" r:id="rId23"/>
+    <p:sldId id="281" r:id="rId24"/>
+    <p:sldId id="282" r:id="rId25"/>
+    <p:sldId id="283" r:id="rId26"/>
+    <p:sldId id="276" r:id="rId27"/>
+    <p:sldId id="277" r:id="rId28"/>
+    <p:sldId id="285" r:id="rId29"/>
+    <p:sldId id="286" r:id="rId30"/>
+    <p:sldId id="284" r:id="rId31"/>
+    <p:sldId id="287" r:id="rId32"/>
+    <p:sldId id="288" r:id="rId33"/>
+    <p:sldId id="289" r:id="rId34"/>
+    <p:sldId id="292" r:id="rId35"/>
+    <p:sldId id="290" r:id="rId36"/>
+    <p:sldId id="293" r:id="rId37"/>
+    <p:sldId id="296" r:id="rId38"/>
+    <p:sldId id="295" r:id="rId39"/>
+    <p:sldId id="294" r:id="rId40"/>
+    <p:sldId id="298" r:id="rId41"/>
+    <p:sldId id="297" r:id="rId42"/>
+    <p:sldId id="306" r:id="rId43"/>
+    <p:sldId id="299" r:id="rId44"/>
+    <p:sldId id="300" r:id="rId45"/>
+    <p:sldId id="301" r:id="rId46"/>
+    <p:sldId id="302" r:id="rId47"/>
+    <p:sldId id="305" r:id="rId48"/>
   </p:sldIdLst>
   <p:sldSz cx="9144000" cy="5143500" type="screen16x9"/>
   <p:notesSz cx="6858000" cy="9144000"/>
   <p:embeddedFontLst>
     <p:embeddedFont>
       <p:font typeface="Lato" panose="020F0502020204030203" pitchFamily="34" charset="77"/>
-      <p:regular r:id="rId43"/>
-      <p:bold r:id="rId44"/>
-      <p:italic r:id="rId45"/>
-      <p:boldItalic r:id="rId46"/>
+      <p:regular r:id="rId50"/>
+      <p:bold r:id="rId51"/>
+      <p:italic r:id="rId52"/>
+      <p:boldItalic r:id="rId53"/>
     </p:embeddedFont>
     <p:embeddedFont>
       <p:font typeface="Raleway" panose="020B0503030101060003" pitchFamily="34" charset="77"/>
-      <p:regular r:id="rId47"/>
-      <p:bold r:id="rId48"/>
-      <p:italic r:id="rId49"/>
-      <p:boldItalic r:id="rId50"/>
+      <p:regular r:id="rId54"/>
+      <p:bold r:id="rId55"/>
+      <p:italic r:id="rId56"/>
+      <p:boldItalic r:id="rId57"/>
     </p:embeddedFont>
   </p:embeddedFontLst>
   <p:defaultTextStyle>
@@ -7830,6 +7837,29 @@
               </a:spcAft>
               <a:buNone/>
             </a:pPr>
+            <a:r>
+              <a:rPr lang="en" sz="1200">
+                <a:solidFill>
+                  <a:srgbClr val="000000"/>
+                </a:solidFill>
+              </a:rPr>
+              <a:t>Giáo trình đào tạo thực hành Machine Learning</a:t>
+            </a:r>
+            <a:br>
+              <a:rPr lang="en" sz="1200">
+                <a:solidFill>
+                  <a:srgbClr val="000000"/>
+                </a:solidFill>
+              </a:rPr>
+            </a:br>
+            <a:r>
+              <a:rPr lang="en" sz="1200">
+                <a:solidFill>
+                  <a:srgbClr val="000000"/>
+                </a:solidFill>
+              </a:rPr>
+              <a:t>100% hand on lab, dễ hiểu, dễ hành</a:t>
+            </a:r>
             <a:br>
               <a:rPr lang="en" sz="1800">
                 <a:solidFill>
@@ -8957,6 +8987,652 @@
           <p:cNvPr id="2" name="Title 1">
             <a:extLst>
               <a:ext uri="{FF2B5EF4-FFF2-40B4-BE49-F238E27FC236}">
+                <a16:creationId xmlns:a16="http://schemas.microsoft.com/office/drawing/2014/main" id="{35D2DB3A-AD72-9646-BD2D-EC27AFB563DB}"/>
+              </a:ext>
+            </a:extLst>
+          </p:cNvPr>
+          <p:cNvSpPr>
+            <a:spLocks noGrp="1"/>
+          </p:cNvSpPr>
+          <p:nvPr>
+            <p:ph type="title"/>
+          </p:nvPr>
+        </p:nvSpPr>
+        <p:spPr/>
+        <p:txBody>
+          <a:bodyPr/>
+          <a:lstStyle/>
+          <a:p>
+            <a:r>
+              <a:rPr lang="en-US"/>
+              <a:t>Bài tập tính công thức đạo hàm</a:t>
+            </a:r>
+          </a:p>
+        </p:txBody>
+      </p:sp>
+      <mc:AlternateContent xmlns:mc="http://schemas.openxmlformats.org/markup-compatibility/2006" xmlns:a14="http://schemas.microsoft.com/office/drawing/2010/main">
+        <mc:Choice Requires="a14">
+          <p:sp>
+            <p:nvSpPr>
+              <p:cNvPr id="4" name="TextBox 3">
+                <a:extLst>
+                  <a:ext uri="{FF2B5EF4-FFF2-40B4-BE49-F238E27FC236}">
+                    <a16:creationId xmlns:a16="http://schemas.microsoft.com/office/drawing/2014/main" id="{D3F2B154-8CC9-1A4A-A194-F32D27F1D2C8}"/>
+                  </a:ext>
+                </a:extLst>
+              </p:cNvPr>
+              <p:cNvSpPr txBox="1"/>
+              <p:nvPr/>
+            </p:nvSpPr>
+            <p:spPr>
+              <a:xfrm>
+                <a:off x="349134" y="1101437"/>
+                <a:ext cx="4506426" cy="430887"/>
+              </a:xfrm>
+              <a:prstGeom prst="rect">
+                <a:avLst/>
+              </a:prstGeom>
+              <a:noFill/>
+            </p:spPr>
+            <p:txBody>
+              <a:bodyPr wrap="none" lIns="0" tIns="0" rIns="0" bIns="0" rtlCol="0">
+                <a:spAutoFit/>
+              </a:bodyPr>
+              <a:lstStyle/>
+              <a:p>
+                <a:pPr/>
+                <a14:m>
+                  <m:oMathPara xmlns:m="http://schemas.openxmlformats.org/officeDocument/2006/math">
+                    <m:oMathParaPr>
+                      <m:jc m:val="centerGroup"/>
+                    </m:oMathParaPr>
+                    <m:oMath xmlns:m="http://schemas.openxmlformats.org/officeDocument/2006/math">
+                      <m:r>
+                        <a:rPr lang="en-US" sz="2800" b="0" i="1">
+                          <a:latin typeface="Cambria Math" panose="02040503050406030204" pitchFamily="18" charset="0"/>
+                        </a:rPr>
+                        <m:t>𝑓</m:t>
+                      </m:r>
+                      <m:d>
+                        <m:dPr>
+                          <m:ctrlPr>
+                            <a:rPr lang="en-US" sz="2800" b="0" i="1">
+                              <a:latin typeface="Cambria Math" panose="02040503050406030204" pitchFamily="18" charset="0"/>
+                            </a:rPr>
+                          </m:ctrlPr>
+                        </m:dPr>
+                        <m:e>
+                          <m:r>
+                            <a:rPr lang="en-US" sz="2800" b="0" i="1">
+                              <a:latin typeface="Cambria Math" panose="02040503050406030204" pitchFamily="18" charset="0"/>
+                            </a:rPr>
+                            <m:t>𝑥</m:t>
+                          </m:r>
+                        </m:e>
+                      </m:d>
+                      <m:r>
+                        <a:rPr lang="en-US" sz="2800" b="0" i="1">
+                          <a:latin typeface="Cambria Math" panose="02040503050406030204" pitchFamily="18" charset="0"/>
+                        </a:rPr>
+                        <m:t>=3</m:t>
+                      </m:r>
+                      <m:sSup>
+                        <m:sSupPr>
+                          <m:ctrlPr>
+                            <a:rPr lang="en-US" sz="2800" b="0" i="1">
+                              <a:latin typeface="Cambria Math" panose="02040503050406030204" pitchFamily="18" charset="0"/>
+                            </a:rPr>
+                          </m:ctrlPr>
+                        </m:sSupPr>
+                        <m:e>
+                          <m:r>
+                            <a:rPr lang="en-US" sz="2800" b="0" i="1">
+                              <a:latin typeface="Cambria Math" panose="02040503050406030204" pitchFamily="18" charset="0"/>
+                            </a:rPr>
+                            <m:t>𝑥</m:t>
+                          </m:r>
+                        </m:e>
+                        <m:sup>
+                          <m:r>
+                            <a:rPr lang="en-US" sz="2800" b="0" i="1">
+                              <a:latin typeface="Cambria Math" panose="02040503050406030204" pitchFamily="18" charset="0"/>
+                            </a:rPr>
+                            <m:t>4</m:t>
+                          </m:r>
+                        </m:sup>
+                      </m:sSup>
+                      <m:r>
+                        <a:rPr lang="en-US" sz="2800" b="0" i="0">
+                          <a:latin typeface="Cambria Math" panose="02040503050406030204" pitchFamily="18" charset="0"/>
+                        </a:rPr>
+                        <m:t>+2</m:t>
+                      </m:r>
+                      <m:sSup>
+                        <m:sSupPr>
+                          <m:ctrlPr>
+                            <a:rPr lang="en-US" sz="2800" b="0" i="1">
+                              <a:latin typeface="Cambria Math" panose="02040503050406030204" pitchFamily="18" charset="0"/>
+                            </a:rPr>
+                          </m:ctrlPr>
+                        </m:sSupPr>
+                        <m:e>
+                          <m:r>
+                            <a:rPr lang="en-US" sz="2800" b="0" i="1">
+                              <a:latin typeface="Cambria Math" panose="02040503050406030204" pitchFamily="18" charset="0"/>
+                            </a:rPr>
+                            <m:t>𝑥</m:t>
+                          </m:r>
+                        </m:e>
+                        <m:sup>
+                          <m:r>
+                            <a:rPr lang="en-US" sz="2800" b="0" i="1">
+                              <a:latin typeface="Cambria Math" panose="02040503050406030204" pitchFamily="18" charset="0"/>
+                            </a:rPr>
+                            <m:t>3</m:t>
+                          </m:r>
+                        </m:sup>
+                      </m:sSup>
+                      <m:r>
+                        <a:rPr lang="en-US" sz="2800" b="0" i="1">
+                          <a:latin typeface="Cambria Math" panose="02040503050406030204" pitchFamily="18" charset="0"/>
+                        </a:rPr>
+                        <m:t>−5</m:t>
+                      </m:r>
+                      <m:r>
+                        <a:rPr lang="en-US" sz="2800" b="0" i="1">
+                          <a:latin typeface="Cambria Math" panose="02040503050406030204" pitchFamily="18" charset="0"/>
+                        </a:rPr>
+                        <m:t>𝑥</m:t>
+                      </m:r>
+                      <m:r>
+                        <a:rPr lang="en-US" sz="2800" b="0" i="1">
+                          <a:latin typeface="Cambria Math" panose="02040503050406030204" pitchFamily="18" charset="0"/>
+                        </a:rPr>
+                        <m:t>+10</m:t>
+                      </m:r>
+                    </m:oMath>
+                  </m:oMathPara>
+                </a14:m>
+                <a:endParaRPr lang="en-US"/>
+              </a:p>
+            </p:txBody>
+          </p:sp>
+        </mc:Choice>
+        <mc:Fallback xmlns="">
+          <p:sp>
+            <p:nvSpPr>
+              <p:cNvPr id="4" name="TextBox 3">
+                <a:extLst>
+                  <a:ext uri="{FF2B5EF4-FFF2-40B4-BE49-F238E27FC236}">
+                    <a16:creationId xmlns:a16="http://schemas.microsoft.com/office/drawing/2014/main" id="{D3F2B154-8CC9-1A4A-A194-F32D27F1D2C8}"/>
+                  </a:ext>
+                </a:extLst>
+              </p:cNvPr>
+              <p:cNvSpPr txBox="1">
+                <a:spLocks noRot="1" noChangeAspect="1" noMove="1" noResize="1" noEditPoints="1" noAdjustHandles="1" noChangeArrowheads="1" noChangeShapeType="1" noTextEdit="1"/>
+              </p:cNvSpPr>
+              <p:nvPr/>
+            </p:nvSpPr>
+            <p:spPr>
+              <a:xfrm>
+                <a:off x="349134" y="1101437"/>
+                <a:ext cx="4506426" cy="430887"/>
+              </a:xfrm>
+              <a:prstGeom prst="rect">
+                <a:avLst/>
+              </a:prstGeom>
+              <a:blipFill>
+                <a:blip r:embed="rId2"/>
+                <a:stretch>
+                  <a:fillRect l="-1966" r="-1124" b="-31429"/>
+                </a:stretch>
+              </a:blipFill>
+            </p:spPr>
+            <p:txBody>
+              <a:bodyPr/>
+              <a:lstStyle/>
+              <a:p>
+                <a:r>
+                  <a:rPr lang="en-US">
+                    <a:noFill/>
+                  </a:rPr>
+                  <a:t> </a:t>
+                </a:r>
+              </a:p>
+            </p:txBody>
+          </p:sp>
+        </mc:Fallback>
+      </mc:AlternateContent>
+      <mc:AlternateContent xmlns:mc="http://schemas.openxmlformats.org/markup-compatibility/2006" xmlns:a14="http://schemas.microsoft.com/office/drawing/2010/main">
+        <mc:Choice Requires="a14">
+          <p:sp>
+            <p:nvSpPr>
+              <p:cNvPr id="5" name="TextBox 4">
+                <a:extLst>
+                  <a:ext uri="{FF2B5EF4-FFF2-40B4-BE49-F238E27FC236}">
+                    <a16:creationId xmlns:a16="http://schemas.microsoft.com/office/drawing/2014/main" id="{1DA58BB7-C80B-9643-AA47-E0CD055547ED}"/>
+                  </a:ext>
+                </a:extLst>
+              </p:cNvPr>
+              <p:cNvSpPr txBox="1"/>
+              <p:nvPr/>
+            </p:nvSpPr>
+            <p:spPr>
+              <a:xfrm>
+                <a:off x="349134" y="1991911"/>
+                <a:ext cx="3188052" cy="560090"/>
+              </a:xfrm>
+              <a:prstGeom prst="rect">
+                <a:avLst/>
+              </a:prstGeom>
+              <a:noFill/>
+            </p:spPr>
+            <p:txBody>
+              <a:bodyPr wrap="none" lIns="0" tIns="0" rIns="0" bIns="0" rtlCol="0">
+                <a:spAutoFit/>
+              </a:bodyPr>
+              <a:lstStyle/>
+              <a:p>
+                <a:pPr/>
+                <a14:m>
+                  <m:oMathPara xmlns:m="http://schemas.openxmlformats.org/officeDocument/2006/math">
+                    <m:oMathParaPr>
+                      <m:jc m:val="centerGroup"/>
+                    </m:oMathParaPr>
+                    <m:oMath xmlns:m="http://schemas.openxmlformats.org/officeDocument/2006/math">
+                      <m:r>
+                        <a:rPr lang="en-US" sz="3200" i="1">
+                          <a:latin typeface="Cambria Math" panose="02040503050406030204" pitchFamily="18" charset="0"/>
+                        </a:rPr>
+                        <m:t>𝑓</m:t>
+                      </m:r>
+                      <m:d>
+                        <m:dPr>
+                          <m:ctrlPr>
+                            <a:rPr lang="en-US" sz="3200" i="1">
+                              <a:latin typeface="Cambria Math" panose="02040503050406030204" pitchFamily="18" charset="0"/>
+                            </a:rPr>
+                          </m:ctrlPr>
+                        </m:dPr>
+                        <m:e>
+                          <m:r>
+                            <a:rPr lang="en-US" sz="3200" i="1">
+                              <a:latin typeface="Cambria Math" panose="02040503050406030204" pitchFamily="18" charset="0"/>
+                            </a:rPr>
+                            <m:t>𝑥</m:t>
+                          </m:r>
+                        </m:e>
+                      </m:d>
+                      <m:r>
+                        <a:rPr lang="en-US" sz="3200" i="1">
+                          <a:latin typeface="Cambria Math" panose="02040503050406030204" pitchFamily="18" charset="0"/>
+                        </a:rPr>
+                        <m:t>=</m:t>
+                      </m:r>
+                      <m:sSup>
+                        <m:sSupPr>
+                          <m:ctrlPr>
+                            <a:rPr lang="en-US" sz="3200" i="1">
+                              <a:latin typeface="Cambria Math" panose="02040503050406030204" pitchFamily="18" charset="0"/>
+                            </a:rPr>
+                          </m:ctrlPr>
+                        </m:sSupPr>
+                        <m:e>
+                          <m:r>
+                            <a:rPr lang="en-US" sz="3200" b="0" i="1">
+                              <a:latin typeface="Cambria Math" panose="02040503050406030204" pitchFamily="18" charset="0"/>
+                            </a:rPr>
+                            <m:t>𝑒</m:t>
+                          </m:r>
+                        </m:e>
+                        <m:sup>
+                          <m:r>
+                            <a:rPr lang="en-US" sz="3200" b="0" i="1">
+                              <a:latin typeface="Cambria Math" panose="02040503050406030204" pitchFamily="18" charset="0"/>
+                            </a:rPr>
+                            <m:t>2</m:t>
+                          </m:r>
+                          <m:sSup>
+                            <m:sSupPr>
+                              <m:ctrlPr>
+                                <a:rPr lang="en-US" sz="3200" b="0" i="1">
+                                  <a:latin typeface="Cambria Math" panose="02040503050406030204" pitchFamily="18" charset="0"/>
+                                </a:rPr>
+                              </m:ctrlPr>
+                            </m:sSupPr>
+                            <m:e>
+                              <m:r>
+                                <a:rPr lang="en-US" sz="3200" b="0" i="1">
+                                  <a:latin typeface="Cambria Math" panose="02040503050406030204" pitchFamily="18" charset="0"/>
+                                </a:rPr>
+                                <m:t>𝑥</m:t>
+                              </m:r>
+                            </m:e>
+                            <m:sup>
+                              <m:r>
+                                <a:rPr lang="en-US" sz="3200" b="0" i="1">
+                                  <a:latin typeface="Cambria Math" panose="02040503050406030204" pitchFamily="18" charset="0"/>
+                                </a:rPr>
+                                <m:t>2</m:t>
+                              </m:r>
+                            </m:sup>
+                          </m:sSup>
+                          <m:r>
+                            <a:rPr lang="en-US" sz="3200" b="0" i="1">
+                              <a:latin typeface="Cambria Math" panose="02040503050406030204" pitchFamily="18" charset="0"/>
+                            </a:rPr>
+                            <m:t>+3</m:t>
+                          </m:r>
+                          <m:r>
+                            <a:rPr lang="en-US" sz="3200" b="0" i="1">
+                              <a:latin typeface="Cambria Math" panose="02040503050406030204" pitchFamily="18" charset="0"/>
+                            </a:rPr>
+                            <m:t>𝑥</m:t>
+                          </m:r>
+                          <m:r>
+                            <a:rPr lang="en-US" sz="3200" b="0" i="1">
+                              <a:latin typeface="Cambria Math" panose="02040503050406030204" pitchFamily="18" charset="0"/>
+                            </a:rPr>
+                            <m:t>−1</m:t>
+                          </m:r>
+                        </m:sup>
+                      </m:sSup>
+                    </m:oMath>
+                  </m:oMathPara>
+                </a14:m>
+                <a:endParaRPr lang="en-US" sz="3200"/>
+              </a:p>
+            </p:txBody>
+          </p:sp>
+        </mc:Choice>
+        <mc:Fallback xmlns="">
+          <p:sp>
+            <p:nvSpPr>
+              <p:cNvPr id="5" name="TextBox 4">
+                <a:extLst>
+                  <a:ext uri="{FF2B5EF4-FFF2-40B4-BE49-F238E27FC236}">
+                    <a16:creationId xmlns:a16="http://schemas.microsoft.com/office/drawing/2014/main" id="{1DA58BB7-C80B-9643-AA47-E0CD055547ED}"/>
+                  </a:ext>
+                </a:extLst>
+              </p:cNvPr>
+              <p:cNvSpPr txBox="1">
+                <a:spLocks noRot="1" noChangeAspect="1" noMove="1" noResize="1" noEditPoints="1" noAdjustHandles="1" noChangeArrowheads="1" noChangeShapeType="1" noTextEdit="1"/>
+              </p:cNvSpPr>
+              <p:nvPr/>
+            </p:nvSpPr>
+            <p:spPr>
+              <a:xfrm>
+                <a:off x="349134" y="1991911"/>
+                <a:ext cx="3188052" cy="560090"/>
+              </a:xfrm>
+              <a:prstGeom prst="rect">
+                <a:avLst/>
+              </a:prstGeom>
+              <a:blipFill>
+                <a:blip r:embed="rId3"/>
+                <a:stretch>
+                  <a:fillRect l="-3162" b="-28889"/>
+                </a:stretch>
+              </a:blipFill>
+            </p:spPr>
+            <p:txBody>
+              <a:bodyPr/>
+              <a:lstStyle/>
+              <a:p>
+                <a:r>
+                  <a:rPr lang="en-US">
+                    <a:noFill/>
+                  </a:rPr>
+                  <a:t> </a:t>
+                </a:r>
+              </a:p>
+            </p:txBody>
+          </p:sp>
+        </mc:Fallback>
+      </mc:AlternateContent>
+      <mc:AlternateContent xmlns:mc="http://schemas.openxmlformats.org/markup-compatibility/2006" xmlns:a14="http://schemas.microsoft.com/office/drawing/2010/main">
+        <mc:Choice Requires="a14">
+          <p:sp>
+            <p:nvSpPr>
+              <p:cNvPr id="6" name="TextBox 5">
+                <a:extLst>
+                  <a:ext uri="{FF2B5EF4-FFF2-40B4-BE49-F238E27FC236}">
+                    <a16:creationId xmlns:a16="http://schemas.microsoft.com/office/drawing/2014/main" id="{310801C0-8517-E946-97F2-161E189FF663}"/>
+                  </a:ext>
+                </a:extLst>
+              </p:cNvPr>
+              <p:cNvSpPr txBox="1"/>
+              <p:nvPr/>
+            </p:nvSpPr>
+            <p:spPr>
+              <a:xfrm>
+                <a:off x="349134" y="3011588"/>
+                <a:ext cx="3550524" cy="946221"/>
+              </a:xfrm>
+              <a:prstGeom prst="rect">
+                <a:avLst/>
+              </a:prstGeom>
+              <a:noFill/>
+            </p:spPr>
+            <p:txBody>
+              <a:bodyPr wrap="none" lIns="0" tIns="0" rIns="0" bIns="0" rtlCol="0">
+                <a:spAutoFit/>
+              </a:bodyPr>
+              <a:lstStyle/>
+              <a:p>
+                <a:pPr/>
+                <a14:m>
+                  <m:oMathPara xmlns:m="http://schemas.openxmlformats.org/officeDocument/2006/math">
+                    <m:oMathParaPr>
+                      <m:jc m:val="centerGroup"/>
+                    </m:oMathParaPr>
+                    <m:oMath xmlns:m="http://schemas.openxmlformats.org/officeDocument/2006/math">
+                      <m:r>
+                        <a:rPr lang="en-US" sz="3200" i="1">
+                          <a:latin typeface="Cambria Math" panose="02040503050406030204" pitchFamily="18" charset="0"/>
+                        </a:rPr>
+                        <m:t>𝑓</m:t>
+                      </m:r>
+                      <m:d>
+                        <m:dPr>
+                          <m:ctrlPr>
+                            <a:rPr lang="en-US" sz="3200" i="1">
+                              <a:latin typeface="Cambria Math" panose="02040503050406030204" pitchFamily="18" charset="0"/>
+                            </a:rPr>
+                          </m:ctrlPr>
+                        </m:dPr>
+                        <m:e>
+                          <m:r>
+                            <a:rPr lang="en-US" sz="3200" i="1">
+                              <a:latin typeface="Cambria Math" panose="02040503050406030204" pitchFamily="18" charset="0"/>
+                            </a:rPr>
+                            <m:t>𝑥</m:t>
+                          </m:r>
+                        </m:e>
+                      </m:d>
+                      <m:r>
+                        <a:rPr lang="en-US" sz="3200" i="1">
+                          <a:latin typeface="Cambria Math" panose="02040503050406030204" pitchFamily="18" charset="0"/>
+                        </a:rPr>
+                        <m:t>=</m:t>
+                      </m:r>
+                      <m:f>
+                        <m:fPr>
+                          <m:ctrlPr>
+                            <a:rPr lang="en-US" sz="3200" i="1">
+                              <a:latin typeface="Cambria Math" panose="02040503050406030204" pitchFamily="18" charset="0"/>
+                            </a:rPr>
+                          </m:ctrlPr>
+                        </m:fPr>
+                        <m:num>
+                          <m:r>
+                            <m:rPr>
+                              <m:sty m:val="p"/>
+                            </m:rPr>
+                            <a:rPr lang="en-US" sz="3200" b="0" i="0">
+                              <a:latin typeface="Cambria Math" panose="02040503050406030204" pitchFamily="18" charset="0"/>
+                            </a:rPr>
+                            <m:t>ln</m:t>
+                          </m:r>
+                          <m:r>
+                            <a:rPr lang="en-US" sz="3200" b="0" i="1">
+                              <a:latin typeface="Cambria Math" panose="02040503050406030204" pitchFamily="18" charset="0"/>
+                            </a:rPr>
+                            <m:t>⁡(</m:t>
+                          </m:r>
+                          <m:r>
+                            <a:rPr lang="en-US" sz="3200" b="0" i="1">
+                              <a:latin typeface="Cambria Math" panose="02040503050406030204" pitchFamily="18" charset="0"/>
+                            </a:rPr>
+                            <m:t>𝑥</m:t>
+                          </m:r>
+                          <m:r>
+                            <a:rPr lang="en-US" sz="3200" b="0" i="1">
+                              <a:latin typeface="Cambria Math" panose="02040503050406030204" pitchFamily="18" charset="0"/>
+                            </a:rPr>
+                            <m:t>)</m:t>
+                          </m:r>
+                        </m:num>
+                        <m:den>
+                          <m:r>
+                            <a:rPr lang="en-US" sz="3200" b="0" i="1">
+                              <a:latin typeface="Cambria Math" panose="02040503050406030204" pitchFamily="18" charset="0"/>
+                            </a:rPr>
+                            <m:t>2</m:t>
+                          </m:r>
+                          <m:sSup>
+                            <m:sSupPr>
+                              <m:ctrlPr>
+                                <a:rPr lang="en-US" sz="3200" b="0" i="1">
+                                  <a:latin typeface="Cambria Math" panose="02040503050406030204" pitchFamily="18" charset="0"/>
+                                </a:rPr>
+                              </m:ctrlPr>
+                            </m:sSupPr>
+                            <m:e>
+                              <m:r>
+                                <a:rPr lang="en-US" sz="3200" b="0" i="1">
+                                  <a:latin typeface="Cambria Math" panose="02040503050406030204" pitchFamily="18" charset="0"/>
+                                </a:rPr>
+                                <m:t>𝑥</m:t>
+                              </m:r>
+                            </m:e>
+                            <m:sup>
+                              <m:r>
+                                <a:rPr lang="en-US" sz="3200" b="0" i="1">
+                                  <a:latin typeface="Cambria Math" panose="02040503050406030204" pitchFamily="18" charset="0"/>
+                                </a:rPr>
+                                <m:t>2</m:t>
+                              </m:r>
+                            </m:sup>
+                          </m:sSup>
+                          <m:r>
+                            <a:rPr lang="en-US" sz="3200" b="0" i="1">
+                              <a:latin typeface="Cambria Math" panose="02040503050406030204" pitchFamily="18" charset="0"/>
+                            </a:rPr>
+                            <m:t>+</m:t>
+                          </m:r>
+                          <m:r>
+                            <a:rPr lang="en-US" sz="3200" b="0" i="1">
+                              <a:latin typeface="Cambria Math" panose="02040503050406030204" pitchFamily="18" charset="0"/>
+                            </a:rPr>
+                            <m:t>𝑥</m:t>
+                          </m:r>
+                          <m:r>
+                            <a:rPr lang="en-US" sz="3200" b="0" i="1">
+                              <a:latin typeface="Cambria Math" panose="02040503050406030204" pitchFamily="18" charset="0"/>
+                            </a:rPr>
+                            <m:t>−1</m:t>
+                          </m:r>
+                        </m:den>
+                      </m:f>
+                    </m:oMath>
+                  </m:oMathPara>
+                </a14:m>
+                <a:endParaRPr lang="en-US" sz="3200"/>
+              </a:p>
+            </p:txBody>
+          </p:sp>
+        </mc:Choice>
+        <mc:Fallback xmlns="">
+          <p:sp>
+            <p:nvSpPr>
+              <p:cNvPr id="6" name="TextBox 5">
+                <a:extLst>
+                  <a:ext uri="{FF2B5EF4-FFF2-40B4-BE49-F238E27FC236}">
+                    <a16:creationId xmlns:a16="http://schemas.microsoft.com/office/drawing/2014/main" id="{310801C0-8517-E946-97F2-161E189FF663}"/>
+                  </a:ext>
+                </a:extLst>
+              </p:cNvPr>
+              <p:cNvSpPr txBox="1">
+                <a:spLocks noRot="1" noChangeAspect="1" noMove="1" noResize="1" noEditPoints="1" noAdjustHandles="1" noChangeArrowheads="1" noChangeShapeType="1" noTextEdit="1"/>
+              </p:cNvSpPr>
+              <p:nvPr/>
+            </p:nvSpPr>
+            <p:spPr>
+              <a:xfrm>
+                <a:off x="349134" y="3011588"/>
+                <a:ext cx="3550524" cy="946221"/>
+              </a:xfrm>
+              <a:prstGeom prst="rect">
+                <a:avLst/>
+              </a:prstGeom>
+              <a:blipFill>
+                <a:blip r:embed="rId4"/>
+                <a:stretch>
+                  <a:fillRect l="-2847" t="-7895" r="-1779" b="-10526"/>
+                </a:stretch>
+              </a:blipFill>
+            </p:spPr>
+            <p:txBody>
+              <a:bodyPr/>
+              <a:lstStyle/>
+              <a:p>
+                <a:r>
+                  <a:rPr lang="en-US">
+                    <a:noFill/>
+                  </a:rPr>
+                  <a:t> </a:t>
+                </a:r>
+              </a:p>
+            </p:txBody>
+          </p:sp>
+        </mc:Fallback>
+      </mc:AlternateContent>
+    </p:spTree>
+    <p:extLst>
+      <p:ext uri="{BB962C8B-B14F-4D97-AF65-F5344CB8AC3E}">
+        <p14:creationId xmlns:p14="http://schemas.microsoft.com/office/powerpoint/2010/main" val="1638920607"/>
+      </p:ext>
+    </p:extLst>
+  </p:cSld>
+  <p:clrMapOvr>
+    <a:masterClrMapping/>
+  </p:clrMapOvr>
+</p:sld>
+</file>
+
+<file path=ppt/slides/slide19.xml><?xml version="1.0" encoding="utf-8"?>
+<p:sld xmlns:a="http://schemas.openxmlformats.org/drawingml/2006/main" xmlns:r="http://schemas.openxmlformats.org/officeDocument/2006/relationships" xmlns:p="http://schemas.openxmlformats.org/presentationml/2006/main">
+  <p:cSld>
+    <p:spTree>
+      <p:nvGrpSpPr>
+        <p:cNvPr id="1" name=""/>
+        <p:cNvGrpSpPr/>
+        <p:nvPr/>
+      </p:nvGrpSpPr>
+      <p:grpSpPr>
+        <a:xfrm>
+          <a:off x="0" y="0"/>
+          <a:ext cx="0" cy="0"/>
+          <a:chOff x="0" y="0"/>
+          <a:chExt cx="0" cy="0"/>
+        </a:xfrm>
+      </p:grpSpPr>
+      <p:sp>
+        <p:nvSpPr>
+          <p:cNvPr id="2" name="Title 1">
+            <a:extLst>
+              <a:ext uri="{FF2B5EF4-FFF2-40B4-BE49-F238E27FC236}">
                 <a16:creationId xmlns:a16="http://schemas.microsoft.com/office/drawing/2014/main" id="{D5701D21-EAC0-A14A-B132-FA299776F26C}"/>
               </a:ext>
             </a:extLst>
@@ -8993,7 +9669,74 @@
 </p:sld>
 </file>
 
-<file path=ppt/slides/slide19.xml><?xml version="1.0" encoding="utf-8"?>
+<file path=ppt/slides/slide2.xml><?xml version="1.0" encoding="utf-8"?>
+<p:sld xmlns:a="http://schemas.openxmlformats.org/drawingml/2006/main" xmlns:r="http://schemas.openxmlformats.org/officeDocument/2006/relationships" xmlns:p="http://schemas.openxmlformats.org/presentationml/2006/main">
+  <p:cSld>
+    <p:spTree>
+      <p:nvGrpSpPr>
+        <p:cNvPr id="1" name="Shape 92"/>
+        <p:cNvGrpSpPr/>
+        <p:nvPr/>
+      </p:nvGrpSpPr>
+      <p:grpSpPr>
+        <a:xfrm>
+          <a:off x="0" y="0"/>
+          <a:ext cx="0" cy="0"/>
+          <a:chOff x="0" y="0"/>
+          <a:chExt cx="0" cy="0"/>
+        </a:xfrm>
+      </p:grpSpPr>
+      <p:sp>
+        <p:nvSpPr>
+          <p:cNvPr id="93" name="Google Shape;93;p14"/>
+          <p:cNvSpPr txBox="1">
+            <a:spLocks noGrp="1"/>
+          </p:cNvSpPr>
+          <p:nvPr>
+            <p:ph type="title"/>
+          </p:nvPr>
+        </p:nvSpPr>
+        <p:spPr>
+          <a:xfrm>
+            <a:off x="729450" y="1322450"/>
+            <a:ext cx="7688400" cy="1518600"/>
+          </a:xfrm>
+          <a:prstGeom prst="rect">
+            <a:avLst/>
+          </a:prstGeom>
+        </p:spPr>
+        <p:txBody>
+          <a:bodyPr spcFirstLastPara="1" wrap="square" lIns="91425" tIns="91425" rIns="91425" bIns="91425" anchor="t" anchorCtr="0">
+            <a:noAutofit/>
+          </a:bodyPr>
+          <a:lstStyle/>
+          <a:p>
+            <a:pPr marL="0" lvl="0" indent="0" algn="l" rtl="0">
+              <a:spcBef>
+                <a:spcPts val="0"/>
+              </a:spcBef>
+              <a:spcAft>
+                <a:spcPts val="0"/>
+              </a:spcAft>
+              <a:buNone/>
+            </a:pPr>
+            <a:r>
+              <a:rPr lang="en"/>
+              <a:t>Đặt vấn đề</a:t>
+            </a:r>
+            <a:endParaRPr/>
+          </a:p>
+        </p:txBody>
+      </p:sp>
+    </p:spTree>
+  </p:cSld>
+  <p:clrMapOvr>
+    <a:masterClrMapping/>
+  </p:clrMapOvr>
+</p:sld>
+</file>
+
+<file path=ppt/slides/slide20.xml><?xml version="1.0" encoding="utf-8"?>
 <p:sld xmlns:a="http://schemas.openxmlformats.org/drawingml/2006/main" xmlns:r="http://schemas.openxmlformats.org/officeDocument/2006/relationships" xmlns:p="http://schemas.openxmlformats.org/presentationml/2006/main">
   <p:cSld>
     <p:spTree>
@@ -9026,8 +9769,8 @@
             </p:nvSpPr>
             <p:spPr>
               <a:xfrm>
-                <a:off x="180317" y="2995127"/>
-                <a:ext cx="7244932" cy="1763881"/>
+                <a:off x="188133" y="2739652"/>
+                <a:ext cx="8164415" cy="2317879"/>
               </a:xfrm>
               <a:prstGeom prst="rect">
                 <a:avLst/>
@@ -9051,7 +9794,30 @@
                     <a:ea typeface="Verdana" panose="020B0604030504040204" pitchFamily="34" charset="0"/>
                     <a:cs typeface="Verdana" panose="020B0604030504040204" pitchFamily="34" charset="0"/>
                   </a:rPr>
-                  <a:t>L là hàm tính tổng bình phương sai lệch</a:t>
+                  <a:t>L là hàm tính trung bình tổng bình phương sai lệch</a:t>
+                </a:r>
+                <a:br>
+                  <a:rPr lang="en-US" sz="2400">
+                    <a:latin typeface="Verdana" panose="020B0604030504040204" pitchFamily="34" charset="0"/>
+                    <a:ea typeface="Verdana" panose="020B0604030504040204" pitchFamily="34" charset="0"/>
+                    <a:cs typeface="Verdana" panose="020B0604030504040204" pitchFamily="34" charset="0"/>
+                  </a:rPr>
+                </a:br>
+                <a:r>
+                  <a:rPr lang="en-US" sz="2400">
+                    <a:latin typeface="Verdana" panose="020B0604030504040204" pitchFamily="34" charset="0"/>
+                    <a:ea typeface="Verdana" panose="020B0604030504040204" pitchFamily="34" charset="0"/>
+                    <a:cs typeface="Verdana" panose="020B0604030504040204" pitchFamily="34" charset="0"/>
+                  </a:rPr>
+                  <a:t>Mean Square Error. </a:t>
+                </a:r>
+                <a:r>
+                  <a:rPr lang="en-US">
+                    <a:latin typeface="Verdana" panose="020B0604030504040204" pitchFamily="34" charset="0"/>
+                    <a:ea typeface="Verdana" panose="020B0604030504040204" pitchFamily="34" charset="0"/>
+                    <a:cs typeface="Verdana" panose="020B0604030504040204" pitchFamily="34" charset="0"/>
+                  </a:rPr>
+                  <a:t>Chia tiếp cho 2 để khi đạo hàm thì triệt tiêu hệ số x2</a:t>
                 </a:r>
               </a:p>
               <a:p>
@@ -9261,8 +10027,8 @@
             </p:nvSpPr>
             <p:spPr>
               <a:xfrm>
-                <a:off x="180317" y="2995127"/>
-                <a:ext cx="7244932" cy="1763881"/>
+                <a:off x="188133" y="2739652"/>
+                <a:ext cx="8164415" cy="2317879"/>
               </a:xfrm>
               <a:prstGeom prst="rect">
                 <a:avLst/>
@@ -9270,7 +10036,7 @@
               <a:blipFill>
                 <a:blip r:embed="rId2"/>
                 <a:stretch>
-                  <a:fillRect l="-1224" r="-175" b="-7857"/>
+                  <a:fillRect l="-1087" b="-6044"/>
                 </a:stretch>
               </a:blipFill>
             </p:spPr>
@@ -9305,7 +10071,7 @@
             </p:nvSpPr>
             <p:spPr>
               <a:xfrm>
-                <a:off x="407705" y="44588"/>
+                <a:off x="423336" y="-88274"/>
                 <a:ext cx="4281428" cy="769441"/>
               </a:xfrm>
               <a:prstGeom prst="rect">
@@ -9484,7 +10250,7 @@
             </p:nvSpPr>
             <p:spPr>
               <a:xfrm>
-                <a:off x="407705" y="44588"/>
+                <a:off x="423336" y="-88274"/>
                 <a:ext cx="4281428" cy="769441"/>
               </a:xfrm>
               <a:prstGeom prst="rect">
@@ -9493,7 +10259,7 @@
               <a:blipFill>
                 <a:blip r:embed="rId3"/>
                 <a:stretch>
-                  <a:fillRect t="-4918" b="-29508"/>
+                  <a:fillRect t="-6557" b="-27869"/>
                 </a:stretch>
               </a:blipFill>
             </p:spPr>
@@ -9528,8 +10294,8 @@
             </p:nvSpPr>
             <p:spPr>
               <a:xfrm>
-                <a:off x="552856" y="814029"/>
-                <a:ext cx="8976049" cy="1900200"/>
+                <a:off x="568487" y="681167"/>
+                <a:ext cx="7582959" cy="1900200"/>
               </a:xfrm>
               <a:prstGeom prst="rect">
                 <a:avLst/>
@@ -9814,8 +10580,8 @@
             </p:nvSpPr>
             <p:spPr>
               <a:xfrm>
-                <a:off x="552856" y="814029"/>
-                <a:ext cx="8976049" cy="1900200"/>
+                <a:off x="568487" y="681167"/>
+                <a:ext cx="7582959" cy="1900200"/>
               </a:xfrm>
               <a:prstGeom prst="rect">
                 <a:avLst/>
@@ -9823,7 +10589,7 @@
               <a:blipFill>
                 <a:blip r:embed="rId4"/>
                 <a:stretch>
-                  <a:fillRect l="-3678" t="-113245" b="-175497"/>
+                  <a:fillRect l="-4181" t="-114667" b="-176667"/>
                 </a:stretch>
               </a:blipFill>
             </p:spPr>
@@ -9855,74 +10621,7 @@
 </p:sld>
 </file>
 
-<file path=ppt/slides/slide2.xml><?xml version="1.0" encoding="utf-8"?>
-<p:sld xmlns:a="http://schemas.openxmlformats.org/drawingml/2006/main" xmlns:r="http://schemas.openxmlformats.org/officeDocument/2006/relationships" xmlns:p="http://schemas.openxmlformats.org/presentationml/2006/main">
-  <p:cSld>
-    <p:spTree>
-      <p:nvGrpSpPr>
-        <p:cNvPr id="1" name="Shape 92"/>
-        <p:cNvGrpSpPr/>
-        <p:nvPr/>
-      </p:nvGrpSpPr>
-      <p:grpSpPr>
-        <a:xfrm>
-          <a:off x="0" y="0"/>
-          <a:ext cx="0" cy="0"/>
-          <a:chOff x="0" y="0"/>
-          <a:chExt cx="0" cy="0"/>
-        </a:xfrm>
-      </p:grpSpPr>
-      <p:sp>
-        <p:nvSpPr>
-          <p:cNvPr id="93" name="Google Shape;93;p14"/>
-          <p:cNvSpPr txBox="1">
-            <a:spLocks noGrp="1"/>
-          </p:cNvSpPr>
-          <p:nvPr>
-            <p:ph type="title"/>
-          </p:nvPr>
-        </p:nvSpPr>
-        <p:spPr>
-          <a:xfrm>
-            <a:off x="729450" y="1322450"/>
-            <a:ext cx="7688400" cy="1518600"/>
-          </a:xfrm>
-          <a:prstGeom prst="rect">
-            <a:avLst/>
-          </a:prstGeom>
-        </p:spPr>
-        <p:txBody>
-          <a:bodyPr spcFirstLastPara="1" wrap="square" lIns="91425" tIns="91425" rIns="91425" bIns="91425" anchor="t" anchorCtr="0">
-            <a:noAutofit/>
-          </a:bodyPr>
-          <a:lstStyle/>
-          <a:p>
-            <a:pPr marL="0" lvl="0" indent="0" algn="l" rtl="0">
-              <a:spcBef>
-                <a:spcPts val="0"/>
-              </a:spcBef>
-              <a:spcAft>
-                <a:spcPts val="0"/>
-              </a:spcAft>
-              <a:buNone/>
-            </a:pPr>
-            <a:r>
-              <a:rPr lang="en"/>
-              <a:t>Đặt vấn đề</a:t>
-            </a:r>
-            <a:endParaRPr/>
-          </a:p>
-        </p:txBody>
-      </p:sp>
-    </p:spTree>
-  </p:cSld>
-  <p:clrMapOvr>
-    <a:masterClrMapping/>
-  </p:clrMapOvr>
-</p:sld>
-</file>
-
-<file path=ppt/slides/slide20.xml><?xml version="1.0" encoding="utf-8"?>
+<file path=ppt/slides/slide21.xml><?xml version="1.0" encoding="utf-8"?>
 <p:sld xmlns:a="http://schemas.openxmlformats.org/drawingml/2006/main" xmlns:r="http://schemas.openxmlformats.org/officeDocument/2006/relationships" xmlns:p="http://schemas.openxmlformats.org/presentationml/2006/main">
   <p:cSld>
     <p:spTree>
@@ -11244,7 +11943,7 @@
 </p:sld>
 </file>
 
-<file path=ppt/slides/slide21.xml><?xml version="1.0" encoding="utf-8"?>
+<file path=ppt/slides/slide22.xml><?xml version="1.0" encoding="utf-8"?>
 <p:sld xmlns:a="http://schemas.openxmlformats.org/drawingml/2006/main" xmlns:r="http://schemas.openxmlformats.org/officeDocument/2006/relationships" xmlns:p="http://schemas.openxmlformats.org/presentationml/2006/main">
   <p:cSld>
     <p:spTree>
@@ -11480,7 +12179,7 @@
 </p:sld>
 </file>
 
-<file path=ppt/slides/slide22.xml><?xml version="1.0" encoding="utf-8"?>
+<file path=ppt/slides/slide23.xml><?xml version="1.0" encoding="utf-8"?>
 <p:sld xmlns:a="http://schemas.openxmlformats.org/drawingml/2006/main" xmlns:r="http://schemas.openxmlformats.org/officeDocument/2006/relationships" xmlns:p="http://schemas.openxmlformats.org/presentationml/2006/main">
   <p:cSld>
     <p:spTree>
@@ -11663,7 +12362,7 @@
 </p:sld>
 </file>
 
-<file path=ppt/slides/slide23.xml><?xml version="1.0" encoding="utf-8"?>
+<file path=ppt/slides/slide24.xml><?xml version="1.0" encoding="utf-8"?>
 <p:sld xmlns:a="http://schemas.openxmlformats.org/drawingml/2006/main" xmlns:r="http://schemas.openxmlformats.org/officeDocument/2006/relationships" xmlns:p="http://schemas.openxmlformats.org/presentationml/2006/main">
   <p:cSld>
     <p:spTree>
@@ -11830,7 +12529,7 @@
 </p:sld>
 </file>
 
-<file path=ppt/slides/slide24.xml><?xml version="1.0" encoding="utf-8"?>
+<file path=ppt/slides/slide25.xml><?xml version="1.0" encoding="utf-8"?>
 <p:sld xmlns:a="http://schemas.openxmlformats.org/drawingml/2006/main" xmlns:r="http://schemas.openxmlformats.org/officeDocument/2006/relationships" xmlns:p="http://schemas.openxmlformats.org/presentationml/2006/main">
   <p:cSld>
     <p:spTree>
@@ -11976,7 +12675,7 @@
 </p:sld>
 </file>
 
-<file path=ppt/slides/slide25.xml><?xml version="1.0" encoding="utf-8"?>
+<file path=ppt/slides/slide26.xml><?xml version="1.0" encoding="utf-8"?>
 <p:sld xmlns:a="http://schemas.openxmlformats.org/drawingml/2006/main" xmlns:r="http://schemas.openxmlformats.org/officeDocument/2006/relationships" xmlns:p="http://schemas.openxmlformats.org/presentationml/2006/main">
   <p:cSld>
     <p:spTree>
@@ -12313,7 +13012,7 @@
 </p:sld>
 </file>
 
-<file path=ppt/slides/slide26.xml><?xml version="1.0" encoding="utf-8"?>
+<file path=ppt/slides/slide27.xml><?xml version="1.0" encoding="utf-8"?>
 <p:sld xmlns:a="http://schemas.openxmlformats.org/drawingml/2006/main" xmlns:r="http://schemas.openxmlformats.org/officeDocument/2006/relationships" xmlns:p="http://schemas.openxmlformats.org/presentationml/2006/main">
   <p:cSld>
     <p:spTree>
@@ -13441,7 +14140,7 @@
 </p:sld>
 </file>
 
-<file path=ppt/slides/slide27.xml><?xml version="1.0" encoding="utf-8"?>
+<file path=ppt/slides/slide28.xml><?xml version="1.0" encoding="utf-8"?>
 <p:sld xmlns:a="http://schemas.openxmlformats.org/drawingml/2006/main" xmlns:r="http://schemas.openxmlformats.org/officeDocument/2006/relationships" xmlns:p="http://schemas.openxmlformats.org/presentationml/2006/main">
   <p:cSld>
     <p:spTree>
@@ -14106,7 +14805,7 @@
 </p:sld>
 </file>
 
-<file path=ppt/slides/slide28.xml><?xml version="1.0" encoding="utf-8"?>
+<file path=ppt/slides/slide29.xml><?xml version="1.0" encoding="utf-8"?>
 <p:sld xmlns:a="http://schemas.openxmlformats.org/drawingml/2006/main" xmlns:r="http://schemas.openxmlformats.org/officeDocument/2006/relationships" xmlns:p="http://schemas.openxmlformats.org/presentationml/2006/main">
   <p:cSld>
     <p:spTree>
@@ -14805,7 +15504,117 @@
 </p:sld>
 </file>
 
-<file path=ppt/slides/slide29.xml><?xml version="1.0" encoding="utf-8"?>
+<file path=ppt/slides/slide3.xml><?xml version="1.0" encoding="utf-8"?>
+<p:sld xmlns:a="http://schemas.openxmlformats.org/drawingml/2006/main" xmlns:r="http://schemas.openxmlformats.org/officeDocument/2006/relationships" xmlns:p="http://schemas.openxmlformats.org/presentationml/2006/main">
+  <p:cSld>
+    <p:spTree>
+      <p:nvGrpSpPr>
+        <p:cNvPr id="1" name=""/>
+        <p:cNvGrpSpPr/>
+        <p:nvPr/>
+      </p:nvGrpSpPr>
+      <p:grpSpPr>
+        <a:xfrm>
+          <a:off x="0" y="0"/>
+          <a:ext cx="0" cy="0"/>
+          <a:chOff x="0" y="0"/>
+          <a:chExt cx="0" cy="0"/>
+        </a:xfrm>
+      </p:grpSpPr>
+      <p:sp>
+        <p:nvSpPr>
+          <p:cNvPr id="2" name="Title 1">
+            <a:extLst>
+              <a:ext uri="{FF2B5EF4-FFF2-40B4-BE49-F238E27FC236}">
+                <a16:creationId xmlns:a16="http://schemas.microsoft.com/office/drawing/2014/main" id="{2F8E9128-9F74-2547-955D-A3FAB09A4DD0}"/>
+              </a:ext>
+            </a:extLst>
+          </p:cNvPr>
+          <p:cNvSpPr>
+            <a:spLocks noGrp="1"/>
+          </p:cNvSpPr>
+          <p:nvPr>
+            <p:ph type="title"/>
+          </p:nvPr>
+        </p:nvSpPr>
+        <p:spPr/>
+        <p:txBody>
+          <a:bodyPr/>
+          <a:lstStyle/>
+          <a:p>
+            <a:r>
+              <a:rPr lang="en-US"/>
+              <a:t>nhiều đại lượng tương quan tỷ lệ thuận</a:t>
+            </a:r>
+          </a:p>
+        </p:txBody>
+      </p:sp>
+      <p:sp>
+        <p:nvSpPr>
+          <p:cNvPr id="3" name="Text Placeholder 2">
+            <a:extLst>
+              <a:ext uri="{FF2B5EF4-FFF2-40B4-BE49-F238E27FC236}">
+                <a16:creationId xmlns:a16="http://schemas.microsoft.com/office/drawing/2014/main" id="{A0947E95-C3B0-F146-87E9-0F826FF66D39}"/>
+              </a:ext>
+            </a:extLst>
+          </p:cNvPr>
+          <p:cNvSpPr>
+            <a:spLocks noGrp="1"/>
+          </p:cNvSpPr>
+          <p:nvPr>
+            <p:ph type="body" idx="1"/>
+          </p:nvPr>
+        </p:nvSpPr>
+        <p:spPr/>
+        <p:txBody>
+          <a:bodyPr/>
+          <a:lstStyle/>
+          <a:p>
+            <a:r>
+              <a:rPr lang="en-US"/>
+              <a:t>Số người trong gia đình ~ tổng chi tiêu trong tháng</a:t>
+            </a:r>
+          </a:p>
+          <a:p>
+            <a:r>
+              <a:rPr lang="en-US"/>
+              <a:t>Tốc độ xe máy ~ lượng nhiên liệu tiêu hao</a:t>
+            </a:r>
+          </a:p>
+          <a:p>
+            <a:r>
+              <a:rPr lang="en-US"/>
+              <a:t>…</a:t>
+            </a:r>
+          </a:p>
+          <a:p>
+            <a:endParaRPr lang="en-US"/>
+          </a:p>
+          <a:p>
+            <a:pPr marL="114300" indent="0">
+              <a:buNone/>
+            </a:pPr>
+            <a:r>
+              <a:rPr lang="en-US"/>
+              <a:t>Dựa vào số liệu quan sát, đo đạc có thể dự báo được không?</a:t>
+            </a:r>
+          </a:p>
+        </p:txBody>
+      </p:sp>
+    </p:spTree>
+    <p:extLst>
+      <p:ext uri="{BB962C8B-B14F-4D97-AF65-F5344CB8AC3E}">
+        <p14:creationId xmlns:p14="http://schemas.microsoft.com/office/powerpoint/2010/main" val="2498526519"/>
+      </p:ext>
+    </p:extLst>
+  </p:cSld>
+  <p:clrMapOvr>
+    <a:masterClrMapping/>
+  </p:clrMapOvr>
+</p:sld>
+</file>
+
+<file path=ppt/slides/slide30.xml><?xml version="1.0" encoding="utf-8"?>
 <p:sld xmlns:a="http://schemas.openxmlformats.org/drawingml/2006/main" xmlns:r="http://schemas.openxmlformats.org/officeDocument/2006/relationships" xmlns:p="http://schemas.openxmlformats.org/presentationml/2006/main">
   <p:cSld>
     <p:spTree>
@@ -15053,117 +15862,7 @@
 </p:sld>
 </file>
 
-<file path=ppt/slides/slide3.xml><?xml version="1.0" encoding="utf-8"?>
-<p:sld xmlns:a="http://schemas.openxmlformats.org/drawingml/2006/main" xmlns:r="http://schemas.openxmlformats.org/officeDocument/2006/relationships" xmlns:p="http://schemas.openxmlformats.org/presentationml/2006/main">
-  <p:cSld>
-    <p:spTree>
-      <p:nvGrpSpPr>
-        <p:cNvPr id="1" name=""/>
-        <p:cNvGrpSpPr/>
-        <p:nvPr/>
-      </p:nvGrpSpPr>
-      <p:grpSpPr>
-        <a:xfrm>
-          <a:off x="0" y="0"/>
-          <a:ext cx="0" cy="0"/>
-          <a:chOff x="0" y="0"/>
-          <a:chExt cx="0" cy="0"/>
-        </a:xfrm>
-      </p:grpSpPr>
-      <p:sp>
-        <p:nvSpPr>
-          <p:cNvPr id="2" name="Title 1">
-            <a:extLst>
-              <a:ext uri="{FF2B5EF4-FFF2-40B4-BE49-F238E27FC236}">
-                <a16:creationId xmlns:a16="http://schemas.microsoft.com/office/drawing/2014/main" id="{2F8E9128-9F74-2547-955D-A3FAB09A4DD0}"/>
-              </a:ext>
-            </a:extLst>
-          </p:cNvPr>
-          <p:cNvSpPr>
-            <a:spLocks noGrp="1"/>
-          </p:cNvSpPr>
-          <p:nvPr>
-            <p:ph type="title"/>
-          </p:nvPr>
-        </p:nvSpPr>
-        <p:spPr/>
-        <p:txBody>
-          <a:bodyPr/>
-          <a:lstStyle/>
-          <a:p>
-            <a:r>
-              <a:rPr lang="en-US"/>
-              <a:t>nhiều đại lượng tương quan tỷ lệ thuận</a:t>
-            </a:r>
-          </a:p>
-        </p:txBody>
-      </p:sp>
-      <p:sp>
-        <p:nvSpPr>
-          <p:cNvPr id="3" name="Text Placeholder 2">
-            <a:extLst>
-              <a:ext uri="{FF2B5EF4-FFF2-40B4-BE49-F238E27FC236}">
-                <a16:creationId xmlns:a16="http://schemas.microsoft.com/office/drawing/2014/main" id="{A0947E95-C3B0-F146-87E9-0F826FF66D39}"/>
-              </a:ext>
-            </a:extLst>
-          </p:cNvPr>
-          <p:cNvSpPr>
-            <a:spLocks noGrp="1"/>
-          </p:cNvSpPr>
-          <p:nvPr>
-            <p:ph type="body" idx="1"/>
-          </p:nvPr>
-        </p:nvSpPr>
-        <p:spPr/>
-        <p:txBody>
-          <a:bodyPr/>
-          <a:lstStyle/>
-          <a:p>
-            <a:r>
-              <a:rPr lang="en-US"/>
-              <a:t>Số người trong gia đình ~ tổng chi tiêu trong tháng</a:t>
-            </a:r>
-          </a:p>
-          <a:p>
-            <a:r>
-              <a:rPr lang="en-US"/>
-              <a:t>Tốc độ xe máy ~ lượng nhiên liệu tiêu hao</a:t>
-            </a:r>
-          </a:p>
-          <a:p>
-            <a:r>
-              <a:rPr lang="en-US"/>
-              <a:t>…</a:t>
-            </a:r>
-          </a:p>
-          <a:p>
-            <a:endParaRPr lang="en-US"/>
-          </a:p>
-          <a:p>
-            <a:pPr marL="114300" indent="0">
-              <a:buNone/>
-            </a:pPr>
-            <a:r>
-              <a:rPr lang="en-US"/>
-              <a:t>Dựa vào số liệu quan sát, đo đạc có thể dự báo được không?</a:t>
-            </a:r>
-          </a:p>
-        </p:txBody>
-      </p:sp>
-    </p:spTree>
-    <p:extLst>
-      <p:ext uri="{BB962C8B-B14F-4D97-AF65-F5344CB8AC3E}">
-        <p14:creationId xmlns:p14="http://schemas.microsoft.com/office/powerpoint/2010/main" val="2498526519"/>
-      </p:ext>
-    </p:extLst>
-  </p:cSld>
-  <p:clrMapOvr>
-    <a:masterClrMapping/>
-  </p:clrMapOvr>
-</p:sld>
-</file>
-
-<file path=ppt/slides/slide30.xml><?xml version="1.0" encoding="utf-8"?>
+<file path=ppt/slides/slide31.xml><?xml version="1.0" encoding="utf-8"?>
 <p:sld xmlns:a="http://schemas.openxmlformats.org/drawingml/2006/main" xmlns:r="http://schemas.openxmlformats.org/officeDocument/2006/relationships" xmlns:p="http://schemas.openxmlformats.org/presentationml/2006/main">
   <p:cSld>
     <p:spTree>
@@ -17204,7 +17903,7 @@
 </p:sld>
 </file>
 
-<file path=ppt/slides/slide31.xml><?xml version="1.0" encoding="utf-8"?>
+<file path=ppt/slides/slide32.xml><?xml version="1.0" encoding="utf-8"?>
 <p:sld xmlns:a="http://schemas.openxmlformats.org/drawingml/2006/main" xmlns:r="http://schemas.openxmlformats.org/officeDocument/2006/relationships" xmlns:p="http://schemas.openxmlformats.org/presentationml/2006/main">
   <p:cSld>
     <p:spTree>
@@ -18462,7 +19161,7 @@
 </p:sld>
 </file>
 
-<file path=ppt/slides/slide32.xml><?xml version="1.0" encoding="utf-8"?>
+<file path=ppt/slides/slide33.xml><?xml version="1.0" encoding="utf-8"?>
 <p:sld xmlns:a="http://schemas.openxmlformats.org/drawingml/2006/main" xmlns:r="http://schemas.openxmlformats.org/officeDocument/2006/relationships" xmlns:p="http://schemas.openxmlformats.org/presentationml/2006/main">
   <p:cSld>
     <p:spTree>
@@ -19666,7 +20365,7 @@
 </p:sld>
 </file>
 
-<file path=ppt/slides/slide33.xml><?xml version="1.0" encoding="utf-8"?>
+<file path=ppt/slides/slide34.xml><?xml version="1.0" encoding="utf-8"?>
 <p:sld xmlns:a="http://schemas.openxmlformats.org/drawingml/2006/main" xmlns:r="http://schemas.openxmlformats.org/officeDocument/2006/relationships" xmlns:p="http://schemas.openxmlformats.org/presentationml/2006/main">
   <p:cSld>
     <p:spTree>
@@ -19726,7 +20425,7 @@
 </p:sld>
 </file>
 
-<file path=ppt/slides/slide34.xml><?xml version="1.0" encoding="utf-8"?>
+<file path=ppt/slides/slide35.xml><?xml version="1.0" encoding="utf-8"?>
 <p:sld xmlns:a="http://schemas.openxmlformats.org/drawingml/2006/main" xmlns:r="http://schemas.openxmlformats.org/officeDocument/2006/relationships" xmlns:p="http://schemas.openxmlformats.org/presentationml/2006/main">
   <p:cSld>
     <p:spTree>
@@ -19784,7 +20483,7 @@
 </p:sld>
 </file>
 
-<file path=ppt/slides/slide35.xml><?xml version="1.0" encoding="utf-8"?>
+<file path=ppt/slides/slide36.xml><?xml version="1.0" encoding="utf-8"?>
 <p:sld xmlns:a="http://schemas.openxmlformats.org/drawingml/2006/main" xmlns:r="http://schemas.openxmlformats.org/officeDocument/2006/relationships" xmlns:p="http://schemas.openxmlformats.org/presentationml/2006/main">
   <p:cSld>
     <p:spTree>
@@ -21019,7 +21718,7 @@
 </p:sld>
 </file>
 
-<file path=ppt/slides/slide36.xml><?xml version="1.0" encoding="utf-8"?>
+<file path=ppt/slides/slide37.xml><?xml version="1.0" encoding="utf-8"?>
 <p:sld xmlns:a="http://schemas.openxmlformats.org/drawingml/2006/main" xmlns:r="http://schemas.openxmlformats.org/officeDocument/2006/relationships" xmlns:p="http://schemas.openxmlformats.org/presentationml/2006/main">
   <p:cSld>
     <p:spTree>
@@ -22475,7 +23174,7 @@
 </p:sld>
 </file>
 
-<file path=ppt/slides/slide37.xml><?xml version="1.0" encoding="utf-8"?>
+<file path=ppt/slides/slide38.xml><?xml version="1.0" encoding="utf-8"?>
 <p:sld xmlns:a="http://schemas.openxmlformats.org/drawingml/2006/main" xmlns:r="http://schemas.openxmlformats.org/officeDocument/2006/relationships" xmlns:p="http://schemas.openxmlformats.org/presentationml/2006/main">
   <p:cSld>
     <p:spTree>
@@ -22535,7 +23234,7 @@
 </p:sld>
 </file>
 
-<file path=ppt/slides/slide38.xml><?xml version="1.0" encoding="utf-8"?>
+<file path=ppt/slides/slide39.xml><?xml version="1.0" encoding="utf-8"?>
 <p:sld xmlns:a="http://schemas.openxmlformats.org/drawingml/2006/main" xmlns:r="http://schemas.openxmlformats.org/officeDocument/2006/relationships" xmlns:p="http://schemas.openxmlformats.org/presentationml/2006/main">
   <p:cSld>
     <p:spTree>
@@ -22614,162 +23313,6 @@
     <p:extLst>
       <p:ext uri="{BB962C8B-B14F-4D97-AF65-F5344CB8AC3E}">
         <p14:creationId xmlns:p14="http://schemas.microsoft.com/office/powerpoint/2010/main" val="1313209226"/>
-      </p:ext>
-    </p:extLst>
-  </p:cSld>
-  <p:clrMapOvr>
-    <a:masterClrMapping/>
-  </p:clrMapOvr>
-</p:sld>
-</file>
-
-<file path=ppt/slides/slide39.xml><?xml version="1.0" encoding="utf-8"?>
-<p:sld xmlns:a="http://schemas.openxmlformats.org/drawingml/2006/main" xmlns:r="http://schemas.openxmlformats.org/officeDocument/2006/relationships" xmlns:p="http://schemas.openxmlformats.org/presentationml/2006/main">
-  <p:cSld>
-    <p:spTree>
-      <p:nvGrpSpPr>
-        <p:cNvPr id="1" name=""/>
-        <p:cNvGrpSpPr/>
-        <p:nvPr/>
-      </p:nvGrpSpPr>
-      <p:grpSpPr>
-        <a:xfrm>
-          <a:off x="0" y="0"/>
-          <a:ext cx="0" cy="0"/>
-          <a:chOff x="0" y="0"/>
-          <a:chExt cx="0" cy="0"/>
-        </a:xfrm>
-      </p:grpSpPr>
-      <p:sp>
-        <p:nvSpPr>
-          <p:cNvPr id="2" name="Title 1">
-            <a:extLst>
-              <a:ext uri="{FF2B5EF4-FFF2-40B4-BE49-F238E27FC236}">
-                <a16:creationId xmlns:a16="http://schemas.microsoft.com/office/drawing/2014/main" id="{5FBE7A81-2441-E64F-B1E4-89C89C077A9D}"/>
-              </a:ext>
-            </a:extLst>
-          </p:cNvPr>
-          <p:cNvSpPr>
-            <a:spLocks noGrp="1"/>
-          </p:cNvSpPr>
-          <p:nvPr>
-            <p:ph type="title"/>
-          </p:nvPr>
-        </p:nvSpPr>
-        <p:spPr/>
-        <p:txBody>
-          <a:bodyPr/>
-          <a:lstStyle/>
-          <a:p>
-            <a:r>
-              <a:rPr lang="en-US"/>
-              <a:t>Dự báo hàm tuyến tính nhiều biến</a:t>
-            </a:r>
-          </a:p>
-        </p:txBody>
-      </p:sp>
-      <p:sp>
-        <p:nvSpPr>
-          <p:cNvPr id="3" name="Text Placeholder 2">
-            <a:extLst>
-              <a:ext uri="{FF2B5EF4-FFF2-40B4-BE49-F238E27FC236}">
-                <a16:creationId xmlns:a16="http://schemas.microsoft.com/office/drawing/2014/main" id="{09C6AA9D-8215-7F4B-BF4F-99DC0A8F301D}"/>
-              </a:ext>
-            </a:extLst>
-          </p:cNvPr>
-          <p:cNvSpPr>
-            <a:spLocks noGrp="1"/>
-          </p:cNvSpPr>
-          <p:nvPr>
-            <p:ph type="body" idx="1"/>
-          </p:nvPr>
-        </p:nvSpPr>
-        <p:spPr>
-          <a:xfrm>
-            <a:off x="235200" y="896862"/>
-            <a:ext cx="8616000" cy="3912000"/>
-          </a:xfrm>
-        </p:spPr>
-        <p:txBody>
-          <a:bodyPr/>
-          <a:lstStyle/>
-          <a:p>
-            <a:r>
-              <a:rPr lang="en-US"/>
-              <a:t>Giá căn hộ = w0 + w1 * diện tích + w2 * 1/(khoảng cách tính từ hồ gươm đến căn hộ)</a:t>
-            </a:r>
-          </a:p>
-          <a:p>
-            <a:pPr lvl="1"/>
-            <a:r>
-              <a:rPr lang="en-US"/>
-              <a:t>Diện tích càng rộng càng đắt</a:t>
-            </a:r>
-          </a:p>
-          <a:p>
-            <a:pPr lvl="1"/>
-            <a:r>
-              <a:rPr lang="en-US"/>
-              <a:t>Càng gần trung tâm Hồ Gươm càng đắt</a:t>
-            </a:r>
-            <a:br>
-              <a:rPr lang="en-US"/>
-            </a:br>
-            <a:endParaRPr lang="en-US"/>
-          </a:p>
-          <a:p>
-            <a:pPr>
-              <a:lnSpc>
-                <a:spcPct val="100000"/>
-              </a:lnSpc>
-            </a:pPr>
-            <a:r>
-              <a:rPr lang="en-US" sz="1400"/>
-              <a:t>Có thể mở rộng ra nhiều biến:</a:t>
-            </a:r>
-          </a:p>
-          <a:p>
-            <a:pPr lvl="1">
-              <a:lnSpc>
-                <a:spcPct val="100000"/>
-              </a:lnSpc>
-            </a:pPr>
-            <a:r>
-              <a:rPr lang="en-US" sz="1400"/>
-              <a:t>Hướng Đông – Nam: đắt nhất &gt; Nam &gt; Đông &gt; Bắc &gt; Tây</a:t>
-            </a:r>
-          </a:p>
-          <a:p>
-            <a:pPr lvl="1">
-              <a:lnSpc>
-                <a:spcPct val="100000"/>
-              </a:lnSpc>
-            </a:pPr>
-            <a:r>
-              <a:rPr lang="en-US" sz="1400"/>
-              <a:t>Có bể bơi</a:t>
-            </a:r>
-          </a:p>
-          <a:p>
-            <a:pPr lvl="1">
-              <a:lnSpc>
-                <a:spcPct val="100000"/>
-              </a:lnSpc>
-            </a:pPr>
-            <a:r>
-              <a:rPr lang="en-US" sz="1400"/>
-              <a:t>Quận: Hoàn Kiếm &gt; Ba Đình &gt; Hai Bà Trưng &gt; Đống Đa &gt; Cầu Giấy</a:t>
-            </a:r>
-          </a:p>
-          <a:p>
-            <a:endParaRPr lang="en-US"/>
-          </a:p>
-        </p:txBody>
-      </p:sp>
-    </p:spTree>
-    <p:extLst>
-      <p:ext uri="{BB962C8B-B14F-4D97-AF65-F5344CB8AC3E}">
-        <p14:creationId xmlns:p14="http://schemas.microsoft.com/office/powerpoint/2010/main" val="2484480342"/>
       </p:ext>
     </p:extLst>
   </p:cSld>
@@ -22919,7 +23462,7 @@
           <p:cNvPr id="2" name="Title 1">
             <a:extLst>
               <a:ext uri="{FF2B5EF4-FFF2-40B4-BE49-F238E27FC236}">
-                <a16:creationId xmlns:a16="http://schemas.microsoft.com/office/drawing/2014/main" id="{3D519BE3-7DEA-424E-B751-807FFB13939A}"/>
+                <a16:creationId xmlns:a16="http://schemas.microsoft.com/office/drawing/2014/main" id="{13D2B25C-7452-7745-9798-19D55ADC7AB1}"/>
               </a:ext>
             </a:extLst>
           </p:cNvPr>
@@ -22937,7 +23480,7 @@
           <a:p>
             <a:r>
               <a:rPr lang="en-US"/>
-              <a:t>Giải quyết bằng Deep Learning</a:t>
+              <a:t>Multi variables Linear Regression</a:t>
             </a:r>
           </a:p>
         </p:txBody>
@@ -22945,7 +23488,5266 @@
     </p:spTree>
     <p:extLst>
       <p:ext uri="{BB962C8B-B14F-4D97-AF65-F5344CB8AC3E}">
-        <p14:creationId xmlns:p14="http://schemas.microsoft.com/office/powerpoint/2010/main" val="2361847707"/>
+        <p14:creationId xmlns:p14="http://schemas.microsoft.com/office/powerpoint/2010/main" val="2436729658"/>
+      </p:ext>
+    </p:extLst>
+  </p:cSld>
+  <p:clrMapOvr>
+    <a:masterClrMapping/>
+  </p:clrMapOvr>
+</p:sld>
+</file>
+
+<file path=ppt/slides/slide41.xml><?xml version="1.0" encoding="utf-8"?>
+<p:sld xmlns:a="http://schemas.openxmlformats.org/drawingml/2006/main" xmlns:r="http://schemas.openxmlformats.org/officeDocument/2006/relationships" xmlns:p="http://schemas.openxmlformats.org/presentationml/2006/main">
+  <p:cSld>
+    <p:spTree>
+      <p:nvGrpSpPr>
+        <p:cNvPr id="1" name=""/>
+        <p:cNvGrpSpPr/>
+        <p:nvPr/>
+      </p:nvGrpSpPr>
+      <p:grpSpPr>
+        <a:xfrm>
+          <a:off x="0" y="0"/>
+          <a:ext cx="0" cy="0"/>
+          <a:chOff x="0" y="0"/>
+          <a:chExt cx="0" cy="0"/>
+        </a:xfrm>
+      </p:grpSpPr>
+      <p:sp>
+        <p:nvSpPr>
+          <p:cNvPr id="2" name="Title 1">
+            <a:extLst>
+              <a:ext uri="{FF2B5EF4-FFF2-40B4-BE49-F238E27FC236}">
+                <a16:creationId xmlns:a16="http://schemas.microsoft.com/office/drawing/2014/main" id="{5FBE7A81-2441-E64F-B1E4-89C89C077A9D}"/>
+              </a:ext>
+            </a:extLst>
+          </p:cNvPr>
+          <p:cNvSpPr>
+            <a:spLocks noGrp="1"/>
+          </p:cNvSpPr>
+          <p:nvPr>
+            <p:ph type="title"/>
+          </p:nvPr>
+        </p:nvSpPr>
+        <p:spPr/>
+        <p:txBody>
+          <a:bodyPr/>
+          <a:lstStyle/>
+          <a:p>
+            <a:r>
+              <a:rPr lang="en-US"/>
+              <a:t>Dự báo hàm tuyến tính nhiều biến</a:t>
+            </a:r>
+          </a:p>
+        </p:txBody>
+      </p:sp>
+      <p:sp>
+        <p:nvSpPr>
+          <p:cNvPr id="3" name="Text Placeholder 2">
+            <a:extLst>
+              <a:ext uri="{FF2B5EF4-FFF2-40B4-BE49-F238E27FC236}">
+                <a16:creationId xmlns:a16="http://schemas.microsoft.com/office/drawing/2014/main" id="{09C6AA9D-8215-7F4B-BF4F-99DC0A8F301D}"/>
+              </a:ext>
+            </a:extLst>
+          </p:cNvPr>
+          <p:cNvSpPr>
+            <a:spLocks noGrp="1"/>
+          </p:cNvSpPr>
+          <p:nvPr>
+            <p:ph type="body" idx="1"/>
+          </p:nvPr>
+        </p:nvSpPr>
+        <p:spPr>
+          <a:xfrm>
+            <a:off x="235200" y="896862"/>
+            <a:ext cx="8616000" cy="3912000"/>
+          </a:xfrm>
+        </p:spPr>
+        <p:txBody>
+          <a:bodyPr/>
+          <a:lstStyle/>
+          <a:p>
+            <a:r>
+              <a:rPr lang="en-US"/>
+              <a:t>Giá căn hộ = w0 + w1 * diện tích + w2 * 1/(khoảng cách tính từ hồ gươm đến căn hộ)</a:t>
+            </a:r>
+          </a:p>
+          <a:p>
+            <a:pPr lvl="1"/>
+            <a:r>
+              <a:rPr lang="en-US"/>
+              <a:t>Diện tích càng rộng càng đắt</a:t>
+            </a:r>
+          </a:p>
+          <a:p>
+            <a:pPr lvl="1"/>
+            <a:r>
+              <a:rPr lang="en-US"/>
+              <a:t>Càng gần trung tâm Hồ Gươm càng đắt</a:t>
+            </a:r>
+            <a:br>
+              <a:rPr lang="en-US"/>
+            </a:br>
+            <a:endParaRPr lang="en-US"/>
+          </a:p>
+          <a:p>
+            <a:pPr>
+              <a:lnSpc>
+                <a:spcPct val="100000"/>
+              </a:lnSpc>
+            </a:pPr>
+            <a:r>
+              <a:rPr lang="en-US" sz="1400"/>
+              <a:t>Có thể mở rộng ra nhiều biến:</a:t>
+            </a:r>
+          </a:p>
+          <a:p>
+            <a:pPr lvl="1">
+              <a:lnSpc>
+                <a:spcPct val="100000"/>
+              </a:lnSpc>
+            </a:pPr>
+            <a:r>
+              <a:rPr lang="en-US" sz="1400"/>
+              <a:t>Hướng Đông – Nam: đắt nhất &gt; Nam &gt; Đông &gt; Bắc &gt; Tây</a:t>
+            </a:r>
+          </a:p>
+          <a:p>
+            <a:pPr lvl="1">
+              <a:lnSpc>
+                <a:spcPct val="100000"/>
+              </a:lnSpc>
+            </a:pPr>
+            <a:r>
+              <a:rPr lang="en-US" sz="1400"/>
+              <a:t>Có bể bơi</a:t>
+            </a:r>
+          </a:p>
+          <a:p>
+            <a:pPr lvl="1">
+              <a:lnSpc>
+                <a:spcPct val="100000"/>
+              </a:lnSpc>
+            </a:pPr>
+            <a:r>
+              <a:rPr lang="en-US" sz="1400"/>
+              <a:t>Quận: Hoàn Kiếm &gt; Ba Đình &gt; Hai Bà Trưng &gt; Đống Đa &gt; Cầu Giấy</a:t>
+            </a:r>
+          </a:p>
+          <a:p>
+            <a:endParaRPr lang="en-US"/>
+          </a:p>
+        </p:txBody>
+      </p:sp>
+    </p:spTree>
+    <p:extLst>
+      <p:ext uri="{BB962C8B-B14F-4D97-AF65-F5344CB8AC3E}">
+        <p14:creationId xmlns:p14="http://schemas.microsoft.com/office/powerpoint/2010/main" val="2484480342"/>
+      </p:ext>
+    </p:extLst>
+  </p:cSld>
+  <p:clrMapOvr>
+    <a:masterClrMapping/>
+  </p:clrMapOvr>
+</p:sld>
+</file>
+
+<file path=ppt/slides/slide42.xml><?xml version="1.0" encoding="utf-8"?>
+<p:sld xmlns:a="http://schemas.openxmlformats.org/drawingml/2006/main" xmlns:r="http://schemas.openxmlformats.org/officeDocument/2006/relationships" xmlns:p="http://schemas.openxmlformats.org/presentationml/2006/main">
+  <p:cSld>
+    <p:spTree>
+      <p:nvGrpSpPr>
+        <p:cNvPr id="1" name=""/>
+        <p:cNvGrpSpPr/>
+        <p:nvPr/>
+      </p:nvGrpSpPr>
+      <p:grpSpPr>
+        <a:xfrm>
+          <a:off x="0" y="0"/>
+          <a:ext cx="0" cy="0"/>
+          <a:chOff x="0" y="0"/>
+          <a:chExt cx="0" cy="0"/>
+        </a:xfrm>
+      </p:grpSpPr>
+      <p:pic>
+        <p:nvPicPr>
+          <p:cNvPr id="2" name="Picture 1">
+            <a:extLst>
+              <a:ext uri="{FF2B5EF4-FFF2-40B4-BE49-F238E27FC236}">
+                <a16:creationId xmlns:a16="http://schemas.microsoft.com/office/drawing/2014/main" id="{22AA480B-439F-7748-9DAF-EB623A0A8BA6}"/>
+              </a:ext>
+            </a:extLst>
+          </p:cNvPr>
+          <p:cNvPicPr>
+            <a:picLocks noChangeAspect="1"/>
+          </p:cNvPicPr>
+          <p:nvPr/>
+        </p:nvPicPr>
+        <p:blipFill>
+          <a:blip r:embed="rId2"/>
+          <a:stretch>
+            <a:fillRect/>
+          </a:stretch>
+        </p:blipFill>
+        <p:spPr>
+          <a:xfrm>
+            <a:off x="5615478" y="1695219"/>
+            <a:ext cx="2648542" cy="1629872"/>
+          </a:xfrm>
+          <a:prstGeom prst="rect">
+            <a:avLst/>
+          </a:prstGeom>
+        </p:spPr>
+      </p:pic>
+      <p:pic>
+        <p:nvPicPr>
+          <p:cNvPr id="3" name="Picture 2">
+            <a:extLst>
+              <a:ext uri="{FF2B5EF4-FFF2-40B4-BE49-F238E27FC236}">
+                <a16:creationId xmlns:a16="http://schemas.microsoft.com/office/drawing/2014/main" id="{003CF900-BC19-734E-8ADF-38356ADFCAE0}"/>
+              </a:ext>
+            </a:extLst>
+          </p:cNvPr>
+          <p:cNvPicPr>
+            <a:picLocks noChangeAspect="1"/>
+          </p:cNvPicPr>
+          <p:nvPr/>
+        </p:nvPicPr>
+        <p:blipFill>
+          <a:blip r:embed="rId3"/>
+          <a:stretch>
+            <a:fillRect/>
+          </a:stretch>
+        </p:blipFill>
+        <p:spPr>
+          <a:xfrm>
+            <a:off x="344516" y="3398405"/>
+            <a:ext cx="1082155" cy="1082155"/>
+          </a:xfrm>
+          <a:prstGeom prst="rect">
+            <a:avLst/>
+          </a:prstGeom>
+        </p:spPr>
+      </p:pic>
+      <p:cxnSp>
+        <p:nvCxnSpPr>
+          <p:cNvPr id="5" name="Straight Connector 4">
+            <a:extLst>
+              <a:ext uri="{FF2B5EF4-FFF2-40B4-BE49-F238E27FC236}">
+                <a16:creationId xmlns:a16="http://schemas.microsoft.com/office/drawing/2014/main" id="{F82F4680-F22F-3C41-8286-69C99C5B9843}"/>
+              </a:ext>
+            </a:extLst>
+          </p:cNvPr>
+          <p:cNvCxnSpPr>
+            <a:stCxn id="3" idx="3"/>
+          </p:cNvCxnSpPr>
+          <p:nvPr/>
+        </p:nvCxnSpPr>
+        <p:spPr>
+          <a:xfrm flipV="1">
+            <a:off x="1426671" y="2818015"/>
+            <a:ext cx="5406391" cy="1121468"/>
+          </a:xfrm>
+          <a:prstGeom prst="line">
+            <a:avLst/>
+          </a:prstGeom>
+          <a:ln w="28575">
+            <a:solidFill>
+              <a:srgbClr val="FF0000"/>
+            </a:solidFill>
+          </a:ln>
+        </p:spPr>
+        <p:style>
+          <a:lnRef idx="1">
+            <a:schemeClr val="accent1"/>
+          </a:lnRef>
+          <a:fillRef idx="0">
+            <a:schemeClr val="accent1"/>
+          </a:fillRef>
+          <a:effectRef idx="0">
+            <a:schemeClr val="accent1"/>
+          </a:effectRef>
+          <a:fontRef idx="minor">
+            <a:schemeClr val="tx1"/>
+          </a:fontRef>
+        </p:style>
+      </p:cxnSp>
+      <p:sp>
+        <p:nvSpPr>
+          <p:cNvPr id="6" name="TextBox 5">
+            <a:extLst>
+              <a:ext uri="{FF2B5EF4-FFF2-40B4-BE49-F238E27FC236}">
+                <a16:creationId xmlns:a16="http://schemas.microsoft.com/office/drawing/2014/main" id="{A79D5816-4C26-D641-AFE2-79066948978B}"/>
+              </a:ext>
+            </a:extLst>
+          </p:cNvPr>
+          <p:cNvSpPr txBox="1"/>
+          <p:nvPr/>
+        </p:nvSpPr>
+        <p:spPr>
+          <a:xfrm rot="20883004">
+            <a:off x="2231981" y="2893201"/>
+            <a:ext cx="2460886" cy="584775"/>
+          </a:xfrm>
+          <a:prstGeom prst="rect">
+            <a:avLst/>
+          </a:prstGeom>
+          <a:noFill/>
+        </p:spPr>
+        <p:txBody>
+          <a:bodyPr wrap="square" rtlCol="0">
+            <a:spAutoFit/>
+          </a:bodyPr>
+          <a:lstStyle/>
+          <a:p>
+            <a:r>
+              <a:rPr lang="en-US" sz="1600"/>
+              <a:t>Khoảng cách</a:t>
+            </a:r>
+          </a:p>
+          <a:p>
+            <a:r>
+              <a:rPr lang="en-US" sz="1600"/>
+              <a:t>càng ngắn, giá càng cao</a:t>
+            </a:r>
+          </a:p>
+        </p:txBody>
+      </p:sp>
+    </p:spTree>
+    <p:extLst>
+      <p:ext uri="{BB962C8B-B14F-4D97-AF65-F5344CB8AC3E}">
+        <p14:creationId xmlns:p14="http://schemas.microsoft.com/office/powerpoint/2010/main" val="1707988451"/>
+      </p:ext>
+    </p:extLst>
+  </p:cSld>
+  <p:clrMapOvr>
+    <a:masterClrMapping/>
+  </p:clrMapOvr>
+</p:sld>
+</file>
+
+<file path=ppt/slides/slide43.xml><?xml version="1.0" encoding="utf-8"?>
+<p:sld xmlns:a="http://schemas.openxmlformats.org/drawingml/2006/main" xmlns:r="http://schemas.openxmlformats.org/officeDocument/2006/relationships" xmlns:p="http://schemas.openxmlformats.org/presentationml/2006/main">
+  <p:cSld>
+    <p:spTree>
+      <p:nvGrpSpPr>
+        <p:cNvPr id="1" name=""/>
+        <p:cNvGrpSpPr/>
+        <p:nvPr/>
+      </p:nvGrpSpPr>
+      <p:grpSpPr>
+        <a:xfrm>
+          <a:off x="0" y="0"/>
+          <a:ext cx="0" cy="0"/>
+          <a:chOff x="0" y="0"/>
+          <a:chExt cx="0" cy="0"/>
+        </a:xfrm>
+      </p:grpSpPr>
+      <p:sp>
+        <p:nvSpPr>
+          <p:cNvPr id="2" name="Rectangle 1">
+            <a:extLst>
+              <a:ext uri="{FF2B5EF4-FFF2-40B4-BE49-F238E27FC236}">
+                <a16:creationId xmlns:a16="http://schemas.microsoft.com/office/drawing/2014/main" id="{92D62F7C-A8B1-7248-8964-4CCB7E1D7EE6}"/>
+              </a:ext>
+            </a:extLst>
+          </p:cNvPr>
+          <p:cNvSpPr/>
+          <p:nvPr/>
+        </p:nvSpPr>
+        <p:spPr>
+          <a:xfrm>
+            <a:off x="154982" y="844612"/>
+            <a:ext cx="8872781" cy="4185761"/>
+          </a:xfrm>
+          <a:prstGeom prst="rect">
+            <a:avLst/>
+          </a:prstGeom>
+        </p:spPr>
+        <p:txBody>
+          <a:bodyPr wrap="square">
+            <a:spAutoFit/>
+          </a:bodyPr>
+          <a:lstStyle/>
+          <a:p>
+            <a:r>
+              <a:rPr lang="vi-VN" b="1">
+                <a:solidFill>
+                  <a:srgbClr val="7F0055"/>
+                </a:solidFill>
+                <a:effectLst/>
+                <a:latin typeface="RobotoMono Nerd Font" pitchFamily="2" charset="0"/>
+                <a:ea typeface="RobotoMono Nerd Font" pitchFamily="2" charset="0"/>
+              </a:rPr>
+              <a:t>import </a:t>
+            </a:r>
+            <a:r>
+              <a:rPr lang="vi-VN">
+                <a:latin typeface="RobotoMono Nerd Font" pitchFamily="2" charset="0"/>
+                <a:ea typeface="RobotoMono Nerd Font" pitchFamily="2" charset="0"/>
+              </a:rPr>
+              <a:t>numpy </a:t>
+            </a:r>
+            <a:r>
+              <a:rPr lang="vi-VN" b="1">
+                <a:solidFill>
+                  <a:srgbClr val="7F0055"/>
+                </a:solidFill>
+                <a:effectLst/>
+                <a:latin typeface="RobotoMono Nerd Font" pitchFamily="2" charset="0"/>
+                <a:ea typeface="RobotoMono Nerd Font" pitchFamily="2" charset="0"/>
+              </a:rPr>
+              <a:t>as </a:t>
+            </a:r>
+            <a:r>
+              <a:rPr lang="vi-VN">
+                <a:latin typeface="RobotoMono Nerd Font" pitchFamily="2" charset="0"/>
+                <a:ea typeface="RobotoMono Nerd Font" pitchFamily="2" charset="0"/>
+              </a:rPr>
+              <a:t>np</a:t>
+            </a:r>
+            <a:br>
+              <a:rPr lang="vi-VN">
+                <a:latin typeface="RobotoMono Nerd Font" pitchFamily="2" charset="0"/>
+                <a:ea typeface="RobotoMono Nerd Font" pitchFamily="2" charset="0"/>
+              </a:rPr>
+            </a:br>
+            <a:br>
+              <a:rPr lang="vi-VN">
+                <a:latin typeface="RobotoMono Nerd Font" pitchFamily="2" charset="0"/>
+                <a:ea typeface="RobotoMono Nerd Font" pitchFamily="2" charset="0"/>
+              </a:rPr>
+            </a:br>
+            <a:r>
+              <a:rPr lang="vi-VN">
+                <a:latin typeface="RobotoMono Nerd Font" pitchFamily="2" charset="0"/>
+                <a:ea typeface="RobotoMono Nerd Font" pitchFamily="2" charset="0"/>
+              </a:rPr>
+              <a:t>N </a:t>
+            </a:r>
+            <a:r>
+              <a:rPr lang="vi-VN">
+                <a:solidFill>
+                  <a:srgbClr val="333333"/>
+                </a:solidFill>
+                <a:effectLst/>
+                <a:latin typeface="RobotoMono Nerd Font" pitchFamily="2" charset="0"/>
+                <a:ea typeface="RobotoMono Nerd Font" pitchFamily="2" charset="0"/>
+              </a:rPr>
+              <a:t>= </a:t>
+            </a:r>
+            <a:r>
+              <a:rPr lang="vi-VN" b="1">
+                <a:solidFill>
+                  <a:srgbClr val="333333"/>
+                </a:solidFill>
+                <a:effectLst/>
+                <a:latin typeface="RobotoMono Nerd Font" pitchFamily="2" charset="0"/>
+                <a:ea typeface="RobotoMono Nerd Font" pitchFamily="2" charset="0"/>
+              </a:rPr>
+              <a:t>1000</a:t>
+            </a:r>
+            <a:br>
+              <a:rPr lang="vi-VN" b="1">
+                <a:solidFill>
+                  <a:srgbClr val="333333"/>
+                </a:solidFill>
+                <a:effectLst/>
+                <a:latin typeface="RobotoMono Nerd Font" pitchFamily="2" charset="0"/>
+                <a:ea typeface="RobotoMono Nerd Font" pitchFamily="2" charset="0"/>
+              </a:rPr>
+            </a:br>
+            <a:r>
+              <a:rPr lang="vi-VN">
+                <a:latin typeface="RobotoMono Nerd Font" pitchFamily="2" charset="0"/>
+                <a:ea typeface="RobotoMono Nerd Font" pitchFamily="2" charset="0"/>
+              </a:rPr>
+              <a:t>X1 </a:t>
+            </a:r>
+            <a:r>
+              <a:rPr lang="vi-VN">
+                <a:solidFill>
+                  <a:srgbClr val="333333"/>
+                </a:solidFill>
+                <a:effectLst/>
+                <a:latin typeface="RobotoMono Nerd Font" pitchFamily="2" charset="0"/>
+                <a:ea typeface="RobotoMono Nerd Font" pitchFamily="2" charset="0"/>
+              </a:rPr>
+              <a:t>= </a:t>
+            </a:r>
+            <a:r>
+              <a:rPr lang="vi-VN">
+                <a:latin typeface="RobotoMono Nerd Font" pitchFamily="2" charset="0"/>
+                <a:ea typeface="RobotoMono Nerd Font" pitchFamily="2" charset="0"/>
+              </a:rPr>
+              <a:t>np</a:t>
+            </a:r>
+            <a:r>
+              <a:rPr lang="vi-VN">
+                <a:solidFill>
+                  <a:srgbClr val="333333"/>
+                </a:solidFill>
+                <a:effectLst/>
+                <a:latin typeface="RobotoMono Nerd Font" pitchFamily="2" charset="0"/>
+                <a:ea typeface="RobotoMono Nerd Font" pitchFamily="2" charset="0"/>
+              </a:rPr>
+              <a:t>.</a:t>
+            </a:r>
+            <a:r>
+              <a:rPr lang="vi-VN">
+                <a:latin typeface="RobotoMono Nerd Font" pitchFamily="2" charset="0"/>
+                <a:ea typeface="RobotoMono Nerd Font" pitchFamily="2" charset="0"/>
+              </a:rPr>
+              <a:t>random</a:t>
+            </a:r>
+            <a:r>
+              <a:rPr lang="vi-VN">
+                <a:solidFill>
+                  <a:srgbClr val="333333"/>
+                </a:solidFill>
+                <a:effectLst/>
+                <a:latin typeface="RobotoMono Nerd Font" pitchFamily="2" charset="0"/>
+                <a:ea typeface="RobotoMono Nerd Font" pitchFamily="2" charset="0"/>
+              </a:rPr>
+              <a:t>.</a:t>
+            </a:r>
+            <a:r>
+              <a:rPr lang="vi-VN">
+                <a:solidFill>
+                  <a:srgbClr val="170591"/>
+                </a:solidFill>
+                <a:effectLst/>
+                <a:latin typeface="RobotoMono Nerd Font" pitchFamily="2" charset="0"/>
+                <a:ea typeface="RobotoMono Nerd Font" pitchFamily="2" charset="0"/>
+              </a:rPr>
+              <a:t>uniform</a:t>
+            </a:r>
+            <a:r>
+              <a:rPr lang="vi-VN">
+                <a:solidFill>
+                  <a:srgbClr val="000066"/>
+                </a:solidFill>
+                <a:effectLst/>
+                <a:latin typeface="RobotoMono Nerd Font" pitchFamily="2" charset="0"/>
+                <a:ea typeface="RobotoMono Nerd Font" pitchFamily="2" charset="0"/>
+              </a:rPr>
+              <a:t>(</a:t>
+            </a:r>
+            <a:r>
+              <a:rPr lang="vi-VN" b="1">
+                <a:solidFill>
+                  <a:srgbClr val="333333"/>
+                </a:solidFill>
+                <a:effectLst/>
+                <a:latin typeface="RobotoMono Nerd Font" pitchFamily="2" charset="0"/>
+                <a:ea typeface="RobotoMono Nerd Font" pitchFamily="2" charset="0"/>
+              </a:rPr>
+              <a:t>30</a:t>
+            </a:r>
+            <a:r>
+              <a:rPr lang="vi-VN">
+                <a:solidFill>
+                  <a:srgbClr val="333333"/>
+                </a:solidFill>
+                <a:effectLst/>
+                <a:latin typeface="RobotoMono Nerd Font" pitchFamily="2" charset="0"/>
+                <a:ea typeface="RobotoMono Nerd Font" pitchFamily="2" charset="0"/>
+              </a:rPr>
+              <a:t>, </a:t>
+            </a:r>
+            <a:r>
+              <a:rPr lang="vi-VN" b="1">
+                <a:solidFill>
+                  <a:srgbClr val="333333"/>
+                </a:solidFill>
+                <a:effectLst/>
+                <a:latin typeface="RobotoMono Nerd Font" pitchFamily="2" charset="0"/>
+                <a:ea typeface="RobotoMono Nerd Font" pitchFamily="2" charset="0"/>
+              </a:rPr>
+              <a:t>150</a:t>
+            </a:r>
+            <a:r>
+              <a:rPr lang="vi-VN">
+                <a:solidFill>
+                  <a:srgbClr val="333333"/>
+                </a:solidFill>
+                <a:effectLst/>
+                <a:latin typeface="RobotoMono Nerd Font" pitchFamily="2" charset="0"/>
+                <a:ea typeface="RobotoMono Nerd Font" pitchFamily="2" charset="0"/>
+              </a:rPr>
+              <a:t>, </a:t>
+            </a:r>
+            <a:r>
+              <a:rPr lang="vi-VN">
+                <a:latin typeface="RobotoMono Nerd Font" pitchFamily="2" charset="0"/>
+                <a:ea typeface="RobotoMono Nerd Font" pitchFamily="2" charset="0"/>
+              </a:rPr>
+              <a:t>N</a:t>
+            </a:r>
+            <a:r>
+              <a:rPr lang="vi-VN">
+                <a:solidFill>
+                  <a:srgbClr val="000066"/>
+                </a:solidFill>
+                <a:effectLst/>
+                <a:latin typeface="RobotoMono Nerd Font" pitchFamily="2" charset="0"/>
+                <a:ea typeface="RobotoMono Nerd Font" pitchFamily="2" charset="0"/>
+              </a:rPr>
+              <a:t>)  </a:t>
+            </a:r>
+            <a:r>
+              <a:rPr lang="vi-VN">
+                <a:solidFill>
+                  <a:srgbClr val="3F7F5F"/>
+                </a:solidFill>
+                <a:effectLst/>
+                <a:latin typeface="RobotoMono Nerd Font" pitchFamily="2" charset="0"/>
+                <a:ea typeface="RobotoMono Nerd Font" pitchFamily="2" charset="0"/>
+              </a:rPr>
+              <a:t># Diện tích theo m2</a:t>
+            </a:r>
+            <a:br>
+              <a:rPr lang="vi-VN">
+                <a:solidFill>
+                  <a:srgbClr val="3F7F5F"/>
+                </a:solidFill>
+                <a:effectLst/>
+                <a:latin typeface="RobotoMono Nerd Font" pitchFamily="2" charset="0"/>
+                <a:ea typeface="RobotoMono Nerd Font" pitchFamily="2" charset="0"/>
+              </a:rPr>
+            </a:br>
+            <a:r>
+              <a:rPr lang="vi-VN">
+                <a:latin typeface="RobotoMono Nerd Font" pitchFamily="2" charset="0"/>
+                <a:ea typeface="RobotoMono Nerd Font" pitchFamily="2" charset="0"/>
+              </a:rPr>
+              <a:t>X2 </a:t>
+            </a:r>
+            <a:r>
+              <a:rPr lang="vi-VN">
+                <a:solidFill>
+                  <a:srgbClr val="333333"/>
+                </a:solidFill>
+                <a:effectLst/>
+                <a:latin typeface="RobotoMono Nerd Font" pitchFamily="2" charset="0"/>
+                <a:ea typeface="RobotoMono Nerd Font" pitchFamily="2" charset="0"/>
+              </a:rPr>
+              <a:t>= </a:t>
+            </a:r>
+            <a:r>
+              <a:rPr lang="vi-VN" b="1">
+                <a:solidFill>
+                  <a:srgbClr val="333333"/>
+                </a:solidFill>
+                <a:effectLst/>
+                <a:latin typeface="RobotoMono Nerd Font" pitchFamily="2" charset="0"/>
+                <a:ea typeface="RobotoMono Nerd Font" pitchFamily="2" charset="0"/>
+              </a:rPr>
+              <a:t>1 </a:t>
+            </a:r>
+            <a:r>
+              <a:rPr lang="vi-VN">
+                <a:solidFill>
+                  <a:srgbClr val="333333"/>
+                </a:solidFill>
+                <a:effectLst/>
+                <a:latin typeface="RobotoMono Nerd Font" pitchFamily="2" charset="0"/>
+                <a:ea typeface="RobotoMono Nerd Font" pitchFamily="2" charset="0"/>
+              </a:rPr>
+              <a:t>/ </a:t>
+            </a:r>
+            <a:r>
+              <a:rPr lang="vi-VN">
+                <a:latin typeface="RobotoMono Nerd Font" pitchFamily="2" charset="0"/>
+                <a:ea typeface="RobotoMono Nerd Font" pitchFamily="2" charset="0"/>
+              </a:rPr>
+              <a:t>np</a:t>
+            </a:r>
+            <a:r>
+              <a:rPr lang="vi-VN">
+                <a:solidFill>
+                  <a:srgbClr val="333333"/>
+                </a:solidFill>
+                <a:effectLst/>
+                <a:latin typeface="RobotoMono Nerd Font" pitchFamily="2" charset="0"/>
+                <a:ea typeface="RobotoMono Nerd Font" pitchFamily="2" charset="0"/>
+              </a:rPr>
+              <a:t>.</a:t>
+            </a:r>
+            <a:r>
+              <a:rPr lang="vi-VN">
+                <a:latin typeface="RobotoMono Nerd Font" pitchFamily="2" charset="0"/>
+                <a:ea typeface="RobotoMono Nerd Font" pitchFamily="2" charset="0"/>
+              </a:rPr>
+              <a:t>random</a:t>
+            </a:r>
+            <a:r>
+              <a:rPr lang="vi-VN">
+                <a:solidFill>
+                  <a:srgbClr val="333333"/>
+                </a:solidFill>
+                <a:effectLst/>
+                <a:latin typeface="RobotoMono Nerd Font" pitchFamily="2" charset="0"/>
+                <a:ea typeface="RobotoMono Nerd Font" pitchFamily="2" charset="0"/>
+              </a:rPr>
+              <a:t>.</a:t>
+            </a:r>
+            <a:r>
+              <a:rPr lang="vi-VN">
+                <a:solidFill>
+                  <a:srgbClr val="170591"/>
+                </a:solidFill>
+                <a:effectLst/>
+                <a:latin typeface="RobotoMono Nerd Font" pitchFamily="2" charset="0"/>
+                <a:ea typeface="RobotoMono Nerd Font" pitchFamily="2" charset="0"/>
+              </a:rPr>
+              <a:t>uniform</a:t>
+            </a:r>
+            <a:r>
+              <a:rPr lang="vi-VN">
+                <a:solidFill>
+                  <a:srgbClr val="000066"/>
+                </a:solidFill>
+                <a:effectLst/>
+                <a:latin typeface="RobotoMono Nerd Font" pitchFamily="2" charset="0"/>
+                <a:ea typeface="RobotoMono Nerd Font" pitchFamily="2" charset="0"/>
+              </a:rPr>
+              <a:t>(</a:t>
+            </a:r>
+            <a:r>
+              <a:rPr lang="vi-VN" b="1">
+                <a:solidFill>
+                  <a:srgbClr val="333333"/>
+                </a:solidFill>
+                <a:effectLst/>
+                <a:latin typeface="RobotoMono Nerd Font" pitchFamily="2" charset="0"/>
+                <a:ea typeface="RobotoMono Nerd Font" pitchFamily="2" charset="0"/>
+              </a:rPr>
+              <a:t>0.5</a:t>
+            </a:r>
+            <a:r>
+              <a:rPr lang="vi-VN">
+                <a:solidFill>
+                  <a:srgbClr val="333333"/>
+                </a:solidFill>
+                <a:effectLst/>
+                <a:latin typeface="RobotoMono Nerd Font" pitchFamily="2" charset="0"/>
+                <a:ea typeface="RobotoMono Nerd Font" pitchFamily="2" charset="0"/>
+              </a:rPr>
+              <a:t>, </a:t>
+            </a:r>
+            <a:r>
+              <a:rPr lang="vi-VN" b="1">
+                <a:solidFill>
+                  <a:srgbClr val="333333"/>
+                </a:solidFill>
+                <a:effectLst/>
+                <a:latin typeface="RobotoMono Nerd Font" pitchFamily="2" charset="0"/>
+                <a:ea typeface="RobotoMono Nerd Font" pitchFamily="2" charset="0"/>
+              </a:rPr>
+              <a:t>20</a:t>
+            </a:r>
+            <a:r>
+              <a:rPr lang="vi-VN">
+                <a:solidFill>
+                  <a:srgbClr val="333333"/>
+                </a:solidFill>
+                <a:effectLst/>
+                <a:latin typeface="RobotoMono Nerd Font" pitchFamily="2" charset="0"/>
+                <a:ea typeface="RobotoMono Nerd Font" pitchFamily="2" charset="0"/>
+              </a:rPr>
+              <a:t>, </a:t>
+            </a:r>
+            <a:r>
+              <a:rPr lang="vi-VN">
+                <a:latin typeface="RobotoMono Nerd Font" pitchFamily="2" charset="0"/>
+                <a:ea typeface="RobotoMono Nerd Font" pitchFamily="2" charset="0"/>
+              </a:rPr>
+              <a:t>N</a:t>
+            </a:r>
+            <a:r>
+              <a:rPr lang="vi-VN">
+                <a:solidFill>
+                  <a:srgbClr val="000066"/>
+                </a:solidFill>
+                <a:effectLst/>
+                <a:latin typeface="RobotoMono Nerd Font" pitchFamily="2" charset="0"/>
+                <a:ea typeface="RobotoMono Nerd Font" pitchFamily="2" charset="0"/>
+              </a:rPr>
+              <a:t>)  </a:t>
+            </a:r>
+            <a:r>
+              <a:rPr lang="vi-VN">
+                <a:solidFill>
+                  <a:srgbClr val="3F7F5F"/>
+                </a:solidFill>
+                <a:effectLst/>
+                <a:latin typeface="RobotoMono Nerd Font" pitchFamily="2" charset="0"/>
+                <a:ea typeface="RobotoMono Nerd Font" pitchFamily="2" charset="0"/>
+              </a:rPr>
+              <a:t># Nghịch đảo khoảng cách tính từ hồ Gươm đến căn hộ</a:t>
+            </a:r>
+            <a:br>
+              <a:rPr lang="vi-VN">
+                <a:solidFill>
+                  <a:srgbClr val="3F7F5F"/>
+                </a:solidFill>
+                <a:effectLst/>
+                <a:latin typeface="RobotoMono Nerd Font" pitchFamily="2" charset="0"/>
+                <a:ea typeface="RobotoMono Nerd Font" pitchFamily="2" charset="0"/>
+              </a:rPr>
+            </a:br>
+            <a:br>
+              <a:rPr lang="vi-VN">
+                <a:solidFill>
+                  <a:srgbClr val="3F7F5F"/>
+                </a:solidFill>
+                <a:effectLst/>
+                <a:latin typeface="RobotoMono Nerd Font" pitchFamily="2" charset="0"/>
+                <a:ea typeface="RobotoMono Nerd Font" pitchFamily="2" charset="0"/>
+              </a:rPr>
+            </a:br>
+            <a:r>
+              <a:rPr lang="vi-VN">
+                <a:latin typeface="RobotoMono Nerd Font" pitchFamily="2" charset="0"/>
+                <a:ea typeface="RobotoMono Nerd Font" pitchFamily="2" charset="0"/>
+              </a:rPr>
+              <a:t>w1 </a:t>
+            </a:r>
+            <a:r>
+              <a:rPr lang="vi-VN">
+                <a:solidFill>
+                  <a:srgbClr val="333333"/>
+                </a:solidFill>
+                <a:effectLst/>
+                <a:latin typeface="RobotoMono Nerd Font" pitchFamily="2" charset="0"/>
+                <a:ea typeface="RobotoMono Nerd Font" pitchFamily="2" charset="0"/>
+              </a:rPr>
+              <a:t>= </a:t>
+            </a:r>
+            <a:r>
+              <a:rPr lang="vi-VN" b="1">
+                <a:solidFill>
+                  <a:srgbClr val="333333"/>
+                </a:solidFill>
+                <a:effectLst/>
+                <a:latin typeface="RobotoMono Nerd Font" pitchFamily="2" charset="0"/>
+                <a:ea typeface="RobotoMono Nerd Font" pitchFamily="2" charset="0"/>
+              </a:rPr>
+              <a:t>25.5</a:t>
+            </a:r>
+            <a:br>
+              <a:rPr lang="vi-VN" b="1">
+                <a:solidFill>
+                  <a:srgbClr val="333333"/>
+                </a:solidFill>
+                <a:effectLst/>
+                <a:latin typeface="RobotoMono Nerd Font" pitchFamily="2" charset="0"/>
+                <a:ea typeface="RobotoMono Nerd Font" pitchFamily="2" charset="0"/>
+              </a:rPr>
+            </a:br>
+            <a:r>
+              <a:rPr lang="vi-VN">
+                <a:latin typeface="RobotoMono Nerd Font" pitchFamily="2" charset="0"/>
+                <a:ea typeface="RobotoMono Nerd Font" pitchFamily="2" charset="0"/>
+              </a:rPr>
+              <a:t>w2 </a:t>
+            </a:r>
+            <a:r>
+              <a:rPr lang="vi-VN">
+                <a:solidFill>
+                  <a:srgbClr val="333333"/>
+                </a:solidFill>
+                <a:effectLst/>
+                <a:latin typeface="RobotoMono Nerd Font" pitchFamily="2" charset="0"/>
+                <a:ea typeface="RobotoMono Nerd Font" pitchFamily="2" charset="0"/>
+              </a:rPr>
+              <a:t>= </a:t>
+            </a:r>
+            <a:r>
+              <a:rPr lang="vi-VN" b="1">
+                <a:solidFill>
+                  <a:srgbClr val="333333"/>
+                </a:solidFill>
+                <a:effectLst/>
+                <a:latin typeface="RobotoMono Nerd Font" pitchFamily="2" charset="0"/>
+                <a:ea typeface="RobotoMono Nerd Font" pitchFamily="2" charset="0"/>
+              </a:rPr>
+              <a:t>3000</a:t>
+            </a:r>
+            <a:br>
+              <a:rPr lang="vi-VN" b="1">
+                <a:solidFill>
+                  <a:srgbClr val="333333"/>
+                </a:solidFill>
+                <a:effectLst/>
+                <a:latin typeface="RobotoMono Nerd Font" pitchFamily="2" charset="0"/>
+                <a:ea typeface="RobotoMono Nerd Font" pitchFamily="2" charset="0"/>
+              </a:rPr>
+            </a:br>
+            <a:r>
+              <a:rPr lang="vi-VN">
+                <a:latin typeface="RobotoMono Nerd Font" pitchFamily="2" charset="0"/>
+                <a:ea typeface="RobotoMono Nerd Font" pitchFamily="2" charset="0"/>
+              </a:rPr>
+              <a:t>Price </a:t>
+            </a:r>
+            <a:r>
+              <a:rPr lang="vi-VN">
+                <a:solidFill>
+                  <a:srgbClr val="333333"/>
+                </a:solidFill>
+                <a:effectLst/>
+                <a:latin typeface="RobotoMono Nerd Font" pitchFamily="2" charset="0"/>
+                <a:ea typeface="RobotoMono Nerd Font" pitchFamily="2" charset="0"/>
+              </a:rPr>
+              <a:t>= </a:t>
+            </a:r>
+            <a:r>
+              <a:rPr lang="vi-VN">
+                <a:latin typeface="RobotoMono Nerd Font" pitchFamily="2" charset="0"/>
+                <a:ea typeface="RobotoMono Nerd Font" pitchFamily="2" charset="0"/>
+              </a:rPr>
+              <a:t>w1 </a:t>
+            </a:r>
+            <a:r>
+              <a:rPr lang="vi-VN">
+                <a:solidFill>
+                  <a:srgbClr val="333333"/>
+                </a:solidFill>
+                <a:effectLst/>
+                <a:latin typeface="RobotoMono Nerd Font" pitchFamily="2" charset="0"/>
+                <a:ea typeface="RobotoMono Nerd Font" pitchFamily="2" charset="0"/>
+              </a:rPr>
+              <a:t>* </a:t>
+            </a:r>
+            <a:r>
+              <a:rPr lang="vi-VN">
+                <a:latin typeface="RobotoMono Nerd Font" pitchFamily="2" charset="0"/>
+                <a:ea typeface="RobotoMono Nerd Font" pitchFamily="2" charset="0"/>
+              </a:rPr>
+              <a:t>X1 </a:t>
+            </a:r>
+            <a:r>
+              <a:rPr lang="vi-VN">
+                <a:solidFill>
+                  <a:srgbClr val="333333"/>
+                </a:solidFill>
+                <a:effectLst/>
+                <a:latin typeface="RobotoMono Nerd Font" pitchFamily="2" charset="0"/>
+                <a:ea typeface="RobotoMono Nerd Font" pitchFamily="2" charset="0"/>
+              </a:rPr>
+              <a:t>+ </a:t>
+            </a:r>
+            <a:r>
+              <a:rPr lang="vi-VN">
+                <a:latin typeface="RobotoMono Nerd Font" pitchFamily="2" charset="0"/>
+                <a:ea typeface="RobotoMono Nerd Font" pitchFamily="2" charset="0"/>
+              </a:rPr>
+              <a:t>w2 </a:t>
+            </a:r>
+            <a:r>
+              <a:rPr lang="vi-VN">
+                <a:solidFill>
+                  <a:srgbClr val="333333"/>
+                </a:solidFill>
+                <a:effectLst/>
+                <a:latin typeface="RobotoMono Nerd Font" pitchFamily="2" charset="0"/>
+                <a:ea typeface="RobotoMono Nerd Font" pitchFamily="2" charset="0"/>
+              </a:rPr>
+              <a:t>* </a:t>
+            </a:r>
+            <a:r>
+              <a:rPr lang="vi-VN">
+                <a:latin typeface="RobotoMono Nerd Font" pitchFamily="2" charset="0"/>
+                <a:ea typeface="RobotoMono Nerd Font" pitchFamily="2" charset="0"/>
+              </a:rPr>
+              <a:t>X2 </a:t>
+            </a:r>
+            <a:r>
+              <a:rPr lang="vi-VN">
+                <a:solidFill>
+                  <a:srgbClr val="333333"/>
+                </a:solidFill>
+                <a:effectLst/>
+                <a:latin typeface="RobotoMono Nerd Font" pitchFamily="2" charset="0"/>
+                <a:ea typeface="RobotoMono Nerd Font" pitchFamily="2" charset="0"/>
+              </a:rPr>
+              <a:t>+ </a:t>
+            </a:r>
+            <a:r>
+              <a:rPr lang="vi-VN">
+                <a:latin typeface="RobotoMono Nerd Font" pitchFamily="2" charset="0"/>
+                <a:ea typeface="RobotoMono Nerd Font" pitchFamily="2" charset="0"/>
+              </a:rPr>
+              <a:t>np</a:t>
+            </a:r>
+            <a:r>
+              <a:rPr lang="vi-VN">
+                <a:solidFill>
+                  <a:srgbClr val="333333"/>
+                </a:solidFill>
+                <a:effectLst/>
+                <a:latin typeface="RobotoMono Nerd Font" pitchFamily="2" charset="0"/>
+                <a:ea typeface="RobotoMono Nerd Font" pitchFamily="2" charset="0"/>
+              </a:rPr>
+              <a:t>.</a:t>
+            </a:r>
+            <a:r>
+              <a:rPr lang="vi-VN">
+                <a:latin typeface="RobotoMono Nerd Font" pitchFamily="2" charset="0"/>
+                <a:ea typeface="RobotoMono Nerd Font" pitchFamily="2" charset="0"/>
+              </a:rPr>
+              <a:t>random</a:t>
+            </a:r>
+            <a:r>
+              <a:rPr lang="vi-VN">
+                <a:solidFill>
+                  <a:srgbClr val="333333"/>
+                </a:solidFill>
+                <a:effectLst/>
+                <a:latin typeface="RobotoMono Nerd Font" pitchFamily="2" charset="0"/>
+                <a:ea typeface="RobotoMono Nerd Font" pitchFamily="2" charset="0"/>
+              </a:rPr>
+              <a:t>.</a:t>
+            </a:r>
+            <a:r>
+              <a:rPr lang="vi-VN">
+                <a:solidFill>
+                  <a:srgbClr val="170591"/>
+                </a:solidFill>
+                <a:effectLst/>
+                <a:latin typeface="RobotoMono Nerd Font" pitchFamily="2" charset="0"/>
+                <a:ea typeface="RobotoMono Nerd Font" pitchFamily="2" charset="0"/>
+              </a:rPr>
+              <a:t>normal</a:t>
+            </a:r>
+            <a:r>
+              <a:rPr lang="vi-VN">
+                <a:solidFill>
+                  <a:srgbClr val="000066"/>
+                </a:solidFill>
+                <a:effectLst/>
+                <a:latin typeface="RobotoMono Nerd Font" pitchFamily="2" charset="0"/>
+                <a:ea typeface="RobotoMono Nerd Font" pitchFamily="2" charset="0"/>
+              </a:rPr>
+              <a:t>(</a:t>
+            </a:r>
+            <a:r>
+              <a:rPr lang="vi-VN" b="1">
+                <a:solidFill>
+                  <a:srgbClr val="333333"/>
+                </a:solidFill>
+                <a:effectLst/>
+                <a:latin typeface="RobotoMono Nerd Font" pitchFamily="2" charset="0"/>
+                <a:ea typeface="RobotoMono Nerd Font" pitchFamily="2" charset="0"/>
+              </a:rPr>
+              <a:t>0</a:t>
+            </a:r>
+            <a:r>
+              <a:rPr lang="vi-VN">
+                <a:solidFill>
+                  <a:srgbClr val="333333"/>
+                </a:solidFill>
+                <a:effectLst/>
+                <a:latin typeface="RobotoMono Nerd Font" pitchFamily="2" charset="0"/>
+                <a:ea typeface="RobotoMono Nerd Font" pitchFamily="2" charset="0"/>
+              </a:rPr>
+              <a:t>, </a:t>
+            </a:r>
+            <a:r>
+              <a:rPr lang="vi-VN" b="1">
+                <a:solidFill>
+                  <a:srgbClr val="333333"/>
+                </a:solidFill>
+                <a:effectLst/>
+                <a:latin typeface="RobotoMono Nerd Font" pitchFamily="2" charset="0"/>
+                <a:ea typeface="RobotoMono Nerd Font" pitchFamily="2" charset="0"/>
+              </a:rPr>
+              <a:t>10</a:t>
+            </a:r>
+            <a:r>
+              <a:rPr lang="vi-VN">
+                <a:solidFill>
+                  <a:srgbClr val="333333"/>
+                </a:solidFill>
+                <a:effectLst/>
+                <a:latin typeface="RobotoMono Nerd Font" pitchFamily="2" charset="0"/>
+                <a:ea typeface="RobotoMono Nerd Font" pitchFamily="2" charset="0"/>
+              </a:rPr>
+              <a:t>, </a:t>
+            </a:r>
+            <a:r>
+              <a:rPr lang="vi-VN">
+                <a:latin typeface="RobotoMono Nerd Font" pitchFamily="2" charset="0"/>
+                <a:ea typeface="RobotoMono Nerd Font" pitchFamily="2" charset="0"/>
+              </a:rPr>
+              <a:t>N</a:t>
+            </a:r>
+            <a:r>
+              <a:rPr lang="vi-VN">
+                <a:solidFill>
+                  <a:srgbClr val="000066"/>
+                </a:solidFill>
+                <a:effectLst/>
+                <a:latin typeface="RobotoMono Nerd Font" pitchFamily="2" charset="0"/>
+                <a:ea typeface="RobotoMono Nerd Font" pitchFamily="2" charset="0"/>
+              </a:rPr>
+              <a:t>) </a:t>
+            </a:r>
+            <a:r>
+              <a:rPr lang="vi-VN">
+                <a:solidFill>
+                  <a:srgbClr val="3F7F5F"/>
+                </a:solidFill>
+                <a:effectLst/>
+                <a:latin typeface="RobotoMono Nerd Font" pitchFamily="2" charset="0"/>
+                <a:ea typeface="RobotoMono Nerd Font" pitchFamily="2" charset="0"/>
+              </a:rPr>
+              <a:t># Hàm tính giá nhà có thêm ít nhiễu</a:t>
+            </a:r>
+            <a:br>
+              <a:rPr lang="vi-VN">
+                <a:solidFill>
+                  <a:srgbClr val="3F7F5F"/>
+                </a:solidFill>
+                <a:effectLst/>
+                <a:latin typeface="RobotoMono Nerd Font" pitchFamily="2" charset="0"/>
+                <a:ea typeface="RobotoMono Nerd Font" pitchFamily="2" charset="0"/>
+              </a:rPr>
+            </a:br>
+            <a:br>
+              <a:rPr lang="vi-VN">
+                <a:solidFill>
+                  <a:srgbClr val="3F7F5F"/>
+                </a:solidFill>
+                <a:effectLst/>
+                <a:latin typeface="RobotoMono Nerd Font" pitchFamily="2" charset="0"/>
+                <a:ea typeface="RobotoMono Nerd Font" pitchFamily="2" charset="0"/>
+              </a:rPr>
+            </a:br>
+            <a:r>
+              <a:rPr lang="vi-VN">
+                <a:latin typeface="RobotoMono Nerd Font" pitchFamily="2" charset="0"/>
+                <a:ea typeface="RobotoMono Nerd Font" pitchFamily="2" charset="0"/>
+              </a:rPr>
+              <a:t>Data </a:t>
+            </a:r>
+            <a:r>
+              <a:rPr lang="vi-VN">
+                <a:solidFill>
+                  <a:srgbClr val="333333"/>
+                </a:solidFill>
+                <a:effectLst/>
+                <a:latin typeface="RobotoMono Nerd Font" pitchFamily="2" charset="0"/>
+                <a:ea typeface="RobotoMono Nerd Font" pitchFamily="2" charset="0"/>
+              </a:rPr>
+              <a:t>= </a:t>
+            </a:r>
+            <a:r>
+              <a:rPr lang="vi-VN">
+                <a:latin typeface="RobotoMono Nerd Font" pitchFamily="2" charset="0"/>
+                <a:ea typeface="RobotoMono Nerd Font" pitchFamily="2" charset="0"/>
+              </a:rPr>
+              <a:t>np</a:t>
+            </a:r>
+            <a:r>
+              <a:rPr lang="vi-VN">
+                <a:solidFill>
+                  <a:srgbClr val="333333"/>
+                </a:solidFill>
+                <a:effectLst/>
+                <a:latin typeface="RobotoMono Nerd Font" pitchFamily="2" charset="0"/>
+                <a:ea typeface="RobotoMono Nerd Font" pitchFamily="2" charset="0"/>
+              </a:rPr>
+              <a:t>.</a:t>
+            </a:r>
+            <a:r>
+              <a:rPr lang="vi-VN">
+                <a:solidFill>
+                  <a:srgbClr val="170591"/>
+                </a:solidFill>
+                <a:effectLst/>
+                <a:latin typeface="RobotoMono Nerd Font" pitchFamily="2" charset="0"/>
+                <a:ea typeface="RobotoMono Nerd Font" pitchFamily="2" charset="0"/>
+              </a:rPr>
+              <a:t>hstack</a:t>
+            </a:r>
+            <a:r>
+              <a:rPr lang="vi-VN">
+                <a:solidFill>
+                  <a:srgbClr val="000066"/>
+                </a:solidFill>
+                <a:effectLst/>
+                <a:latin typeface="RobotoMono Nerd Font" pitchFamily="2" charset="0"/>
+                <a:ea typeface="RobotoMono Nerd Font" pitchFamily="2" charset="0"/>
+              </a:rPr>
+              <a:t>((</a:t>
+            </a:r>
+            <a:r>
+              <a:rPr lang="vi-VN">
+                <a:latin typeface="RobotoMono Nerd Font" pitchFamily="2" charset="0"/>
+                <a:ea typeface="RobotoMono Nerd Font" pitchFamily="2" charset="0"/>
+              </a:rPr>
+              <a:t>X1</a:t>
+            </a:r>
+            <a:r>
+              <a:rPr lang="vi-VN">
+                <a:solidFill>
+                  <a:srgbClr val="333333"/>
+                </a:solidFill>
+                <a:effectLst/>
+                <a:latin typeface="RobotoMono Nerd Font" pitchFamily="2" charset="0"/>
+                <a:ea typeface="RobotoMono Nerd Font" pitchFamily="2" charset="0"/>
+              </a:rPr>
+              <a:t>.</a:t>
+            </a:r>
+            <a:r>
+              <a:rPr lang="vi-VN">
+                <a:solidFill>
+                  <a:srgbClr val="170591"/>
+                </a:solidFill>
+                <a:effectLst/>
+                <a:latin typeface="RobotoMono Nerd Font" pitchFamily="2" charset="0"/>
+                <a:ea typeface="RobotoMono Nerd Font" pitchFamily="2" charset="0"/>
+              </a:rPr>
+              <a:t>reshape</a:t>
+            </a:r>
+            <a:r>
+              <a:rPr lang="vi-VN">
+                <a:solidFill>
+                  <a:srgbClr val="000066"/>
+                </a:solidFill>
+                <a:effectLst/>
+                <a:latin typeface="RobotoMono Nerd Font" pitchFamily="2" charset="0"/>
+                <a:ea typeface="RobotoMono Nerd Font" pitchFamily="2" charset="0"/>
+              </a:rPr>
+              <a:t>(</a:t>
+            </a:r>
+            <a:r>
+              <a:rPr lang="vi-VN">
+                <a:solidFill>
+                  <a:srgbClr val="333333"/>
+                </a:solidFill>
+                <a:effectLst/>
+                <a:latin typeface="RobotoMono Nerd Font" pitchFamily="2" charset="0"/>
+                <a:ea typeface="RobotoMono Nerd Font" pitchFamily="2" charset="0"/>
+              </a:rPr>
+              <a:t>-</a:t>
+            </a:r>
+            <a:r>
+              <a:rPr lang="vi-VN" b="1">
+                <a:solidFill>
+                  <a:srgbClr val="333333"/>
+                </a:solidFill>
+                <a:effectLst/>
+                <a:latin typeface="RobotoMono Nerd Font" pitchFamily="2" charset="0"/>
+                <a:ea typeface="RobotoMono Nerd Font" pitchFamily="2" charset="0"/>
+              </a:rPr>
+              <a:t>1</a:t>
+            </a:r>
+            <a:r>
+              <a:rPr lang="vi-VN">
+                <a:solidFill>
+                  <a:srgbClr val="333333"/>
+                </a:solidFill>
+                <a:effectLst/>
+                <a:latin typeface="RobotoMono Nerd Font" pitchFamily="2" charset="0"/>
+                <a:ea typeface="RobotoMono Nerd Font" pitchFamily="2" charset="0"/>
+              </a:rPr>
+              <a:t>, </a:t>
+            </a:r>
+            <a:r>
+              <a:rPr lang="vi-VN" b="1">
+                <a:solidFill>
+                  <a:srgbClr val="333333"/>
+                </a:solidFill>
+                <a:effectLst/>
+                <a:latin typeface="RobotoMono Nerd Font" pitchFamily="2" charset="0"/>
+                <a:ea typeface="RobotoMono Nerd Font" pitchFamily="2" charset="0"/>
+              </a:rPr>
+              <a:t>1</a:t>
+            </a:r>
+            <a:r>
+              <a:rPr lang="vi-VN">
+                <a:solidFill>
+                  <a:srgbClr val="000066"/>
+                </a:solidFill>
+                <a:effectLst/>
+                <a:latin typeface="RobotoMono Nerd Font" pitchFamily="2" charset="0"/>
+                <a:ea typeface="RobotoMono Nerd Font" pitchFamily="2" charset="0"/>
+              </a:rPr>
+              <a:t>)</a:t>
+            </a:r>
+            <a:r>
+              <a:rPr lang="vi-VN">
+                <a:solidFill>
+                  <a:srgbClr val="333333"/>
+                </a:solidFill>
+                <a:effectLst/>
+                <a:latin typeface="RobotoMono Nerd Font" pitchFamily="2" charset="0"/>
+                <a:ea typeface="RobotoMono Nerd Font" pitchFamily="2" charset="0"/>
+              </a:rPr>
+              <a:t>, </a:t>
+            </a:r>
+            <a:r>
+              <a:rPr lang="vi-VN">
+                <a:latin typeface="RobotoMono Nerd Font" pitchFamily="2" charset="0"/>
+                <a:ea typeface="RobotoMono Nerd Font" pitchFamily="2" charset="0"/>
+              </a:rPr>
+              <a:t>X2</a:t>
+            </a:r>
+            <a:r>
+              <a:rPr lang="vi-VN">
+                <a:solidFill>
+                  <a:srgbClr val="333333"/>
+                </a:solidFill>
+                <a:effectLst/>
+                <a:latin typeface="RobotoMono Nerd Font" pitchFamily="2" charset="0"/>
+                <a:ea typeface="RobotoMono Nerd Font" pitchFamily="2" charset="0"/>
+              </a:rPr>
+              <a:t>.</a:t>
+            </a:r>
+            <a:r>
+              <a:rPr lang="vi-VN">
+                <a:solidFill>
+                  <a:srgbClr val="170591"/>
+                </a:solidFill>
+                <a:effectLst/>
+                <a:latin typeface="RobotoMono Nerd Font" pitchFamily="2" charset="0"/>
+                <a:ea typeface="RobotoMono Nerd Font" pitchFamily="2" charset="0"/>
+              </a:rPr>
+              <a:t>reshape</a:t>
+            </a:r>
+            <a:r>
+              <a:rPr lang="vi-VN">
+                <a:solidFill>
+                  <a:srgbClr val="000066"/>
+                </a:solidFill>
+                <a:effectLst/>
+                <a:latin typeface="RobotoMono Nerd Font" pitchFamily="2" charset="0"/>
+                <a:ea typeface="RobotoMono Nerd Font" pitchFamily="2" charset="0"/>
+              </a:rPr>
+              <a:t>(</a:t>
+            </a:r>
+            <a:r>
+              <a:rPr lang="vi-VN">
+                <a:solidFill>
+                  <a:srgbClr val="333333"/>
+                </a:solidFill>
+                <a:effectLst/>
+                <a:latin typeface="RobotoMono Nerd Font" pitchFamily="2" charset="0"/>
+                <a:ea typeface="RobotoMono Nerd Font" pitchFamily="2" charset="0"/>
+              </a:rPr>
+              <a:t>-</a:t>
+            </a:r>
+            <a:r>
+              <a:rPr lang="vi-VN" b="1">
+                <a:solidFill>
+                  <a:srgbClr val="333333"/>
+                </a:solidFill>
+                <a:effectLst/>
+                <a:latin typeface="RobotoMono Nerd Font" pitchFamily="2" charset="0"/>
+                <a:ea typeface="RobotoMono Nerd Font" pitchFamily="2" charset="0"/>
+              </a:rPr>
+              <a:t>1</a:t>
+            </a:r>
+            <a:r>
+              <a:rPr lang="vi-VN">
+                <a:solidFill>
+                  <a:srgbClr val="333333"/>
+                </a:solidFill>
+                <a:effectLst/>
+                <a:latin typeface="RobotoMono Nerd Font" pitchFamily="2" charset="0"/>
+                <a:ea typeface="RobotoMono Nerd Font" pitchFamily="2" charset="0"/>
+              </a:rPr>
+              <a:t>, </a:t>
+            </a:r>
+            <a:r>
+              <a:rPr lang="vi-VN" b="1">
+                <a:solidFill>
+                  <a:srgbClr val="333333"/>
+                </a:solidFill>
+                <a:effectLst/>
+                <a:latin typeface="RobotoMono Nerd Font" pitchFamily="2" charset="0"/>
+                <a:ea typeface="RobotoMono Nerd Font" pitchFamily="2" charset="0"/>
+              </a:rPr>
+              <a:t>1</a:t>
+            </a:r>
+            <a:r>
+              <a:rPr lang="vi-VN">
+                <a:solidFill>
+                  <a:srgbClr val="000066"/>
+                </a:solidFill>
+                <a:effectLst/>
+                <a:latin typeface="RobotoMono Nerd Font" pitchFamily="2" charset="0"/>
+                <a:ea typeface="RobotoMono Nerd Font" pitchFamily="2" charset="0"/>
+              </a:rPr>
+              <a:t>)</a:t>
+            </a:r>
+            <a:r>
+              <a:rPr lang="vi-VN">
+                <a:solidFill>
+                  <a:srgbClr val="333333"/>
+                </a:solidFill>
+                <a:effectLst/>
+                <a:latin typeface="RobotoMono Nerd Font" pitchFamily="2" charset="0"/>
+                <a:ea typeface="RobotoMono Nerd Font" pitchFamily="2" charset="0"/>
+              </a:rPr>
+              <a:t>, </a:t>
+            </a:r>
+            <a:r>
+              <a:rPr lang="vi-VN">
+                <a:latin typeface="RobotoMono Nerd Font" pitchFamily="2" charset="0"/>
+                <a:ea typeface="RobotoMono Nerd Font" pitchFamily="2" charset="0"/>
+              </a:rPr>
+              <a:t>Price</a:t>
+            </a:r>
+            <a:r>
+              <a:rPr lang="vi-VN">
+                <a:solidFill>
+                  <a:srgbClr val="333333"/>
+                </a:solidFill>
+                <a:effectLst/>
+                <a:latin typeface="RobotoMono Nerd Font" pitchFamily="2" charset="0"/>
+                <a:ea typeface="RobotoMono Nerd Font" pitchFamily="2" charset="0"/>
+              </a:rPr>
+              <a:t>.</a:t>
+            </a:r>
+            <a:r>
+              <a:rPr lang="vi-VN">
+                <a:solidFill>
+                  <a:srgbClr val="170591"/>
+                </a:solidFill>
+                <a:effectLst/>
+                <a:latin typeface="RobotoMono Nerd Font" pitchFamily="2" charset="0"/>
+                <a:ea typeface="RobotoMono Nerd Font" pitchFamily="2" charset="0"/>
+              </a:rPr>
+              <a:t>reshape</a:t>
+            </a:r>
+            <a:r>
+              <a:rPr lang="vi-VN">
+                <a:solidFill>
+                  <a:srgbClr val="000066"/>
+                </a:solidFill>
+                <a:effectLst/>
+                <a:latin typeface="RobotoMono Nerd Font" pitchFamily="2" charset="0"/>
+                <a:ea typeface="RobotoMono Nerd Font" pitchFamily="2" charset="0"/>
+              </a:rPr>
+              <a:t>(</a:t>
+            </a:r>
+            <a:r>
+              <a:rPr lang="vi-VN">
+                <a:solidFill>
+                  <a:srgbClr val="333333"/>
+                </a:solidFill>
+                <a:effectLst/>
+                <a:latin typeface="RobotoMono Nerd Font" pitchFamily="2" charset="0"/>
+                <a:ea typeface="RobotoMono Nerd Font" pitchFamily="2" charset="0"/>
+              </a:rPr>
+              <a:t>-</a:t>
+            </a:r>
+            <a:r>
+              <a:rPr lang="vi-VN" b="1">
+                <a:solidFill>
+                  <a:srgbClr val="333333"/>
+                </a:solidFill>
+                <a:effectLst/>
+                <a:latin typeface="RobotoMono Nerd Font" pitchFamily="2" charset="0"/>
+                <a:ea typeface="RobotoMono Nerd Font" pitchFamily="2" charset="0"/>
+              </a:rPr>
+              <a:t>1</a:t>
+            </a:r>
+            <a:r>
+              <a:rPr lang="vi-VN">
+                <a:solidFill>
+                  <a:srgbClr val="333333"/>
+                </a:solidFill>
+                <a:effectLst/>
+                <a:latin typeface="RobotoMono Nerd Font" pitchFamily="2" charset="0"/>
+                <a:ea typeface="RobotoMono Nerd Font" pitchFamily="2" charset="0"/>
+              </a:rPr>
+              <a:t>, </a:t>
+            </a:r>
+            <a:r>
+              <a:rPr lang="vi-VN" b="1">
+                <a:solidFill>
+                  <a:srgbClr val="333333"/>
+                </a:solidFill>
+                <a:effectLst/>
+                <a:latin typeface="RobotoMono Nerd Font" pitchFamily="2" charset="0"/>
+                <a:ea typeface="RobotoMono Nerd Font" pitchFamily="2" charset="0"/>
+              </a:rPr>
+              <a:t>1</a:t>
+            </a:r>
+            <a:r>
+              <a:rPr lang="vi-VN">
+                <a:solidFill>
+                  <a:srgbClr val="000066"/>
+                </a:solidFill>
+                <a:effectLst/>
+                <a:latin typeface="RobotoMono Nerd Font" pitchFamily="2" charset="0"/>
+                <a:ea typeface="RobotoMono Nerd Font" pitchFamily="2" charset="0"/>
+              </a:rPr>
+              <a:t>)))</a:t>
+            </a:r>
+            <a:br>
+              <a:rPr lang="vi-VN">
+                <a:solidFill>
+                  <a:srgbClr val="000066"/>
+                </a:solidFill>
+                <a:effectLst/>
+                <a:latin typeface="RobotoMono Nerd Font" pitchFamily="2" charset="0"/>
+                <a:ea typeface="RobotoMono Nerd Font" pitchFamily="2" charset="0"/>
+              </a:rPr>
+            </a:br>
+            <a:br>
+              <a:rPr lang="vi-VN">
+                <a:solidFill>
+                  <a:srgbClr val="000066"/>
+                </a:solidFill>
+                <a:effectLst/>
+                <a:latin typeface="RobotoMono Nerd Font" pitchFamily="2" charset="0"/>
+                <a:ea typeface="RobotoMono Nerd Font" pitchFamily="2" charset="0"/>
+              </a:rPr>
+            </a:br>
+            <a:r>
+              <a:rPr lang="vi-VN">
+                <a:latin typeface="RobotoMono Nerd Font" pitchFamily="2" charset="0"/>
+                <a:ea typeface="RobotoMono Nerd Font" pitchFamily="2" charset="0"/>
+              </a:rPr>
+              <a:t>np</a:t>
+            </a:r>
+            <a:r>
+              <a:rPr lang="vi-VN">
+                <a:solidFill>
+                  <a:srgbClr val="333333"/>
+                </a:solidFill>
+                <a:effectLst/>
+                <a:latin typeface="RobotoMono Nerd Font" pitchFamily="2" charset="0"/>
+                <a:ea typeface="RobotoMono Nerd Font" pitchFamily="2" charset="0"/>
+              </a:rPr>
+              <a:t>.</a:t>
+            </a:r>
+            <a:r>
+              <a:rPr lang="vi-VN">
+                <a:solidFill>
+                  <a:srgbClr val="170591"/>
+                </a:solidFill>
+                <a:effectLst/>
+                <a:latin typeface="RobotoMono Nerd Font" pitchFamily="2" charset="0"/>
+                <a:ea typeface="RobotoMono Nerd Font" pitchFamily="2" charset="0"/>
+              </a:rPr>
+              <a:t>savetxt</a:t>
+            </a:r>
+            <a:r>
+              <a:rPr lang="vi-VN">
+                <a:solidFill>
+                  <a:srgbClr val="000066"/>
+                </a:solidFill>
+                <a:effectLst/>
+                <a:latin typeface="RobotoMono Nerd Font" pitchFamily="2" charset="0"/>
+                <a:ea typeface="RobotoMono Nerd Font" pitchFamily="2" charset="0"/>
+              </a:rPr>
+              <a:t>(</a:t>
+            </a:r>
+            <a:r>
+              <a:rPr lang="vi-VN" b="1">
+                <a:solidFill>
+                  <a:srgbClr val="008080"/>
+                </a:solidFill>
+                <a:effectLst/>
+                <a:latin typeface="RobotoMono Nerd Font" pitchFamily="2" charset="0"/>
+                <a:ea typeface="RobotoMono Nerd Font" pitchFamily="2" charset="0"/>
+              </a:rPr>
+              <a:t>"HousePrice.csv"</a:t>
+            </a:r>
+            <a:r>
+              <a:rPr lang="vi-VN">
+                <a:solidFill>
+                  <a:srgbClr val="333333"/>
+                </a:solidFill>
+                <a:effectLst/>
+                <a:latin typeface="RobotoMono Nerd Font" pitchFamily="2" charset="0"/>
+                <a:ea typeface="RobotoMono Nerd Font" pitchFamily="2" charset="0"/>
+              </a:rPr>
+              <a:t>, </a:t>
+            </a:r>
+            <a:r>
+              <a:rPr lang="vi-VN">
+                <a:latin typeface="RobotoMono Nerd Font" pitchFamily="2" charset="0"/>
+                <a:ea typeface="RobotoMono Nerd Font" pitchFamily="2" charset="0"/>
+              </a:rPr>
+              <a:t>Data</a:t>
+            </a:r>
+            <a:r>
+              <a:rPr lang="vi-VN">
+                <a:solidFill>
+                  <a:srgbClr val="333333"/>
+                </a:solidFill>
+                <a:effectLst/>
+                <a:latin typeface="RobotoMono Nerd Font" pitchFamily="2" charset="0"/>
+                <a:ea typeface="RobotoMono Nerd Font" pitchFamily="2" charset="0"/>
+              </a:rPr>
+              <a:t>, </a:t>
+            </a:r>
+            <a:r>
+              <a:rPr lang="vi-VN">
+                <a:solidFill>
+                  <a:srgbClr val="660099"/>
+                </a:solidFill>
+                <a:effectLst/>
+                <a:latin typeface="RobotoMono Nerd Font" pitchFamily="2" charset="0"/>
+                <a:ea typeface="RobotoMono Nerd Font" pitchFamily="2" charset="0"/>
+              </a:rPr>
+              <a:t>delimiter</a:t>
+            </a:r>
+            <a:r>
+              <a:rPr lang="vi-VN">
+                <a:solidFill>
+                  <a:srgbClr val="333333"/>
+                </a:solidFill>
+                <a:effectLst/>
+                <a:latin typeface="RobotoMono Nerd Font" pitchFamily="2" charset="0"/>
+                <a:ea typeface="RobotoMono Nerd Font" pitchFamily="2" charset="0"/>
+              </a:rPr>
+              <a:t>=</a:t>
+            </a:r>
+            <a:r>
+              <a:rPr lang="vi-VN" b="1">
+                <a:solidFill>
+                  <a:srgbClr val="008080"/>
+                </a:solidFill>
+                <a:effectLst/>
+                <a:latin typeface="RobotoMono Nerd Font" pitchFamily="2" charset="0"/>
+                <a:ea typeface="RobotoMono Nerd Font" pitchFamily="2" charset="0"/>
+              </a:rPr>
+              <a:t>','</a:t>
+            </a:r>
+            <a:r>
+              <a:rPr lang="vi-VN">
+                <a:solidFill>
+                  <a:srgbClr val="333333"/>
+                </a:solidFill>
+                <a:effectLst/>
+                <a:latin typeface="RobotoMono Nerd Font" pitchFamily="2" charset="0"/>
+                <a:ea typeface="RobotoMono Nerd Font" pitchFamily="2" charset="0"/>
+              </a:rPr>
+              <a:t>, </a:t>
+            </a:r>
+            <a:r>
+              <a:rPr lang="vi-VN">
+                <a:solidFill>
+                  <a:srgbClr val="660099"/>
+                </a:solidFill>
+                <a:effectLst/>
+                <a:latin typeface="RobotoMono Nerd Font" pitchFamily="2" charset="0"/>
+                <a:ea typeface="RobotoMono Nerd Font" pitchFamily="2" charset="0"/>
+              </a:rPr>
+              <a:t>header</a:t>
+            </a:r>
+            <a:r>
+              <a:rPr lang="vi-VN">
+                <a:solidFill>
+                  <a:srgbClr val="333333"/>
+                </a:solidFill>
+                <a:effectLst/>
+                <a:latin typeface="RobotoMono Nerd Font" pitchFamily="2" charset="0"/>
+                <a:ea typeface="RobotoMono Nerd Font" pitchFamily="2" charset="0"/>
+              </a:rPr>
+              <a:t>=</a:t>
+            </a:r>
+            <a:r>
+              <a:rPr lang="vi-VN" b="1">
+                <a:solidFill>
+                  <a:srgbClr val="008080"/>
+                </a:solidFill>
+                <a:effectLst/>
+                <a:latin typeface="RobotoMono Nerd Font" pitchFamily="2" charset="0"/>
+                <a:ea typeface="RobotoMono Nerd Font" pitchFamily="2" charset="0"/>
+              </a:rPr>
+              <a:t>"Dien tich,1/Khoang Cach,Gia"</a:t>
+            </a:r>
+            <a:r>
+              <a:rPr lang="vi-VN">
+                <a:solidFill>
+                  <a:srgbClr val="000066"/>
+                </a:solidFill>
+                <a:effectLst/>
+                <a:latin typeface="RobotoMono Nerd Font" pitchFamily="2" charset="0"/>
+                <a:ea typeface="RobotoMono Nerd Font" pitchFamily="2" charset="0"/>
+              </a:rPr>
+              <a:t>)</a:t>
+            </a:r>
+            <a:br>
+              <a:rPr lang="vi-VN">
+                <a:solidFill>
+                  <a:srgbClr val="000066"/>
+                </a:solidFill>
+                <a:effectLst/>
+                <a:latin typeface="RobotoMono Nerd Font" pitchFamily="2" charset="0"/>
+                <a:ea typeface="RobotoMono Nerd Font" pitchFamily="2" charset="0"/>
+              </a:rPr>
+            </a:br>
+            <a:br>
+              <a:rPr lang="vi-VN">
+                <a:solidFill>
+                  <a:srgbClr val="000066"/>
+                </a:solidFill>
+                <a:effectLst/>
+                <a:latin typeface="RobotoMono Nerd Font" pitchFamily="2" charset="0"/>
+                <a:ea typeface="RobotoMono Nerd Font" pitchFamily="2" charset="0"/>
+              </a:rPr>
+            </a:br>
+            <a:r>
+              <a:rPr lang="vi-VN">
+                <a:latin typeface="RobotoMono Nerd Font" pitchFamily="2" charset="0"/>
+                <a:ea typeface="RobotoMono Nerd Font" pitchFamily="2" charset="0"/>
+              </a:rPr>
+              <a:t>np</a:t>
+            </a:r>
+            <a:r>
+              <a:rPr lang="vi-VN">
+                <a:solidFill>
+                  <a:srgbClr val="333333"/>
+                </a:solidFill>
+                <a:effectLst/>
+                <a:latin typeface="RobotoMono Nerd Font" pitchFamily="2" charset="0"/>
+                <a:ea typeface="RobotoMono Nerd Font" pitchFamily="2" charset="0"/>
+              </a:rPr>
+              <a:t>.</a:t>
+            </a:r>
+            <a:r>
+              <a:rPr lang="vi-VN">
+                <a:solidFill>
+                  <a:srgbClr val="170591"/>
+                </a:solidFill>
+                <a:effectLst/>
+                <a:latin typeface="RobotoMono Nerd Font" pitchFamily="2" charset="0"/>
+                <a:ea typeface="RobotoMono Nerd Font" pitchFamily="2" charset="0"/>
+              </a:rPr>
+              <a:t>set_printoptions</a:t>
+            </a:r>
+            <a:r>
+              <a:rPr lang="vi-VN">
+                <a:solidFill>
+                  <a:srgbClr val="000066"/>
+                </a:solidFill>
+                <a:effectLst/>
+                <a:latin typeface="RobotoMono Nerd Font" pitchFamily="2" charset="0"/>
+                <a:ea typeface="RobotoMono Nerd Font" pitchFamily="2" charset="0"/>
+              </a:rPr>
+              <a:t>(</a:t>
+            </a:r>
+            <a:r>
+              <a:rPr lang="vi-VN">
+                <a:solidFill>
+                  <a:srgbClr val="660099"/>
+                </a:solidFill>
+                <a:effectLst/>
+                <a:latin typeface="RobotoMono Nerd Font" pitchFamily="2" charset="0"/>
+                <a:ea typeface="RobotoMono Nerd Font" pitchFamily="2" charset="0"/>
+              </a:rPr>
+              <a:t>precision</a:t>
+            </a:r>
+            <a:r>
+              <a:rPr lang="vi-VN">
+                <a:solidFill>
+                  <a:srgbClr val="333333"/>
+                </a:solidFill>
+                <a:effectLst/>
+                <a:latin typeface="RobotoMono Nerd Font" pitchFamily="2" charset="0"/>
+                <a:ea typeface="RobotoMono Nerd Font" pitchFamily="2" charset="0"/>
+              </a:rPr>
+              <a:t>=</a:t>
+            </a:r>
+            <a:r>
+              <a:rPr lang="vi-VN" b="1">
+                <a:solidFill>
+                  <a:srgbClr val="333333"/>
+                </a:solidFill>
+                <a:effectLst/>
+                <a:latin typeface="RobotoMono Nerd Font" pitchFamily="2" charset="0"/>
+                <a:ea typeface="RobotoMono Nerd Font" pitchFamily="2" charset="0"/>
+              </a:rPr>
+              <a:t>2</a:t>
+            </a:r>
+            <a:r>
+              <a:rPr lang="vi-VN">
+                <a:solidFill>
+                  <a:srgbClr val="333333"/>
+                </a:solidFill>
+                <a:effectLst/>
+                <a:latin typeface="RobotoMono Nerd Font" pitchFamily="2" charset="0"/>
+                <a:ea typeface="RobotoMono Nerd Font" pitchFamily="2" charset="0"/>
+              </a:rPr>
+              <a:t>, </a:t>
+            </a:r>
+            <a:r>
+              <a:rPr lang="vi-VN">
+                <a:solidFill>
+                  <a:srgbClr val="660099"/>
+                </a:solidFill>
+                <a:effectLst/>
+                <a:latin typeface="RobotoMono Nerd Font" pitchFamily="2" charset="0"/>
+                <a:ea typeface="RobotoMono Nerd Font" pitchFamily="2" charset="0"/>
+              </a:rPr>
+              <a:t>suppress</a:t>
+            </a:r>
+            <a:r>
+              <a:rPr lang="vi-VN">
+                <a:solidFill>
+                  <a:srgbClr val="333333"/>
+                </a:solidFill>
+                <a:effectLst/>
+                <a:latin typeface="RobotoMono Nerd Font" pitchFamily="2" charset="0"/>
+                <a:ea typeface="RobotoMono Nerd Font" pitchFamily="2" charset="0"/>
+              </a:rPr>
+              <a:t>=</a:t>
+            </a:r>
+            <a:r>
+              <a:rPr lang="vi-VN" b="1">
+                <a:solidFill>
+                  <a:srgbClr val="7F0055"/>
+                </a:solidFill>
+                <a:effectLst/>
+                <a:latin typeface="RobotoMono Nerd Font" pitchFamily="2" charset="0"/>
+                <a:ea typeface="RobotoMono Nerd Font" pitchFamily="2" charset="0"/>
+              </a:rPr>
+              <a:t>True</a:t>
+            </a:r>
+            <a:r>
+              <a:rPr lang="vi-VN">
+                <a:solidFill>
+                  <a:srgbClr val="000066"/>
+                </a:solidFill>
+                <a:effectLst/>
+                <a:latin typeface="RobotoMono Nerd Font" pitchFamily="2" charset="0"/>
+                <a:ea typeface="RobotoMono Nerd Font" pitchFamily="2" charset="0"/>
+              </a:rPr>
+              <a:t>)</a:t>
+            </a:r>
+            <a:br>
+              <a:rPr lang="vi-VN">
+                <a:solidFill>
+                  <a:srgbClr val="000066"/>
+                </a:solidFill>
+                <a:effectLst/>
+                <a:latin typeface="RobotoMono Nerd Font" pitchFamily="2" charset="0"/>
+                <a:ea typeface="RobotoMono Nerd Font" pitchFamily="2" charset="0"/>
+              </a:rPr>
+            </a:br>
+            <a:r>
+              <a:rPr lang="vi-VN">
+                <a:solidFill>
+                  <a:srgbClr val="000080"/>
+                </a:solidFill>
+                <a:effectLst/>
+                <a:latin typeface="RobotoMono Nerd Font" pitchFamily="2" charset="0"/>
+                <a:ea typeface="RobotoMono Nerd Font" pitchFamily="2" charset="0"/>
+              </a:rPr>
+              <a:t>print</a:t>
+            </a:r>
+            <a:r>
+              <a:rPr lang="vi-VN">
+                <a:solidFill>
+                  <a:srgbClr val="000066"/>
+                </a:solidFill>
+                <a:effectLst/>
+                <a:latin typeface="RobotoMono Nerd Font" pitchFamily="2" charset="0"/>
+                <a:ea typeface="RobotoMono Nerd Font" pitchFamily="2" charset="0"/>
+              </a:rPr>
+              <a:t>(</a:t>
+            </a:r>
+            <a:r>
+              <a:rPr lang="vi-VN">
+                <a:latin typeface="RobotoMono Nerd Font" pitchFamily="2" charset="0"/>
+                <a:ea typeface="RobotoMono Nerd Font" pitchFamily="2" charset="0"/>
+              </a:rPr>
+              <a:t>Data</a:t>
+            </a:r>
+            <a:r>
+              <a:rPr lang="vi-VN">
+                <a:solidFill>
+                  <a:srgbClr val="000066"/>
+                </a:solidFill>
+                <a:effectLst/>
+                <a:latin typeface="RobotoMono Nerd Font" pitchFamily="2" charset="0"/>
+                <a:ea typeface="RobotoMono Nerd Font" pitchFamily="2" charset="0"/>
+              </a:rPr>
+              <a:t>[</a:t>
+            </a:r>
+            <a:r>
+              <a:rPr lang="vi-VN">
+                <a:solidFill>
+                  <a:srgbClr val="333333"/>
+                </a:solidFill>
+                <a:effectLst/>
+                <a:latin typeface="RobotoMono Nerd Font" pitchFamily="2" charset="0"/>
+                <a:ea typeface="RobotoMono Nerd Font" pitchFamily="2" charset="0"/>
+              </a:rPr>
+              <a:t>:</a:t>
+            </a:r>
+            <a:r>
+              <a:rPr lang="vi-VN" b="1">
+                <a:solidFill>
+                  <a:srgbClr val="333333"/>
+                </a:solidFill>
+                <a:effectLst/>
+                <a:latin typeface="RobotoMono Nerd Font" pitchFamily="2" charset="0"/>
+                <a:ea typeface="RobotoMono Nerd Font" pitchFamily="2" charset="0"/>
+              </a:rPr>
+              <a:t>20</a:t>
+            </a:r>
+            <a:r>
+              <a:rPr lang="vi-VN">
+                <a:solidFill>
+                  <a:srgbClr val="333333"/>
+                </a:solidFill>
+                <a:effectLst/>
+                <a:latin typeface="RobotoMono Nerd Font" pitchFamily="2" charset="0"/>
+                <a:ea typeface="RobotoMono Nerd Font" pitchFamily="2" charset="0"/>
+              </a:rPr>
+              <a:t>, :</a:t>
+            </a:r>
+            <a:r>
+              <a:rPr lang="vi-VN">
+                <a:solidFill>
+                  <a:srgbClr val="000066"/>
+                </a:solidFill>
+                <a:effectLst/>
+                <a:latin typeface="RobotoMono Nerd Font" pitchFamily="2" charset="0"/>
+                <a:ea typeface="RobotoMono Nerd Font" pitchFamily="2" charset="0"/>
+              </a:rPr>
+              <a:t>])</a:t>
+            </a:r>
+            <a:endParaRPr lang="en-US">
+              <a:latin typeface="RobotoMono Nerd Font" pitchFamily="2" charset="0"/>
+              <a:ea typeface="RobotoMono Nerd Font" pitchFamily="2" charset="0"/>
+            </a:endParaRPr>
+          </a:p>
+        </p:txBody>
+      </p:sp>
+      <p:sp>
+        <p:nvSpPr>
+          <p:cNvPr id="3" name="Title 2">
+            <a:extLst>
+              <a:ext uri="{FF2B5EF4-FFF2-40B4-BE49-F238E27FC236}">
+                <a16:creationId xmlns:a16="http://schemas.microsoft.com/office/drawing/2014/main" id="{EE6E9967-95EF-524A-B15B-E2F9C2FB00C1}"/>
+              </a:ext>
+            </a:extLst>
+          </p:cNvPr>
+          <p:cNvSpPr>
+            <a:spLocks noGrp="1"/>
+          </p:cNvSpPr>
+          <p:nvPr>
+            <p:ph type="title"/>
+          </p:nvPr>
+        </p:nvSpPr>
+        <p:spPr/>
+        <p:txBody>
+          <a:bodyPr/>
+          <a:lstStyle/>
+          <a:p>
+            <a:r>
+              <a:rPr lang="en-US"/>
+              <a:t>Sinh dữ liệu</a:t>
+            </a:r>
+          </a:p>
+        </p:txBody>
+      </p:sp>
+      <p:sp>
+        <p:nvSpPr>
+          <p:cNvPr id="5" name="Folded Corner 4">
+            <a:extLst>
+              <a:ext uri="{FF2B5EF4-FFF2-40B4-BE49-F238E27FC236}">
+                <a16:creationId xmlns:a16="http://schemas.microsoft.com/office/drawing/2014/main" id="{3057AAC4-7106-1446-A732-4E2D85FA0811}"/>
+              </a:ext>
+            </a:extLst>
+          </p:cNvPr>
+          <p:cNvSpPr/>
+          <p:nvPr/>
+        </p:nvSpPr>
+        <p:spPr>
+          <a:xfrm>
+            <a:off x="7446935" y="4698333"/>
+            <a:ext cx="1580828" cy="340962"/>
+          </a:xfrm>
+          <a:prstGeom prst="foldedCorner">
+            <a:avLst/>
+          </a:prstGeom>
+          <a:solidFill>
+            <a:schemeClr val="bg1">
+              <a:lumMod val="85000"/>
+            </a:schemeClr>
+          </a:solidFill>
+          <a:ln w="12700"/>
+        </p:spPr>
+        <p:style>
+          <a:lnRef idx="2">
+            <a:schemeClr val="accent1">
+              <a:shade val="50000"/>
+            </a:schemeClr>
+          </a:lnRef>
+          <a:fillRef idx="1">
+            <a:schemeClr val="accent1"/>
+          </a:fillRef>
+          <a:effectRef idx="0">
+            <a:schemeClr val="accent1"/>
+          </a:effectRef>
+          <a:fontRef idx="minor">
+            <a:schemeClr val="lt1"/>
+          </a:fontRef>
+        </p:style>
+        <p:txBody>
+          <a:bodyPr rtlCol="0" anchor="ctr"/>
+          <a:lstStyle/>
+          <a:p>
+            <a:pPr algn="ctr"/>
+            <a:r>
+              <a:rPr lang="en-US" sz="1200">
+                <a:solidFill>
+                  <a:schemeClr val="bg2"/>
+                </a:solidFill>
+                <a:latin typeface="Verdana" panose="020B0604030504040204" pitchFamily="34" charset="0"/>
+                <a:ea typeface="Verdana" panose="020B0604030504040204" pitchFamily="34" charset="0"/>
+                <a:cs typeface="Verdana" panose="020B0604030504040204" pitchFamily="34" charset="0"/>
+              </a:rPr>
+              <a:t>GenerateCSV.py</a:t>
+            </a:r>
+          </a:p>
+        </p:txBody>
+      </p:sp>
+    </p:spTree>
+    <p:extLst>
+      <p:ext uri="{BB962C8B-B14F-4D97-AF65-F5344CB8AC3E}">
+        <p14:creationId xmlns:p14="http://schemas.microsoft.com/office/powerpoint/2010/main" val="1568996599"/>
+      </p:ext>
+    </p:extLst>
+  </p:cSld>
+  <p:clrMapOvr>
+    <a:masterClrMapping/>
+  </p:clrMapOvr>
+</p:sld>
+</file>
+
+<file path=ppt/slides/slide44.xml><?xml version="1.0" encoding="utf-8"?>
+<p:sld xmlns:a="http://schemas.openxmlformats.org/drawingml/2006/main" xmlns:r="http://schemas.openxmlformats.org/officeDocument/2006/relationships" xmlns:p="http://schemas.openxmlformats.org/presentationml/2006/main">
+  <p:cSld>
+    <p:spTree>
+      <p:nvGrpSpPr>
+        <p:cNvPr id="1" name=""/>
+        <p:cNvGrpSpPr/>
+        <p:nvPr/>
+      </p:nvGrpSpPr>
+      <p:grpSpPr>
+        <a:xfrm>
+          <a:off x="0" y="0"/>
+          <a:ext cx="0" cy="0"/>
+          <a:chOff x="0" y="0"/>
+          <a:chExt cx="0" cy="0"/>
+        </a:xfrm>
+      </p:grpSpPr>
+      <p:pic>
+        <p:nvPicPr>
+          <p:cNvPr id="2" name="Picture 1">
+            <a:extLst>
+              <a:ext uri="{FF2B5EF4-FFF2-40B4-BE49-F238E27FC236}">
+                <a16:creationId xmlns:a16="http://schemas.microsoft.com/office/drawing/2014/main" id="{2846C3CE-7053-9B45-A0A7-CF346091AC5C}"/>
+              </a:ext>
+            </a:extLst>
+          </p:cNvPr>
+          <p:cNvPicPr>
+            <a:picLocks noChangeAspect="1"/>
+          </p:cNvPicPr>
+          <p:nvPr/>
+        </p:nvPicPr>
+        <p:blipFill>
+          <a:blip r:embed="rId2"/>
+          <a:stretch>
+            <a:fillRect/>
+          </a:stretch>
+        </p:blipFill>
+        <p:spPr>
+          <a:xfrm>
+            <a:off x="116237" y="548788"/>
+            <a:ext cx="4505835" cy="4007372"/>
+          </a:xfrm>
+          <a:prstGeom prst="rect">
+            <a:avLst/>
+          </a:prstGeom>
+        </p:spPr>
+      </p:pic>
+      <p:pic>
+        <p:nvPicPr>
+          <p:cNvPr id="3" name="Picture 2">
+            <a:extLst>
+              <a:ext uri="{FF2B5EF4-FFF2-40B4-BE49-F238E27FC236}">
+                <a16:creationId xmlns:a16="http://schemas.microsoft.com/office/drawing/2014/main" id="{04951563-E5F9-9F47-88FE-341352A3AAB8}"/>
+              </a:ext>
+            </a:extLst>
+          </p:cNvPr>
+          <p:cNvPicPr>
+            <a:picLocks noChangeAspect="1"/>
+          </p:cNvPicPr>
+          <p:nvPr/>
+        </p:nvPicPr>
+        <p:blipFill>
+          <a:blip r:embed="rId3"/>
+          <a:stretch>
+            <a:fillRect/>
+          </a:stretch>
+        </p:blipFill>
+        <p:spPr>
+          <a:xfrm>
+            <a:off x="4695924" y="805150"/>
+            <a:ext cx="4381344" cy="3557623"/>
+          </a:xfrm>
+          <a:prstGeom prst="rect">
+            <a:avLst/>
+          </a:prstGeom>
+        </p:spPr>
+      </p:pic>
+    </p:spTree>
+    <p:extLst>
+      <p:ext uri="{BB962C8B-B14F-4D97-AF65-F5344CB8AC3E}">
+        <p14:creationId xmlns:p14="http://schemas.microsoft.com/office/powerpoint/2010/main" val="3902962978"/>
+      </p:ext>
+    </p:extLst>
+  </p:cSld>
+  <p:clrMapOvr>
+    <a:masterClrMapping/>
+  </p:clrMapOvr>
+</p:sld>
+</file>
+
+<file path=ppt/slides/slide45.xml><?xml version="1.0" encoding="utf-8"?>
+<p:sld xmlns:a="http://schemas.openxmlformats.org/drawingml/2006/main" xmlns:r="http://schemas.openxmlformats.org/officeDocument/2006/relationships" xmlns:p="http://schemas.openxmlformats.org/presentationml/2006/main">
+  <p:cSld>
+    <p:spTree>
+      <p:nvGrpSpPr>
+        <p:cNvPr id="1" name=""/>
+        <p:cNvGrpSpPr/>
+        <p:nvPr/>
+      </p:nvGrpSpPr>
+      <p:grpSpPr>
+        <a:xfrm>
+          <a:off x="0" y="0"/>
+          <a:ext cx="0" cy="0"/>
+          <a:chOff x="0" y="0"/>
+          <a:chExt cx="0" cy="0"/>
+        </a:xfrm>
+      </p:grpSpPr>
+      <p:sp>
+        <p:nvSpPr>
+          <p:cNvPr id="2" name="Rectangle 1">
+            <a:extLst>
+              <a:ext uri="{FF2B5EF4-FFF2-40B4-BE49-F238E27FC236}">
+                <a16:creationId xmlns:a16="http://schemas.microsoft.com/office/drawing/2014/main" id="{56036F43-3A60-8C43-8312-3325DAA5A698}"/>
+              </a:ext>
+            </a:extLst>
+          </p:cNvPr>
+          <p:cNvSpPr/>
+          <p:nvPr/>
+        </p:nvSpPr>
+        <p:spPr>
+          <a:xfrm>
+            <a:off x="449450" y="337855"/>
+            <a:ext cx="8237349" cy="3754874"/>
+          </a:xfrm>
+          <a:prstGeom prst="rect">
+            <a:avLst/>
+          </a:prstGeom>
+        </p:spPr>
+        <p:txBody>
+          <a:bodyPr wrap="square">
+            <a:spAutoFit/>
+          </a:bodyPr>
+          <a:lstStyle/>
+          <a:p>
+            <a:r>
+              <a:rPr lang="en-US" b="1">
+                <a:solidFill>
+                  <a:srgbClr val="7F0055"/>
+                </a:solidFill>
+                <a:effectLst/>
+                <a:latin typeface="RobotoMono Nerd Font" pitchFamily="2" charset="0"/>
+                <a:ea typeface="RobotoMono Nerd Font" pitchFamily="2" charset="0"/>
+              </a:rPr>
+              <a:t>import </a:t>
+            </a:r>
+            <a:r>
+              <a:rPr lang="en-US">
+                <a:latin typeface="RobotoMono Nerd Font" pitchFamily="2" charset="0"/>
+                <a:ea typeface="RobotoMono Nerd Font" pitchFamily="2" charset="0"/>
+              </a:rPr>
+              <a:t>numpy </a:t>
+            </a:r>
+            <a:r>
+              <a:rPr lang="en-US" b="1">
+                <a:solidFill>
+                  <a:srgbClr val="7F0055"/>
+                </a:solidFill>
+                <a:effectLst/>
+                <a:latin typeface="RobotoMono Nerd Font" pitchFamily="2" charset="0"/>
+                <a:ea typeface="RobotoMono Nerd Font" pitchFamily="2" charset="0"/>
+              </a:rPr>
+              <a:t>as </a:t>
+            </a:r>
+            <a:r>
+              <a:rPr lang="en-US">
+                <a:latin typeface="RobotoMono Nerd Font" pitchFamily="2" charset="0"/>
+                <a:ea typeface="RobotoMono Nerd Font" pitchFamily="2" charset="0"/>
+              </a:rPr>
+              <a:t>np</a:t>
+            </a:r>
+            <a:br>
+              <a:rPr lang="en-US">
+                <a:latin typeface="RobotoMono Nerd Font" pitchFamily="2" charset="0"/>
+                <a:ea typeface="RobotoMono Nerd Font" pitchFamily="2" charset="0"/>
+              </a:rPr>
+            </a:br>
+            <a:r>
+              <a:rPr lang="en-US" b="1">
+                <a:solidFill>
+                  <a:srgbClr val="7F0055"/>
+                </a:solidFill>
+                <a:effectLst/>
+                <a:latin typeface="RobotoMono Nerd Font" pitchFamily="2" charset="0"/>
+                <a:ea typeface="RobotoMono Nerd Font" pitchFamily="2" charset="0"/>
+              </a:rPr>
+              <a:t>import </a:t>
+            </a:r>
+            <a:r>
+              <a:rPr lang="en-US">
+                <a:latin typeface="RobotoMono Nerd Font" pitchFamily="2" charset="0"/>
+                <a:ea typeface="RobotoMono Nerd Font" pitchFamily="2" charset="0"/>
+              </a:rPr>
+              <a:t>pandas </a:t>
+            </a:r>
+            <a:r>
+              <a:rPr lang="en-US" b="1">
+                <a:solidFill>
+                  <a:srgbClr val="7F0055"/>
+                </a:solidFill>
+                <a:effectLst/>
+                <a:latin typeface="RobotoMono Nerd Font" pitchFamily="2" charset="0"/>
+                <a:ea typeface="RobotoMono Nerd Font" pitchFamily="2" charset="0"/>
+              </a:rPr>
+              <a:t>as </a:t>
+            </a:r>
+            <a:r>
+              <a:rPr lang="en-US">
+                <a:latin typeface="RobotoMono Nerd Font" pitchFamily="2" charset="0"/>
+                <a:ea typeface="RobotoMono Nerd Font" pitchFamily="2" charset="0"/>
+              </a:rPr>
+              <a:t>pd</a:t>
+            </a:r>
+            <a:br>
+              <a:rPr lang="en-US">
+                <a:latin typeface="RobotoMono Nerd Font" pitchFamily="2" charset="0"/>
+                <a:ea typeface="RobotoMono Nerd Font" pitchFamily="2" charset="0"/>
+              </a:rPr>
+            </a:br>
+            <a:r>
+              <a:rPr lang="en-US" b="1">
+                <a:solidFill>
+                  <a:srgbClr val="7F0055"/>
+                </a:solidFill>
+                <a:effectLst/>
+                <a:latin typeface="RobotoMono Nerd Font" pitchFamily="2" charset="0"/>
+                <a:ea typeface="RobotoMono Nerd Font" pitchFamily="2" charset="0"/>
+              </a:rPr>
+              <a:t>from </a:t>
+            </a:r>
+            <a:r>
+              <a:rPr lang="en-US">
+                <a:latin typeface="RobotoMono Nerd Font" pitchFamily="2" charset="0"/>
+                <a:ea typeface="RobotoMono Nerd Font" pitchFamily="2" charset="0"/>
+              </a:rPr>
+              <a:t>mpl_toolkits</a:t>
+            </a:r>
+            <a:r>
+              <a:rPr lang="en-US">
+                <a:solidFill>
+                  <a:srgbClr val="333333"/>
+                </a:solidFill>
+                <a:effectLst/>
+                <a:latin typeface="RobotoMono Nerd Font" pitchFamily="2" charset="0"/>
+                <a:ea typeface="RobotoMono Nerd Font" pitchFamily="2" charset="0"/>
+              </a:rPr>
+              <a:t>.</a:t>
+            </a:r>
+            <a:r>
+              <a:rPr lang="en-US">
+                <a:latin typeface="RobotoMono Nerd Font" pitchFamily="2" charset="0"/>
+                <a:ea typeface="RobotoMono Nerd Font" pitchFamily="2" charset="0"/>
+              </a:rPr>
+              <a:t>mplot3d </a:t>
+            </a:r>
+            <a:r>
+              <a:rPr lang="en-US" b="1">
+                <a:solidFill>
+                  <a:srgbClr val="7F0055"/>
+                </a:solidFill>
+                <a:effectLst/>
+                <a:latin typeface="RobotoMono Nerd Font" pitchFamily="2" charset="0"/>
+                <a:ea typeface="RobotoMono Nerd Font" pitchFamily="2" charset="0"/>
+              </a:rPr>
+              <a:t>import </a:t>
+            </a:r>
+            <a:r>
+              <a:rPr lang="en-US">
+                <a:latin typeface="RobotoMono Nerd Font" pitchFamily="2" charset="0"/>
+                <a:ea typeface="RobotoMono Nerd Font" pitchFamily="2" charset="0"/>
+              </a:rPr>
+              <a:t>Axes3D</a:t>
+            </a:r>
+            <a:br>
+              <a:rPr lang="en-US">
+                <a:latin typeface="RobotoMono Nerd Font" pitchFamily="2" charset="0"/>
+                <a:ea typeface="RobotoMono Nerd Font" pitchFamily="2" charset="0"/>
+              </a:rPr>
+            </a:br>
+            <a:r>
+              <a:rPr lang="en-US" b="1">
+                <a:solidFill>
+                  <a:srgbClr val="7F0055"/>
+                </a:solidFill>
+                <a:effectLst/>
+                <a:latin typeface="RobotoMono Nerd Font" pitchFamily="2" charset="0"/>
+                <a:ea typeface="RobotoMono Nerd Font" pitchFamily="2" charset="0"/>
+              </a:rPr>
+              <a:t>import </a:t>
+            </a:r>
+            <a:r>
+              <a:rPr lang="en-US">
+                <a:latin typeface="RobotoMono Nerd Font" pitchFamily="2" charset="0"/>
+                <a:ea typeface="RobotoMono Nerd Font" pitchFamily="2" charset="0"/>
+              </a:rPr>
+              <a:t>matplotlib</a:t>
+            </a:r>
+            <a:r>
+              <a:rPr lang="en-US">
+                <a:solidFill>
+                  <a:srgbClr val="333333"/>
+                </a:solidFill>
+                <a:effectLst/>
+                <a:latin typeface="RobotoMono Nerd Font" pitchFamily="2" charset="0"/>
+                <a:ea typeface="RobotoMono Nerd Font" pitchFamily="2" charset="0"/>
+              </a:rPr>
+              <a:t>.</a:t>
+            </a:r>
+            <a:r>
+              <a:rPr lang="en-US">
+                <a:latin typeface="RobotoMono Nerd Font" pitchFamily="2" charset="0"/>
+                <a:ea typeface="RobotoMono Nerd Font" pitchFamily="2" charset="0"/>
+              </a:rPr>
+              <a:t>pyplot </a:t>
+            </a:r>
+            <a:r>
+              <a:rPr lang="en-US" b="1">
+                <a:solidFill>
+                  <a:srgbClr val="7F0055"/>
+                </a:solidFill>
+                <a:effectLst/>
+                <a:latin typeface="RobotoMono Nerd Font" pitchFamily="2" charset="0"/>
+                <a:ea typeface="RobotoMono Nerd Font" pitchFamily="2" charset="0"/>
+              </a:rPr>
+              <a:t>as </a:t>
+            </a:r>
+            <a:r>
+              <a:rPr lang="en-US">
+                <a:latin typeface="RobotoMono Nerd Font" pitchFamily="2" charset="0"/>
+                <a:ea typeface="RobotoMono Nerd Font" pitchFamily="2" charset="0"/>
+              </a:rPr>
+              <a:t>plt</a:t>
+            </a:r>
+            <a:br>
+              <a:rPr lang="en-US">
+                <a:latin typeface="RobotoMono Nerd Font" pitchFamily="2" charset="0"/>
+                <a:ea typeface="RobotoMono Nerd Font" pitchFamily="2" charset="0"/>
+              </a:rPr>
+            </a:br>
+            <a:r>
+              <a:rPr lang="en-US" b="1">
+                <a:solidFill>
+                  <a:srgbClr val="7F0055"/>
+                </a:solidFill>
+                <a:effectLst/>
+                <a:latin typeface="RobotoMono Nerd Font" pitchFamily="2" charset="0"/>
+                <a:ea typeface="RobotoMono Nerd Font" pitchFamily="2" charset="0"/>
+              </a:rPr>
+              <a:t>from </a:t>
+            </a:r>
+            <a:r>
+              <a:rPr lang="en-US">
+                <a:latin typeface="RobotoMono Nerd Font" pitchFamily="2" charset="0"/>
+                <a:ea typeface="RobotoMono Nerd Font" pitchFamily="2" charset="0"/>
+              </a:rPr>
+              <a:t>sklearn</a:t>
+            </a:r>
+            <a:r>
+              <a:rPr lang="en-US">
+                <a:solidFill>
+                  <a:srgbClr val="333333"/>
+                </a:solidFill>
+                <a:effectLst/>
+                <a:latin typeface="RobotoMono Nerd Font" pitchFamily="2" charset="0"/>
+                <a:ea typeface="RobotoMono Nerd Font" pitchFamily="2" charset="0"/>
+              </a:rPr>
+              <a:t>.</a:t>
+            </a:r>
+            <a:r>
+              <a:rPr lang="en-US">
+                <a:latin typeface="RobotoMono Nerd Font" pitchFamily="2" charset="0"/>
+                <a:ea typeface="RobotoMono Nerd Font" pitchFamily="2" charset="0"/>
+              </a:rPr>
+              <a:t>model_selection </a:t>
+            </a:r>
+            <a:r>
+              <a:rPr lang="en-US" b="1">
+                <a:solidFill>
+                  <a:srgbClr val="7F0055"/>
+                </a:solidFill>
+                <a:effectLst/>
+                <a:latin typeface="RobotoMono Nerd Font" pitchFamily="2" charset="0"/>
+                <a:ea typeface="RobotoMono Nerd Font" pitchFamily="2" charset="0"/>
+              </a:rPr>
+              <a:t>import </a:t>
+            </a:r>
+            <a:r>
+              <a:rPr lang="en-US">
+                <a:latin typeface="RobotoMono Nerd Font" pitchFamily="2" charset="0"/>
+                <a:ea typeface="RobotoMono Nerd Font" pitchFamily="2" charset="0"/>
+              </a:rPr>
+              <a:t>train_test_split</a:t>
+            </a:r>
+            <a:br>
+              <a:rPr lang="en-US">
+                <a:latin typeface="RobotoMono Nerd Font" pitchFamily="2" charset="0"/>
+                <a:ea typeface="RobotoMono Nerd Font" pitchFamily="2" charset="0"/>
+              </a:rPr>
+            </a:br>
+            <a:r>
+              <a:rPr lang="en-US" b="1">
+                <a:solidFill>
+                  <a:srgbClr val="7F0055"/>
+                </a:solidFill>
+                <a:effectLst/>
+                <a:latin typeface="RobotoMono Nerd Font" pitchFamily="2" charset="0"/>
+                <a:ea typeface="RobotoMono Nerd Font" pitchFamily="2" charset="0"/>
+              </a:rPr>
+              <a:t>from </a:t>
+            </a:r>
+            <a:r>
+              <a:rPr lang="en-US">
+                <a:latin typeface="RobotoMono Nerd Font" pitchFamily="2" charset="0"/>
+                <a:ea typeface="RobotoMono Nerd Font" pitchFamily="2" charset="0"/>
+              </a:rPr>
+              <a:t>sklearn</a:t>
+            </a:r>
+            <a:r>
+              <a:rPr lang="en-US">
+                <a:solidFill>
+                  <a:srgbClr val="333333"/>
+                </a:solidFill>
+                <a:effectLst/>
+                <a:latin typeface="RobotoMono Nerd Font" pitchFamily="2" charset="0"/>
+                <a:ea typeface="RobotoMono Nerd Font" pitchFamily="2" charset="0"/>
+              </a:rPr>
+              <a:t>.</a:t>
+            </a:r>
+            <a:r>
+              <a:rPr lang="en-US">
+                <a:latin typeface="RobotoMono Nerd Font" pitchFamily="2" charset="0"/>
+                <a:ea typeface="RobotoMono Nerd Font" pitchFamily="2" charset="0"/>
+              </a:rPr>
+              <a:t>linear_model </a:t>
+            </a:r>
+            <a:r>
+              <a:rPr lang="en-US" b="1">
+                <a:solidFill>
+                  <a:srgbClr val="7F0055"/>
+                </a:solidFill>
+                <a:effectLst/>
+                <a:latin typeface="RobotoMono Nerd Font" pitchFamily="2" charset="0"/>
+                <a:ea typeface="RobotoMono Nerd Font" pitchFamily="2" charset="0"/>
+              </a:rPr>
+              <a:t>import </a:t>
+            </a:r>
+            <a:r>
+              <a:rPr lang="en-US">
+                <a:latin typeface="RobotoMono Nerd Font" pitchFamily="2" charset="0"/>
+                <a:ea typeface="RobotoMono Nerd Font" pitchFamily="2" charset="0"/>
+              </a:rPr>
+              <a:t>LinearRegression</a:t>
+            </a:r>
+            <a:br>
+              <a:rPr lang="en-US">
+                <a:latin typeface="RobotoMono Nerd Font" pitchFamily="2" charset="0"/>
+                <a:ea typeface="RobotoMono Nerd Font" pitchFamily="2" charset="0"/>
+              </a:rPr>
+            </a:br>
+            <a:br>
+              <a:rPr lang="en-US">
+                <a:latin typeface="RobotoMono Nerd Font" pitchFamily="2" charset="0"/>
+                <a:ea typeface="RobotoMono Nerd Font" pitchFamily="2" charset="0"/>
+              </a:rPr>
+            </a:br>
+            <a:r>
+              <a:rPr lang="en-US">
+                <a:latin typeface="RobotoMono Nerd Font" pitchFamily="2" charset="0"/>
+                <a:ea typeface="RobotoMono Nerd Font" pitchFamily="2" charset="0"/>
+              </a:rPr>
+              <a:t>np</a:t>
+            </a:r>
+            <a:r>
+              <a:rPr lang="en-US">
+                <a:solidFill>
+                  <a:srgbClr val="333333"/>
+                </a:solidFill>
+                <a:effectLst/>
+                <a:latin typeface="RobotoMono Nerd Font" pitchFamily="2" charset="0"/>
+                <a:ea typeface="RobotoMono Nerd Font" pitchFamily="2" charset="0"/>
+              </a:rPr>
+              <a:t>.</a:t>
+            </a:r>
+            <a:r>
+              <a:rPr lang="en-US">
+                <a:solidFill>
+                  <a:srgbClr val="170591"/>
+                </a:solidFill>
+                <a:effectLst/>
+                <a:latin typeface="RobotoMono Nerd Font" pitchFamily="2" charset="0"/>
+                <a:ea typeface="RobotoMono Nerd Font" pitchFamily="2" charset="0"/>
+              </a:rPr>
+              <a:t>set_printoptions</a:t>
+            </a:r>
+            <a:r>
+              <a:rPr lang="en-US">
+                <a:solidFill>
+                  <a:srgbClr val="000066"/>
+                </a:solidFill>
+                <a:effectLst/>
+                <a:latin typeface="RobotoMono Nerd Font" pitchFamily="2" charset="0"/>
+                <a:ea typeface="RobotoMono Nerd Font" pitchFamily="2" charset="0"/>
+              </a:rPr>
+              <a:t>(</a:t>
+            </a:r>
+            <a:r>
+              <a:rPr lang="en-US">
+                <a:solidFill>
+                  <a:srgbClr val="660099"/>
+                </a:solidFill>
+                <a:effectLst/>
+                <a:latin typeface="RobotoMono Nerd Font" pitchFamily="2" charset="0"/>
+                <a:ea typeface="RobotoMono Nerd Font" pitchFamily="2" charset="0"/>
+              </a:rPr>
+              <a:t>precision</a:t>
+            </a:r>
+            <a:r>
+              <a:rPr lang="en-US">
+                <a:solidFill>
+                  <a:srgbClr val="333333"/>
+                </a:solidFill>
+                <a:effectLst/>
+                <a:latin typeface="RobotoMono Nerd Font" pitchFamily="2" charset="0"/>
+                <a:ea typeface="RobotoMono Nerd Font" pitchFamily="2" charset="0"/>
+              </a:rPr>
+              <a:t>=</a:t>
+            </a:r>
+            <a:r>
+              <a:rPr lang="en-US" b="1">
+                <a:solidFill>
+                  <a:srgbClr val="333333"/>
+                </a:solidFill>
+                <a:effectLst/>
+                <a:latin typeface="RobotoMono Nerd Font" pitchFamily="2" charset="0"/>
+                <a:ea typeface="RobotoMono Nerd Font" pitchFamily="2" charset="0"/>
+              </a:rPr>
+              <a:t>2</a:t>
+            </a:r>
+            <a:r>
+              <a:rPr lang="en-US">
+                <a:solidFill>
+                  <a:srgbClr val="333333"/>
+                </a:solidFill>
+                <a:effectLst/>
+                <a:latin typeface="RobotoMono Nerd Font" pitchFamily="2" charset="0"/>
+                <a:ea typeface="RobotoMono Nerd Font" pitchFamily="2" charset="0"/>
+              </a:rPr>
+              <a:t>, </a:t>
+            </a:r>
+            <a:r>
+              <a:rPr lang="en-US">
+                <a:solidFill>
+                  <a:srgbClr val="660099"/>
+                </a:solidFill>
+                <a:effectLst/>
+                <a:latin typeface="RobotoMono Nerd Font" pitchFamily="2" charset="0"/>
+                <a:ea typeface="RobotoMono Nerd Font" pitchFamily="2" charset="0"/>
+              </a:rPr>
+              <a:t>suppress</a:t>
+            </a:r>
+            <a:r>
+              <a:rPr lang="en-US">
+                <a:solidFill>
+                  <a:srgbClr val="333333"/>
+                </a:solidFill>
+                <a:effectLst/>
+                <a:latin typeface="RobotoMono Nerd Font" pitchFamily="2" charset="0"/>
+                <a:ea typeface="RobotoMono Nerd Font" pitchFamily="2" charset="0"/>
+              </a:rPr>
+              <a:t>=</a:t>
+            </a:r>
+            <a:r>
+              <a:rPr lang="en-US" b="1">
+                <a:solidFill>
+                  <a:srgbClr val="7F0055"/>
+                </a:solidFill>
+                <a:effectLst/>
+                <a:latin typeface="RobotoMono Nerd Font" pitchFamily="2" charset="0"/>
+                <a:ea typeface="RobotoMono Nerd Font" pitchFamily="2" charset="0"/>
+              </a:rPr>
+              <a:t>True</a:t>
+            </a:r>
+            <a:r>
+              <a:rPr lang="en-US">
+                <a:solidFill>
+                  <a:srgbClr val="000066"/>
+                </a:solidFill>
+                <a:effectLst/>
+                <a:latin typeface="RobotoMono Nerd Font" pitchFamily="2" charset="0"/>
+                <a:ea typeface="RobotoMono Nerd Font" pitchFamily="2" charset="0"/>
+              </a:rPr>
+              <a:t>)</a:t>
+            </a:r>
+            <a:br>
+              <a:rPr lang="en-US">
+                <a:solidFill>
+                  <a:srgbClr val="000066"/>
+                </a:solidFill>
+                <a:effectLst/>
+                <a:latin typeface="RobotoMono Nerd Font" pitchFamily="2" charset="0"/>
+                <a:ea typeface="RobotoMono Nerd Font" pitchFamily="2" charset="0"/>
+              </a:rPr>
+            </a:br>
+            <a:br>
+              <a:rPr lang="en-US">
+                <a:solidFill>
+                  <a:srgbClr val="000066"/>
+                </a:solidFill>
+                <a:effectLst/>
+                <a:latin typeface="RobotoMono Nerd Font" pitchFamily="2" charset="0"/>
+                <a:ea typeface="RobotoMono Nerd Font" pitchFamily="2" charset="0"/>
+              </a:rPr>
+            </a:br>
+            <a:r>
+              <a:rPr lang="en-US">
+                <a:latin typeface="RobotoMono Nerd Font" pitchFamily="2" charset="0"/>
+                <a:ea typeface="RobotoMono Nerd Font" pitchFamily="2" charset="0"/>
+              </a:rPr>
+              <a:t>data </a:t>
+            </a:r>
+            <a:r>
+              <a:rPr lang="en-US">
+                <a:solidFill>
+                  <a:srgbClr val="333333"/>
+                </a:solidFill>
+                <a:effectLst/>
+                <a:latin typeface="RobotoMono Nerd Font" pitchFamily="2" charset="0"/>
+                <a:ea typeface="RobotoMono Nerd Font" pitchFamily="2" charset="0"/>
+              </a:rPr>
+              <a:t>= </a:t>
+            </a:r>
+            <a:r>
+              <a:rPr lang="en-US">
+                <a:latin typeface="RobotoMono Nerd Font" pitchFamily="2" charset="0"/>
+                <a:ea typeface="RobotoMono Nerd Font" pitchFamily="2" charset="0"/>
+              </a:rPr>
+              <a:t>pd</a:t>
+            </a:r>
+            <a:r>
+              <a:rPr lang="en-US">
+                <a:solidFill>
+                  <a:srgbClr val="333333"/>
+                </a:solidFill>
+                <a:effectLst/>
+                <a:latin typeface="RobotoMono Nerd Font" pitchFamily="2" charset="0"/>
+                <a:ea typeface="RobotoMono Nerd Font" pitchFamily="2" charset="0"/>
+              </a:rPr>
+              <a:t>.</a:t>
+            </a:r>
+            <a:r>
+              <a:rPr lang="en-US">
+                <a:solidFill>
+                  <a:srgbClr val="170591"/>
+                </a:solidFill>
+                <a:effectLst/>
+                <a:latin typeface="RobotoMono Nerd Font" pitchFamily="2" charset="0"/>
+                <a:ea typeface="RobotoMono Nerd Font" pitchFamily="2" charset="0"/>
+              </a:rPr>
+              <a:t>read_csv</a:t>
+            </a:r>
+            <a:r>
+              <a:rPr lang="en-US">
+                <a:solidFill>
+                  <a:srgbClr val="000066"/>
+                </a:solidFill>
+                <a:effectLst/>
+                <a:latin typeface="RobotoMono Nerd Font" pitchFamily="2" charset="0"/>
+                <a:ea typeface="RobotoMono Nerd Font" pitchFamily="2" charset="0"/>
+              </a:rPr>
+              <a:t>(</a:t>
+            </a:r>
+            <a:r>
+              <a:rPr lang="en-US" b="1">
+                <a:solidFill>
+                  <a:srgbClr val="008080"/>
+                </a:solidFill>
+                <a:effectLst/>
+                <a:latin typeface="RobotoMono Nerd Font" pitchFamily="2" charset="0"/>
+                <a:ea typeface="RobotoMono Nerd Font" pitchFamily="2" charset="0"/>
+              </a:rPr>
+              <a:t>'HousePrice.csv'</a:t>
+            </a:r>
+            <a:r>
+              <a:rPr lang="en-US">
+                <a:solidFill>
+                  <a:srgbClr val="000066"/>
+                </a:solidFill>
+                <a:effectLst/>
+                <a:latin typeface="RobotoMono Nerd Font" pitchFamily="2" charset="0"/>
+                <a:ea typeface="RobotoMono Nerd Font" pitchFamily="2" charset="0"/>
+              </a:rPr>
+              <a:t>)</a:t>
+            </a:r>
+            <a:br>
+              <a:rPr lang="en-US">
+                <a:solidFill>
+                  <a:srgbClr val="000066"/>
+                </a:solidFill>
+                <a:effectLst/>
+                <a:latin typeface="RobotoMono Nerd Font" pitchFamily="2" charset="0"/>
+                <a:ea typeface="RobotoMono Nerd Font" pitchFamily="2" charset="0"/>
+              </a:rPr>
+            </a:br>
+            <a:r>
+              <a:rPr lang="en-US">
+                <a:latin typeface="RobotoMono Nerd Font" pitchFamily="2" charset="0"/>
+                <a:ea typeface="RobotoMono Nerd Font" pitchFamily="2" charset="0"/>
+              </a:rPr>
+              <a:t>X </a:t>
+            </a:r>
+            <a:r>
+              <a:rPr lang="en-US">
+                <a:solidFill>
+                  <a:srgbClr val="333333"/>
+                </a:solidFill>
+                <a:effectLst/>
+                <a:latin typeface="RobotoMono Nerd Font" pitchFamily="2" charset="0"/>
+                <a:ea typeface="RobotoMono Nerd Font" pitchFamily="2" charset="0"/>
+              </a:rPr>
+              <a:t>= </a:t>
+            </a:r>
+            <a:r>
+              <a:rPr lang="en-US">
+                <a:latin typeface="RobotoMono Nerd Font" pitchFamily="2" charset="0"/>
+                <a:ea typeface="RobotoMono Nerd Font" pitchFamily="2" charset="0"/>
+              </a:rPr>
+              <a:t>data</a:t>
+            </a:r>
+            <a:r>
+              <a:rPr lang="en-US">
+                <a:solidFill>
+                  <a:srgbClr val="333333"/>
+                </a:solidFill>
+                <a:effectLst/>
+                <a:latin typeface="RobotoMono Nerd Font" pitchFamily="2" charset="0"/>
+                <a:ea typeface="RobotoMono Nerd Font" pitchFamily="2" charset="0"/>
+              </a:rPr>
+              <a:t>.</a:t>
+            </a:r>
+            <a:r>
+              <a:rPr lang="en-US">
+                <a:solidFill>
+                  <a:srgbClr val="170591"/>
+                </a:solidFill>
+                <a:effectLst/>
+                <a:latin typeface="RobotoMono Nerd Font" pitchFamily="2" charset="0"/>
+                <a:ea typeface="RobotoMono Nerd Font" pitchFamily="2" charset="0"/>
+              </a:rPr>
+              <a:t>drop</a:t>
+            </a:r>
+            <a:r>
+              <a:rPr lang="en-US">
+                <a:solidFill>
+                  <a:srgbClr val="000066"/>
+                </a:solidFill>
+                <a:effectLst/>
+                <a:latin typeface="RobotoMono Nerd Font" pitchFamily="2" charset="0"/>
+                <a:ea typeface="RobotoMono Nerd Font" pitchFamily="2" charset="0"/>
+              </a:rPr>
+              <a:t>(</a:t>
+            </a:r>
+            <a:r>
+              <a:rPr lang="en-US" b="1">
+                <a:solidFill>
+                  <a:srgbClr val="008080"/>
+                </a:solidFill>
+                <a:effectLst/>
+                <a:latin typeface="RobotoMono Nerd Font" pitchFamily="2" charset="0"/>
+                <a:ea typeface="RobotoMono Nerd Font" pitchFamily="2" charset="0"/>
+              </a:rPr>
+              <a:t>'Gia'</a:t>
+            </a:r>
+            <a:r>
+              <a:rPr lang="en-US">
+                <a:solidFill>
+                  <a:srgbClr val="333333"/>
+                </a:solidFill>
+                <a:effectLst/>
+                <a:latin typeface="RobotoMono Nerd Font" pitchFamily="2" charset="0"/>
+                <a:ea typeface="RobotoMono Nerd Font" pitchFamily="2" charset="0"/>
+              </a:rPr>
+              <a:t>, </a:t>
+            </a:r>
+            <a:r>
+              <a:rPr lang="en-US">
+                <a:solidFill>
+                  <a:srgbClr val="660099"/>
+                </a:solidFill>
+                <a:effectLst/>
+                <a:latin typeface="RobotoMono Nerd Font" pitchFamily="2" charset="0"/>
+                <a:ea typeface="RobotoMono Nerd Font" pitchFamily="2" charset="0"/>
+              </a:rPr>
+              <a:t>axis</a:t>
+            </a:r>
+            <a:r>
+              <a:rPr lang="en-US">
+                <a:solidFill>
+                  <a:srgbClr val="333333"/>
+                </a:solidFill>
+                <a:effectLst/>
+                <a:latin typeface="RobotoMono Nerd Font" pitchFamily="2" charset="0"/>
+                <a:ea typeface="RobotoMono Nerd Font" pitchFamily="2" charset="0"/>
+              </a:rPr>
+              <a:t>=</a:t>
+            </a:r>
+            <a:r>
+              <a:rPr lang="en-US" b="1">
+                <a:solidFill>
+                  <a:srgbClr val="333333"/>
+                </a:solidFill>
+                <a:effectLst/>
+                <a:latin typeface="RobotoMono Nerd Font" pitchFamily="2" charset="0"/>
+                <a:ea typeface="RobotoMono Nerd Font" pitchFamily="2" charset="0"/>
+              </a:rPr>
+              <a:t>1</a:t>
+            </a:r>
+            <a:r>
+              <a:rPr lang="en-US">
+                <a:solidFill>
+                  <a:srgbClr val="000066"/>
+                </a:solidFill>
+                <a:effectLst/>
+                <a:latin typeface="RobotoMono Nerd Font" pitchFamily="2" charset="0"/>
+                <a:ea typeface="RobotoMono Nerd Font" pitchFamily="2" charset="0"/>
+              </a:rPr>
+              <a:t>)</a:t>
+            </a:r>
+            <a:br>
+              <a:rPr lang="en-US">
+                <a:solidFill>
+                  <a:srgbClr val="000066"/>
+                </a:solidFill>
+                <a:effectLst/>
+                <a:latin typeface="RobotoMono Nerd Font" pitchFamily="2" charset="0"/>
+                <a:ea typeface="RobotoMono Nerd Font" pitchFamily="2" charset="0"/>
+              </a:rPr>
+            </a:br>
+            <a:r>
+              <a:rPr lang="en-US">
+                <a:latin typeface="RobotoMono Nerd Font" pitchFamily="2" charset="0"/>
+                <a:ea typeface="RobotoMono Nerd Font" pitchFamily="2" charset="0"/>
+              </a:rPr>
+              <a:t>Y </a:t>
+            </a:r>
+            <a:r>
+              <a:rPr lang="en-US">
+                <a:solidFill>
+                  <a:srgbClr val="333333"/>
+                </a:solidFill>
+                <a:effectLst/>
+                <a:latin typeface="RobotoMono Nerd Font" pitchFamily="2" charset="0"/>
+                <a:ea typeface="RobotoMono Nerd Font" pitchFamily="2" charset="0"/>
+              </a:rPr>
+              <a:t>= </a:t>
+            </a:r>
+            <a:r>
+              <a:rPr lang="en-US">
+                <a:latin typeface="RobotoMono Nerd Font" pitchFamily="2" charset="0"/>
+                <a:ea typeface="RobotoMono Nerd Font" pitchFamily="2" charset="0"/>
+              </a:rPr>
+              <a:t>data</a:t>
+            </a:r>
+            <a:r>
+              <a:rPr lang="en-US">
+                <a:solidFill>
+                  <a:srgbClr val="000066"/>
+                </a:solidFill>
+                <a:effectLst/>
+                <a:latin typeface="RobotoMono Nerd Font" pitchFamily="2" charset="0"/>
+                <a:ea typeface="RobotoMono Nerd Font" pitchFamily="2" charset="0"/>
+              </a:rPr>
+              <a:t>[[</a:t>
+            </a:r>
+            <a:r>
+              <a:rPr lang="en-US" b="1">
+                <a:solidFill>
+                  <a:srgbClr val="008080"/>
+                </a:solidFill>
+                <a:effectLst/>
+                <a:latin typeface="RobotoMono Nerd Font" pitchFamily="2" charset="0"/>
+                <a:ea typeface="RobotoMono Nerd Font" pitchFamily="2" charset="0"/>
+              </a:rPr>
+              <a:t>'Gia'</a:t>
+            </a:r>
+            <a:r>
+              <a:rPr lang="en-US">
+                <a:solidFill>
+                  <a:srgbClr val="000066"/>
+                </a:solidFill>
+                <a:effectLst/>
+                <a:latin typeface="RobotoMono Nerd Font" pitchFamily="2" charset="0"/>
+                <a:ea typeface="RobotoMono Nerd Font" pitchFamily="2" charset="0"/>
+              </a:rPr>
+              <a:t>]]</a:t>
+            </a:r>
+            <a:br>
+              <a:rPr lang="en-US">
+                <a:solidFill>
+                  <a:srgbClr val="000066"/>
+                </a:solidFill>
+                <a:effectLst/>
+                <a:latin typeface="RobotoMono Nerd Font" pitchFamily="2" charset="0"/>
+                <a:ea typeface="RobotoMono Nerd Font" pitchFamily="2" charset="0"/>
+              </a:rPr>
+            </a:br>
+            <a:br>
+              <a:rPr lang="en-US">
+                <a:solidFill>
+                  <a:srgbClr val="000066"/>
+                </a:solidFill>
+                <a:effectLst/>
+                <a:latin typeface="RobotoMono Nerd Font" pitchFamily="2" charset="0"/>
+                <a:ea typeface="RobotoMono Nerd Font" pitchFamily="2" charset="0"/>
+              </a:rPr>
+            </a:br>
+            <a:r>
+              <a:rPr lang="en-US">
+                <a:latin typeface="RobotoMono Nerd Font" pitchFamily="2" charset="0"/>
+                <a:ea typeface="RobotoMono Nerd Font" pitchFamily="2" charset="0"/>
+              </a:rPr>
+              <a:t>test_size </a:t>
+            </a:r>
+            <a:r>
+              <a:rPr lang="en-US">
+                <a:solidFill>
+                  <a:srgbClr val="333333"/>
+                </a:solidFill>
+                <a:effectLst/>
+                <a:latin typeface="RobotoMono Nerd Font" pitchFamily="2" charset="0"/>
+                <a:ea typeface="RobotoMono Nerd Font" pitchFamily="2" charset="0"/>
+              </a:rPr>
+              <a:t>= </a:t>
+            </a:r>
+            <a:r>
+              <a:rPr lang="en-US" b="1">
+                <a:solidFill>
+                  <a:srgbClr val="333333"/>
+                </a:solidFill>
+                <a:effectLst/>
+                <a:latin typeface="RobotoMono Nerd Font" pitchFamily="2" charset="0"/>
+                <a:ea typeface="RobotoMono Nerd Font" pitchFamily="2" charset="0"/>
+              </a:rPr>
+              <a:t>0.33</a:t>
+            </a:r>
+            <a:br>
+              <a:rPr lang="en-US" b="1">
+                <a:solidFill>
+                  <a:srgbClr val="333333"/>
+                </a:solidFill>
+                <a:effectLst/>
+                <a:latin typeface="RobotoMono Nerd Font" pitchFamily="2" charset="0"/>
+                <a:ea typeface="RobotoMono Nerd Font" pitchFamily="2" charset="0"/>
+              </a:rPr>
+            </a:br>
+            <a:r>
+              <a:rPr lang="en-US">
+                <a:latin typeface="RobotoMono Nerd Font" pitchFamily="2" charset="0"/>
+                <a:ea typeface="RobotoMono Nerd Font" pitchFamily="2" charset="0"/>
+              </a:rPr>
+              <a:t>seed </a:t>
+            </a:r>
+            <a:r>
+              <a:rPr lang="en-US">
+                <a:solidFill>
+                  <a:srgbClr val="333333"/>
+                </a:solidFill>
+                <a:effectLst/>
+                <a:latin typeface="RobotoMono Nerd Font" pitchFamily="2" charset="0"/>
+                <a:ea typeface="RobotoMono Nerd Font" pitchFamily="2" charset="0"/>
+              </a:rPr>
+              <a:t>= </a:t>
+            </a:r>
+            <a:r>
+              <a:rPr lang="en-US" b="1">
+                <a:solidFill>
+                  <a:srgbClr val="333333"/>
+                </a:solidFill>
+                <a:effectLst/>
+                <a:latin typeface="RobotoMono Nerd Font" pitchFamily="2" charset="0"/>
+                <a:ea typeface="RobotoMono Nerd Font" pitchFamily="2" charset="0"/>
+              </a:rPr>
+              <a:t>7</a:t>
+            </a:r>
+            <a:br>
+              <a:rPr lang="en-US" b="1">
+                <a:solidFill>
+                  <a:srgbClr val="333333"/>
+                </a:solidFill>
+                <a:effectLst/>
+                <a:latin typeface="RobotoMono Nerd Font" pitchFamily="2" charset="0"/>
+                <a:ea typeface="RobotoMono Nerd Font" pitchFamily="2" charset="0"/>
+              </a:rPr>
+            </a:br>
+            <a:r>
+              <a:rPr lang="en-US">
+                <a:latin typeface="RobotoMono Nerd Font" pitchFamily="2" charset="0"/>
+                <a:ea typeface="RobotoMono Nerd Font" pitchFamily="2" charset="0"/>
+              </a:rPr>
+              <a:t>X_train</a:t>
+            </a:r>
+            <a:r>
+              <a:rPr lang="en-US">
+                <a:solidFill>
+                  <a:srgbClr val="333333"/>
+                </a:solidFill>
+                <a:effectLst/>
+                <a:latin typeface="RobotoMono Nerd Font" pitchFamily="2" charset="0"/>
+                <a:ea typeface="RobotoMono Nerd Font" pitchFamily="2" charset="0"/>
+              </a:rPr>
+              <a:t>, </a:t>
+            </a:r>
+            <a:r>
+              <a:rPr lang="en-US">
+                <a:latin typeface="RobotoMono Nerd Font" pitchFamily="2" charset="0"/>
+                <a:ea typeface="RobotoMono Nerd Font" pitchFamily="2" charset="0"/>
+              </a:rPr>
+              <a:t>X_test</a:t>
+            </a:r>
+            <a:r>
+              <a:rPr lang="en-US">
+                <a:solidFill>
+                  <a:srgbClr val="333333"/>
+                </a:solidFill>
+                <a:effectLst/>
+                <a:latin typeface="RobotoMono Nerd Font" pitchFamily="2" charset="0"/>
+                <a:ea typeface="RobotoMono Nerd Font" pitchFamily="2" charset="0"/>
+              </a:rPr>
+              <a:t>, </a:t>
+            </a:r>
+            <a:r>
+              <a:rPr lang="en-US">
+                <a:latin typeface="RobotoMono Nerd Font" pitchFamily="2" charset="0"/>
+                <a:ea typeface="RobotoMono Nerd Font" pitchFamily="2" charset="0"/>
+              </a:rPr>
+              <a:t>Y_train</a:t>
+            </a:r>
+            <a:r>
+              <a:rPr lang="en-US">
+                <a:solidFill>
+                  <a:srgbClr val="333333"/>
+                </a:solidFill>
+                <a:effectLst/>
+                <a:latin typeface="RobotoMono Nerd Font" pitchFamily="2" charset="0"/>
+                <a:ea typeface="RobotoMono Nerd Font" pitchFamily="2" charset="0"/>
+              </a:rPr>
+              <a:t>, </a:t>
+            </a:r>
+            <a:r>
+              <a:rPr lang="en-US">
+                <a:latin typeface="RobotoMono Nerd Font" pitchFamily="2" charset="0"/>
+                <a:ea typeface="RobotoMono Nerd Font" pitchFamily="2" charset="0"/>
+              </a:rPr>
+              <a:t>Y_test </a:t>
+            </a:r>
+            <a:r>
+              <a:rPr lang="en-US">
+                <a:solidFill>
+                  <a:srgbClr val="333333"/>
+                </a:solidFill>
+                <a:effectLst/>
+                <a:latin typeface="RobotoMono Nerd Font" pitchFamily="2" charset="0"/>
+                <a:ea typeface="RobotoMono Nerd Font" pitchFamily="2" charset="0"/>
+              </a:rPr>
+              <a:t>= </a:t>
+            </a:r>
+            <a:r>
+              <a:rPr lang="en-US">
+                <a:solidFill>
+                  <a:srgbClr val="170591"/>
+                </a:solidFill>
+                <a:effectLst/>
+                <a:latin typeface="RobotoMono Nerd Font" pitchFamily="2" charset="0"/>
+                <a:ea typeface="RobotoMono Nerd Font" pitchFamily="2" charset="0"/>
+              </a:rPr>
+              <a:t>train_test_split</a:t>
+            </a:r>
+            <a:r>
+              <a:rPr lang="en-US">
+                <a:solidFill>
+                  <a:srgbClr val="000066"/>
+                </a:solidFill>
+                <a:effectLst/>
+                <a:latin typeface="RobotoMono Nerd Font" pitchFamily="2" charset="0"/>
+                <a:ea typeface="RobotoMono Nerd Font" pitchFamily="2" charset="0"/>
+              </a:rPr>
+              <a:t>(</a:t>
+            </a:r>
+            <a:r>
+              <a:rPr lang="en-US">
+                <a:latin typeface="RobotoMono Nerd Font" pitchFamily="2" charset="0"/>
+                <a:ea typeface="RobotoMono Nerd Font" pitchFamily="2" charset="0"/>
+              </a:rPr>
+              <a:t>X</a:t>
+            </a:r>
+            <a:r>
+              <a:rPr lang="en-US">
+                <a:solidFill>
+                  <a:srgbClr val="333333"/>
+                </a:solidFill>
+                <a:effectLst/>
+                <a:latin typeface="RobotoMono Nerd Font" pitchFamily="2" charset="0"/>
+                <a:ea typeface="RobotoMono Nerd Font" pitchFamily="2" charset="0"/>
+              </a:rPr>
+              <a:t>, </a:t>
+            </a:r>
+            <a:r>
+              <a:rPr lang="en-US">
+                <a:latin typeface="RobotoMono Nerd Font" pitchFamily="2" charset="0"/>
+                <a:ea typeface="RobotoMono Nerd Font" pitchFamily="2" charset="0"/>
+              </a:rPr>
+              <a:t>Y</a:t>
+            </a:r>
+            <a:r>
+              <a:rPr lang="en-US">
+                <a:solidFill>
+                  <a:srgbClr val="333333"/>
+                </a:solidFill>
+                <a:effectLst/>
+                <a:latin typeface="RobotoMono Nerd Font" pitchFamily="2" charset="0"/>
+                <a:ea typeface="RobotoMono Nerd Font" pitchFamily="2" charset="0"/>
+              </a:rPr>
+              <a:t>, </a:t>
+            </a:r>
+            <a:r>
+              <a:rPr lang="en-US">
+                <a:solidFill>
+                  <a:srgbClr val="660099"/>
+                </a:solidFill>
+                <a:effectLst/>
+                <a:latin typeface="RobotoMono Nerd Font" pitchFamily="2" charset="0"/>
+                <a:ea typeface="RobotoMono Nerd Font" pitchFamily="2" charset="0"/>
+              </a:rPr>
+              <a:t>test_size</a:t>
+            </a:r>
+            <a:r>
+              <a:rPr lang="en-US">
+                <a:solidFill>
+                  <a:srgbClr val="333333"/>
+                </a:solidFill>
+                <a:effectLst/>
+                <a:latin typeface="RobotoMono Nerd Font" pitchFamily="2" charset="0"/>
+                <a:ea typeface="RobotoMono Nerd Font" pitchFamily="2" charset="0"/>
+              </a:rPr>
+              <a:t>=</a:t>
+            </a:r>
+            <a:r>
+              <a:rPr lang="en-US">
+                <a:latin typeface="RobotoMono Nerd Font" pitchFamily="2" charset="0"/>
+                <a:ea typeface="RobotoMono Nerd Font" pitchFamily="2" charset="0"/>
+              </a:rPr>
+              <a:t>test_size</a:t>
+            </a:r>
+            <a:r>
+              <a:rPr lang="en-US">
+                <a:solidFill>
+                  <a:srgbClr val="333333"/>
+                </a:solidFill>
+                <a:effectLst/>
+                <a:latin typeface="RobotoMono Nerd Font" pitchFamily="2" charset="0"/>
+                <a:ea typeface="RobotoMono Nerd Font" pitchFamily="2" charset="0"/>
+              </a:rPr>
+              <a:t>, </a:t>
+            </a:r>
+            <a:r>
+              <a:rPr lang="en-US">
+                <a:solidFill>
+                  <a:srgbClr val="660099"/>
+                </a:solidFill>
+                <a:effectLst/>
+                <a:latin typeface="RobotoMono Nerd Font" pitchFamily="2" charset="0"/>
+                <a:ea typeface="RobotoMono Nerd Font" pitchFamily="2" charset="0"/>
+              </a:rPr>
+              <a:t>random_state</a:t>
+            </a:r>
+            <a:r>
+              <a:rPr lang="en-US">
+                <a:solidFill>
+                  <a:srgbClr val="333333"/>
+                </a:solidFill>
+                <a:effectLst/>
+                <a:latin typeface="RobotoMono Nerd Font" pitchFamily="2" charset="0"/>
+                <a:ea typeface="RobotoMono Nerd Font" pitchFamily="2" charset="0"/>
+              </a:rPr>
+              <a:t>=</a:t>
+            </a:r>
+            <a:r>
+              <a:rPr lang="en-US">
+                <a:latin typeface="RobotoMono Nerd Font" pitchFamily="2" charset="0"/>
+                <a:ea typeface="RobotoMono Nerd Font" pitchFamily="2" charset="0"/>
+              </a:rPr>
+              <a:t>seed</a:t>
+            </a:r>
+            <a:r>
+              <a:rPr lang="en-US">
+                <a:solidFill>
+                  <a:srgbClr val="000066"/>
+                </a:solidFill>
+                <a:effectLst/>
+                <a:latin typeface="RobotoMono Nerd Font" pitchFamily="2" charset="0"/>
+                <a:ea typeface="RobotoMono Nerd Font" pitchFamily="2" charset="0"/>
+              </a:rPr>
+              <a:t>)</a:t>
+            </a:r>
+            <a:endParaRPr lang="en-US">
+              <a:latin typeface="RobotoMono Nerd Font" pitchFamily="2" charset="0"/>
+              <a:ea typeface="RobotoMono Nerd Font" pitchFamily="2" charset="0"/>
+            </a:endParaRPr>
+          </a:p>
+        </p:txBody>
+      </p:sp>
+      <p:sp>
+        <p:nvSpPr>
+          <p:cNvPr id="3" name="Folded Corner 2">
+            <a:extLst>
+              <a:ext uri="{FF2B5EF4-FFF2-40B4-BE49-F238E27FC236}">
+                <a16:creationId xmlns:a16="http://schemas.microsoft.com/office/drawing/2014/main" id="{EC9995C0-46E8-5C4C-997B-4CC967118916}"/>
+              </a:ext>
+            </a:extLst>
+          </p:cNvPr>
+          <p:cNvSpPr/>
+          <p:nvPr/>
+        </p:nvSpPr>
+        <p:spPr>
+          <a:xfrm>
+            <a:off x="7446935" y="4698333"/>
+            <a:ext cx="1580828" cy="340962"/>
+          </a:xfrm>
+          <a:prstGeom prst="foldedCorner">
+            <a:avLst/>
+          </a:prstGeom>
+          <a:solidFill>
+            <a:schemeClr val="bg1">
+              <a:lumMod val="85000"/>
+            </a:schemeClr>
+          </a:solidFill>
+          <a:ln w="12700"/>
+        </p:spPr>
+        <p:style>
+          <a:lnRef idx="2">
+            <a:schemeClr val="accent1">
+              <a:shade val="50000"/>
+            </a:schemeClr>
+          </a:lnRef>
+          <a:fillRef idx="1">
+            <a:schemeClr val="accent1"/>
+          </a:fillRef>
+          <a:effectRef idx="0">
+            <a:schemeClr val="accent1"/>
+          </a:effectRef>
+          <a:fontRef idx="minor">
+            <a:schemeClr val="lt1"/>
+          </a:fontRef>
+        </p:style>
+        <p:txBody>
+          <a:bodyPr rtlCol="0" anchor="ctr"/>
+          <a:lstStyle/>
+          <a:p>
+            <a:pPr algn="ctr"/>
+            <a:r>
+              <a:rPr lang="en-US" sz="1200">
+                <a:solidFill>
+                  <a:schemeClr val="bg2"/>
+                </a:solidFill>
+                <a:latin typeface="Verdana" panose="020B0604030504040204" pitchFamily="34" charset="0"/>
+                <a:ea typeface="Verdana" panose="020B0604030504040204" pitchFamily="34" charset="0"/>
+                <a:cs typeface="Verdana" panose="020B0604030504040204" pitchFamily="34" charset="0"/>
+              </a:rPr>
+              <a:t>HousePrice1.py 1</a:t>
+            </a:r>
+          </a:p>
+        </p:txBody>
+      </p:sp>
+    </p:spTree>
+    <p:extLst>
+      <p:ext uri="{BB962C8B-B14F-4D97-AF65-F5344CB8AC3E}">
+        <p14:creationId xmlns:p14="http://schemas.microsoft.com/office/powerpoint/2010/main" val="1367140433"/>
+      </p:ext>
+    </p:extLst>
+  </p:cSld>
+  <p:clrMapOvr>
+    <a:masterClrMapping/>
+  </p:clrMapOvr>
+</p:sld>
+</file>
+
+<file path=ppt/slides/slide46.xml><?xml version="1.0" encoding="utf-8"?>
+<p:sld xmlns:a="http://schemas.openxmlformats.org/drawingml/2006/main" xmlns:r="http://schemas.openxmlformats.org/officeDocument/2006/relationships" xmlns:p="http://schemas.openxmlformats.org/presentationml/2006/main">
+  <p:cSld>
+    <p:spTree>
+      <p:nvGrpSpPr>
+        <p:cNvPr id="1" name=""/>
+        <p:cNvGrpSpPr/>
+        <p:nvPr/>
+      </p:nvGrpSpPr>
+      <p:grpSpPr>
+        <a:xfrm>
+          <a:off x="0" y="0"/>
+          <a:ext cx="0" cy="0"/>
+          <a:chOff x="0" y="0"/>
+          <a:chExt cx="0" cy="0"/>
+        </a:xfrm>
+      </p:grpSpPr>
+      <p:sp>
+        <p:nvSpPr>
+          <p:cNvPr id="2" name="Rectangle 1">
+            <a:extLst>
+              <a:ext uri="{FF2B5EF4-FFF2-40B4-BE49-F238E27FC236}">
+                <a16:creationId xmlns:a16="http://schemas.microsoft.com/office/drawing/2014/main" id="{366EB5AF-D648-E44F-B86B-113955D99FD1}"/>
+              </a:ext>
+            </a:extLst>
+          </p:cNvPr>
+          <p:cNvSpPr/>
+          <p:nvPr/>
+        </p:nvSpPr>
+        <p:spPr>
+          <a:xfrm>
+            <a:off x="472699" y="126960"/>
+            <a:ext cx="8028122" cy="4832092"/>
+          </a:xfrm>
+          <a:prstGeom prst="rect">
+            <a:avLst/>
+          </a:prstGeom>
+        </p:spPr>
+        <p:txBody>
+          <a:bodyPr wrap="square">
+            <a:spAutoFit/>
+          </a:bodyPr>
+          <a:lstStyle/>
+          <a:p>
+            <a:r>
+              <a:rPr lang="en-US">
+                <a:latin typeface="RobotoMono Nerd Font" pitchFamily="2" charset="0"/>
+                <a:ea typeface="RobotoMono Nerd Font" pitchFamily="2" charset="0"/>
+              </a:rPr>
+              <a:t>model </a:t>
+            </a:r>
+            <a:r>
+              <a:rPr lang="en-US">
+                <a:solidFill>
+                  <a:srgbClr val="333333"/>
+                </a:solidFill>
+                <a:effectLst/>
+                <a:latin typeface="RobotoMono Nerd Font" pitchFamily="2" charset="0"/>
+                <a:ea typeface="RobotoMono Nerd Font" pitchFamily="2" charset="0"/>
+              </a:rPr>
+              <a:t>= </a:t>
+            </a:r>
+            <a:r>
+              <a:rPr lang="en-US">
+                <a:solidFill>
+                  <a:srgbClr val="170591"/>
+                </a:solidFill>
+                <a:effectLst/>
+                <a:latin typeface="RobotoMono Nerd Font" pitchFamily="2" charset="0"/>
+                <a:ea typeface="RobotoMono Nerd Font" pitchFamily="2" charset="0"/>
+              </a:rPr>
+              <a:t>LinearRegression</a:t>
+            </a:r>
+            <a:r>
+              <a:rPr lang="en-US">
+                <a:solidFill>
+                  <a:srgbClr val="000066"/>
+                </a:solidFill>
+                <a:effectLst/>
+                <a:latin typeface="RobotoMono Nerd Font" pitchFamily="2" charset="0"/>
+                <a:ea typeface="RobotoMono Nerd Font" pitchFamily="2" charset="0"/>
+              </a:rPr>
+              <a:t>()</a:t>
+            </a:r>
+            <a:br>
+              <a:rPr lang="en-US">
+                <a:solidFill>
+                  <a:srgbClr val="000066"/>
+                </a:solidFill>
+                <a:effectLst/>
+                <a:latin typeface="RobotoMono Nerd Font" pitchFamily="2" charset="0"/>
+                <a:ea typeface="RobotoMono Nerd Font" pitchFamily="2" charset="0"/>
+              </a:rPr>
+            </a:br>
+            <a:r>
+              <a:rPr lang="en-US">
+                <a:latin typeface="RobotoMono Nerd Font" pitchFamily="2" charset="0"/>
+                <a:ea typeface="RobotoMono Nerd Font" pitchFamily="2" charset="0"/>
+              </a:rPr>
+              <a:t>model</a:t>
+            </a:r>
+            <a:r>
+              <a:rPr lang="en-US">
+                <a:solidFill>
+                  <a:srgbClr val="333333"/>
+                </a:solidFill>
+                <a:effectLst/>
+                <a:latin typeface="RobotoMono Nerd Font" pitchFamily="2" charset="0"/>
+                <a:ea typeface="RobotoMono Nerd Font" pitchFamily="2" charset="0"/>
+              </a:rPr>
+              <a:t>.</a:t>
+            </a:r>
+            <a:r>
+              <a:rPr lang="en-US">
+                <a:solidFill>
+                  <a:srgbClr val="170591"/>
+                </a:solidFill>
+                <a:effectLst/>
+                <a:latin typeface="RobotoMono Nerd Font" pitchFamily="2" charset="0"/>
+                <a:ea typeface="RobotoMono Nerd Font" pitchFamily="2" charset="0"/>
+              </a:rPr>
+              <a:t>fit</a:t>
+            </a:r>
+            <a:r>
+              <a:rPr lang="en-US">
+                <a:solidFill>
+                  <a:srgbClr val="000066"/>
+                </a:solidFill>
+                <a:effectLst/>
+                <a:latin typeface="RobotoMono Nerd Font" pitchFamily="2" charset="0"/>
+                <a:ea typeface="RobotoMono Nerd Font" pitchFamily="2" charset="0"/>
+              </a:rPr>
+              <a:t>(</a:t>
+            </a:r>
+            <a:r>
+              <a:rPr lang="en-US">
+                <a:latin typeface="RobotoMono Nerd Font" pitchFamily="2" charset="0"/>
+                <a:ea typeface="RobotoMono Nerd Font" pitchFamily="2" charset="0"/>
+              </a:rPr>
+              <a:t>X_train</a:t>
+            </a:r>
+            <a:r>
+              <a:rPr lang="en-US">
+                <a:solidFill>
+                  <a:srgbClr val="333333"/>
+                </a:solidFill>
+                <a:effectLst/>
+                <a:latin typeface="RobotoMono Nerd Font" pitchFamily="2" charset="0"/>
+                <a:ea typeface="RobotoMono Nerd Font" pitchFamily="2" charset="0"/>
+              </a:rPr>
+              <a:t>, </a:t>
+            </a:r>
+            <a:r>
+              <a:rPr lang="en-US">
+                <a:latin typeface="RobotoMono Nerd Font" pitchFamily="2" charset="0"/>
+                <a:ea typeface="RobotoMono Nerd Font" pitchFamily="2" charset="0"/>
+              </a:rPr>
+              <a:t>Y_train</a:t>
+            </a:r>
+            <a:r>
+              <a:rPr lang="en-US">
+                <a:solidFill>
+                  <a:srgbClr val="000066"/>
+                </a:solidFill>
+                <a:effectLst/>
+                <a:latin typeface="RobotoMono Nerd Font" pitchFamily="2" charset="0"/>
+                <a:ea typeface="RobotoMono Nerd Font" pitchFamily="2" charset="0"/>
+              </a:rPr>
+              <a:t>)</a:t>
+            </a:r>
+            <a:br>
+              <a:rPr lang="en-US">
+                <a:solidFill>
+                  <a:srgbClr val="000066"/>
+                </a:solidFill>
+                <a:effectLst/>
+                <a:latin typeface="RobotoMono Nerd Font" pitchFamily="2" charset="0"/>
+                <a:ea typeface="RobotoMono Nerd Font" pitchFamily="2" charset="0"/>
+              </a:rPr>
+            </a:br>
+            <a:br>
+              <a:rPr lang="en-US">
+                <a:solidFill>
+                  <a:srgbClr val="000066"/>
+                </a:solidFill>
+                <a:effectLst/>
+                <a:latin typeface="RobotoMono Nerd Font" pitchFamily="2" charset="0"/>
+                <a:ea typeface="RobotoMono Nerd Font" pitchFamily="2" charset="0"/>
+              </a:rPr>
+            </a:br>
+            <a:r>
+              <a:rPr lang="en-US" b="1">
+                <a:solidFill>
+                  <a:srgbClr val="7F0055"/>
+                </a:solidFill>
+                <a:effectLst/>
+                <a:latin typeface="RobotoMono Nerd Font" pitchFamily="2" charset="0"/>
+                <a:ea typeface="RobotoMono Nerd Font" pitchFamily="2" charset="0"/>
+              </a:rPr>
+              <a:t>for </a:t>
+            </a:r>
+            <a:r>
+              <a:rPr lang="en-US">
+                <a:latin typeface="RobotoMono Nerd Font" pitchFamily="2" charset="0"/>
+                <a:ea typeface="RobotoMono Nerd Font" pitchFamily="2" charset="0"/>
+              </a:rPr>
+              <a:t>idx</a:t>
+            </a:r>
+            <a:r>
+              <a:rPr lang="en-US">
+                <a:solidFill>
+                  <a:srgbClr val="333333"/>
+                </a:solidFill>
+                <a:effectLst/>
+                <a:latin typeface="RobotoMono Nerd Font" pitchFamily="2" charset="0"/>
+                <a:ea typeface="RobotoMono Nerd Font" pitchFamily="2" charset="0"/>
+              </a:rPr>
+              <a:t>, </a:t>
+            </a:r>
+            <a:r>
+              <a:rPr lang="en-US">
+                <a:latin typeface="RobotoMono Nerd Font" pitchFamily="2" charset="0"/>
+                <a:ea typeface="RobotoMono Nerd Font" pitchFamily="2" charset="0"/>
+              </a:rPr>
+              <a:t>col_name </a:t>
+            </a:r>
+            <a:r>
+              <a:rPr lang="en-US" b="1">
+                <a:solidFill>
+                  <a:srgbClr val="7F0055"/>
+                </a:solidFill>
+                <a:effectLst/>
+                <a:latin typeface="RobotoMono Nerd Font" pitchFamily="2" charset="0"/>
+                <a:ea typeface="RobotoMono Nerd Font" pitchFamily="2" charset="0"/>
+              </a:rPr>
+              <a:t>in </a:t>
+            </a:r>
+            <a:r>
+              <a:rPr lang="en-US">
+                <a:solidFill>
+                  <a:srgbClr val="000080"/>
+                </a:solidFill>
+                <a:effectLst/>
+                <a:latin typeface="RobotoMono Nerd Font" pitchFamily="2" charset="0"/>
+                <a:ea typeface="RobotoMono Nerd Font" pitchFamily="2" charset="0"/>
+              </a:rPr>
+              <a:t>enumerate</a:t>
+            </a:r>
+            <a:r>
+              <a:rPr lang="en-US">
+                <a:solidFill>
+                  <a:srgbClr val="000066"/>
+                </a:solidFill>
+                <a:effectLst/>
+                <a:latin typeface="RobotoMono Nerd Font" pitchFamily="2" charset="0"/>
+                <a:ea typeface="RobotoMono Nerd Font" pitchFamily="2" charset="0"/>
+              </a:rPr>
+              <a:t>(</a:t>
+            </a:r>
+            <a:r>
+              <a:rPr lang="en-US">
+                <a:latin typeface="RobotoMono Nerd Font" pitchFamily="2" charset="0"/>
+                <a:ea typeface="RobotoMono Nerd Font" pitchFamily="2" charset="0"/>
+              </a:rPr>
+              <a:t>X_train</a:t>
+            </a:r>
+            <a:r>
+              <a:rPr lang="en-US">
+                <a:solidFill>
+                  <a:srgbClr val="333333"/>
+                </a:solidFill>
+                <a:effectLst/>
+                <a:latin typeface="RobotoMono Nerd Font" pitchFamily="2" charset="0"/>
+                <a:ea typeface="RobotoMono Nerd Font" pitchFamily="2" charset="0"/>
+              </a:rPr>
+              <a:t>.</a:t>
+            </a:r>
+            <a:r>
+              <a:rPr lang="en-US">
+                <a:latin typeface="RobotoMono Nerd Font" pitchFamily="2" charset="0"/>
+                <a:ea typeface="RobotoMono Nerd Font" pitchFamily="2" charset="0"/>
+              </a:rPr>
+              <a:t>columns</a:t>
+            </a:r>
+            <a:r>
+              <a:rPr lang="en-US">
+                <a:solidFill>
+                  <a:srgbClr val="000066"/>
+                </a:solidFill>
+                <a:effectLst/>
+                <a:latin typeface="RobotoMono Nerd Font" pitchFamily="2" charset="0"/>
+                <a:ea typeface="RobotoMono Nerd Font" pitchFamily="2" charset="0"/>
+              </a:rPr>
+              <a:t>)</a:t>
+            </a:r>
+            <a:r>
+              <a:rPr lang="en-US">
+                <a:solidFill>
+                  <a:srgbClr val="333333"/>
+                </a:solidFill>
+                <a:effectLst/>
+                <a:latin typeface="RobotoMono Nerd Font" pitchFamily="2" charset="0"/>
+                <a:ea typeface="RobotoMono Nerd Font" pitchFamily="2" charset="0"/>
+              </a:rPr>
+              <a:t>:</a:t>
+            </a:r>
+            <a:br>
+              <a:rPr lang="en-US">
+                <a:solidFill>
+                  <a:srgbClr val="333333"/>
+                </a:solidFill>
+                <a:effectLst/>
+                <a:latin typeface="RobotoMono Nerd Font" pitchFamily="2" charset="0"/>
+                <a:ea typeface="RobotoMono Nerd Font" pitchFamily="2" charset="0"/>
+              </a:rPr>
+            </a:br>
+            <a:r>
+              <a:rPr lang="en-US">
+                <a:solidFill>
+                  <a:srgbClr val="333333"/>
+                </a:solidFill>
+                <a:effectLst/>
+                <a:latin typeface="RobotoMono Nerd Font" pitchFamily="2" charset="0"/>
+                <a:ea typeface="RobotoMono Nerd Font" pitchFamily="2" charset="0"/>
+              </a:rPr>
+              <a:t>    </a:t>
+            </a:r>
+            <a:r>
+              <a:rPr lang="en-US">
+                <a:solidFill>
+                  <a:srgbClr val="000080"/>
+                </a:solidFill>
+                <a:effectLst/>
+                <a:latin typeface="RobotoMono Nerd Font" pitchFamily="2" charset="0"/>
+                <a:ea typeface="RobotoMono Nerd Font" pitchFamily="2" charset="0"/>
+              </a:rPr>
+              <a:t>print</a:t>
+            </a:r>
+            <a:r>
+              <a:rPr lang="en-US">
+                <a:solidFill>
+                  <a:srgbClr val="000066"/>
+                </a:solidFill>
+                <a:effectLst/>
+                <a:latin typeface="RobotoMono Nerd Font" pitchFamily="2" charset="0"/>
+                <a:ea typeface="RobotoMono Nerd Font" pitchFamily="2" charset="0"/>
+              </a:rPr>
+              <a:t>(</a:t>
+            </a:r>
+            <a:r>
+              <a:rPr lang="en-US" b="1">
+                <a:solidFill>
+                  <a:srgbClr val="008080"/>
+                </a:solidFill>
+                <a:effectLst/>
+                <a:latin typeface="RobotoMono Nerd Font" pitchFamily="2" charset="0"/>
+                <a:ea typeface="RobotoMono Nerd Font" pitchFamily="2" charset="0"/>
+              </a:rPr>
+              <a:t>"The coefficient for {} is {}"</a:t>
+            </a:r>
+            <a:r>
+              <a:rPr lang="en-US">
+                <a:solidFill>
+                  <a:srgbClr val="333333"/>
+                </a:solidFill>
+                <a:effectLst/>
+                <a:latin typeface="RobotoMono Nerd Font" pitchFamily="2" charset="0"/>
+                <a:ea typeface="RobotoMono Nerd Font" pitchFamily="2" charset="0"/>
+              </a:rPr>
+              <a:t>.</a:t>
+            </a:r>
+            <a:r>
+              <a:rPr lang="en-US">
+                <a:solidFill>
+                  <a:srgbClr val="170591"/>
+                </a:solidFill>
+                <a:effectLst/>
+                <a:latin typeface="RobotoMono Nerd Font" pitchFamily="2" charset="0"/>
+                <a:ea typeface="RobotoMono Nerd Font" pitchFamily="2" charset="0"/>
+              </a:rPr>
+              <a:t>format</a:t>
+            </a:r>
+            <a:r>
+              <a:rPr lang="en-US">
+                <a:solidFill>
+                  <a:srgbClr val="000066"/>
+                </a:solidFill>
+                <a:effectLst/>
+                <a:latin typeface="RobotoMono Nerd Font" pitchFamily="2" charset="0"/>
+                <a:ea typeface="RobotoMono Nerd Font" pitchFamily="2" charset="0"/>
+              </a:rPr>
+              <a:t>(</a:t>
+            </a:r>
+            <a:r>
+              <a:rPr lang="en-US">
+                <a:latin typeface="RobotoMono Nerd Font" pitchFamily="2" charset="0"/>
+                <a:ea typeface="RobotoMono Nerd Font" pitchFamily="2" charset="0"/>
+              </a:rPr>
+              <a:t>col_name</a:t>
+            </a:r>
+            <a:r>
+              <a:rPr lang="en-US">
+                <a:solidFill>
+                  <a:srgbClr val="333333"/>
+                </a:solidFill>
+                <a:effectLst/>
+                <a:latin typeface="RobotoMono Nerd Font" pitchFamily="2" charset="0"/>
+                <a:ea typeface="RobotoMono Nerd Font" pitchFamily="2" charset="0"/>
+              </a:rPr>
+              <a:t>, </a:t>
+            </a:r>
+            <a:r>
+              <a:rPr lang="en-US">
+                <a:latin typeface="RobotoMono Nerd Font" pitchFamily="2" charset="0"/>
+                <a:ea typeface="RobotoMono Nerd Font" pitchFamily="2" charset="0"/>
+              </a:rPr>
+              <a:t>model</a:t>
+            </a:r>
+            <a:r>
+              <a:rPr lang="en-US">
+                <a:solidFill>
+                  <a:srgbClr val="333333"/>
+                </a:solidFill>
+                <a:effectLst/>
+                <a:latin typeface="RobotoMono Nerd Font" pitchFamily="2" charset="0"/>
+                <a:ea typeface="RobotoMono Nerd Font" pitchFamily="2" charset="0"/>
+              </a:rPr>
+              <a:t>.</a:t>
+            </a:r>
+            <a:r>
+              <a:rPr lang="en-US">
+                <a:latin typeface="RobotoMono Nerd Font" pitchFamily="2" charset="0"/>
+                <a:ea typeface="RobotoMono Nerd Font" pitchFamily="2" charset="0"/>
+              </a:rPr>
+              <a:t>coef_</a:t>
+            </a:r>
+            <a:r>
+              <a:rPr lang="en-US">
+                <a:solidFill>
+                  <a:srgbClr val="000066"/>
+                </a:solidFill>
+                <a:effectLst/>
+                <a:latin typeface="RobotoMono Nerd Font" pitchFamily="2" charset="0"/>
+                <a:ea typeface="RobotoMono Nerd Font" pitchFamily="2" charset="0"/>
+              </a:rPr>
+              <a:t>[</a:t>
+            </a:r>
+            <a:r>
+              <a:rPr lang="en-US" b="1">
+                <a:solidFill>
+                  <a:srgbClr val="333333"/>
+                </a:solidFill>
+                <a:effectLst/>
+                <a:latin typeface="RobotoMono Nerd Font" pitchFamily="2" charset="0"/>
+                <a:ea typeface="RobotoMono Nerd Font" pitchFamily="2" charset="0"/>
+              </a:rPr>
+              <a:t>0</a:t>
+            </a:r>
+            <a:r>
+              <a:rPr lang="en-US">
+                <a:solidFill>
+                  <a:srgbClr val="000066"/>
+                </a:solidFill>
+                <a:effectLst/>
+                <a:latin typeface="RobotoMono Nerd Font" pitchFamily="2" charset="0"/>
+                <a:ea typeface="RobotoMono Nerd Font" pitchFamily="2" charset="0"/>
+              </a:rPr>
+              <a:t>][</a:t>
+            </a:r>
+            <a:r>
+              <a:rPr lang="en-US">
+                <a:latin typeface="RobotoMono Nerd Font" pitchFamily="2" charset="0"/>
+                <a:ea typeface="RobotoMono Nerd Font" pitchFamily="2" charset="0"/>
+              </a:rPr>
+              <a:t>idx</a:t>
+            </a:r>
+            <a:r>
+              <a:rPr lang="en-US">
+                <a:solidFill>
+                  <a:srgbClr val="000066"/>
+                </a:solidFill>
+                <a:effectLst/>
+                <a:latin typeface="RobotoMono Nerd Font" pitchFamily="2" charset="0"/>
+                <a:ea typeface="RobotoMono Nerd Font" pitchFamily="2" charset="0"/>
+              </a:rPr>
+              <a:t>]))</a:t>
+            </a:r>
+            <a:br>
+              <a:rPr lang="en-US">
+                <a:solidFill>
+                  <a:srgbClr val="000066"/>
+                </a:solidFill>
+                <a:effectLst/>
+                <a:latin typeface="RobotoMono Nerd Font" pitchFamily="2" charset="0"/>
+                <a:ea typeface="RobotoMono Nerd Font" pitchFamily="2" charset="0"/>
+              </a:rPr>
+            </a:br>
+            <a:br>
+              <a:rPr lang="en-US">
+                <a:solidFill>
+                  <a:srgbClr val="000066"/>
+                </a:solidFill>
+                <a:effectLst/>
+                <a:latin typeface="RobotoMono Nerd Font" pitchFamily="2" charset="0"/>
+                <a:ea typeface="RobotoMono Nerd Font" pitchFamily="2" charset="0"/>
+              </a:rPr>
+            </a:br>
+            <a:r>
+              <a:rPr lang="en-US">
+                <a:latin typeface="RobotoMono Nerd Font" pitchFamily="2" charset="0"/>
+                <a:ea typeface="RobotoMono Nerd Font" pitchFamily="2" charset="0"/>
+              </a:rPr>
+              <a:t>intercept </a:t>
+            </a:r>
+            <a:r>
+              <a:rPr lang="en-US">
+                <a:solidFill>
+                  <a:srgbClr val="333333"/>
+                </a:solidFill>
+                <a:effectLst/>
+                <a:latin typeface="RobotoMono Nerd Font" pitchFamily="2" charset="0"/>
+                <a:ea typeface="RobotoMono Nerd Font" pitchFamily="2" charset="0"/>
+              </a:rPr>
+              <a:t>= </a:t>
+            </a:r>
+            <a:r>
+              <a:rPr lang="en-US">
+                <a:latin typeface="RobotoMono Nerd Font" pitchFamily="2" charset="0"/>
+                <a:ea typeface="RobotoMono Nerd Font" pitchFamily="2" charset="0"/>
+              </a:rPr>
+              <a:t>model</a:t>
+            </a:r>
+            <a:r>
+              <a:rPr lang="en-US">
+                <a:solidFill>
+                  <a:srgbClr val="333333"/>
+                </a:solidFill>
+                <a:effectLst/>
+                <a:latin typeface="RobotoMono Nerd Font" pitchFamily="2" charset="0"/>
+                <a:ea typeface="RobotoMono Nerd Font" pitchFamily="2" charset="0"/>
+              </a:rPr>
+              <a:t>.</a:t>
+            </a:r>
+            <a:r>
+              <a:rPr lang="en-US">
+                <a:latin typeface="RobotoMono Nerd Font" pitchFamily="2" charset="0"/>
+                <a:ea typeface="RobotoMono Nerd Font" pitchFamily="2" charset="0"/>
+              </a:rPr>
+              <a:t>intercept_</a:t>
+            </a:r>
+            <a:r>
+              <a:rPr lang="en-US">
+                <a:solidFill>
+                  <a:srgbClr val="000066"/>
+                </a:solidFill>
+                <a:effectLst/>
+                <a:latin typeface="RobotoMono Nerd Font" pitchFamily="2" charset="0"/>
+                <a:ea typeface="RobotoMono Nerd Font" pitchFamily="2" charset="0"/>
+              </a:rPr>
+              <a:t>[</a:t>
+            </a:r>
+            <a:r>
+              <a:rPr lang="en-US" b="1">
+                <a:solidFill>
+                  <a:srgbClr val="333333"/>
+                </a:solidFill>
+                <a:effectLst/>
+                <a:latin typeface="RobotoMono Nerd Font" pitchFamily="2" charset="0"/>
+                <a:ea typeface="RobotoMono Nerd Font" pitchFamily="2" charset="0"/>
+              </a:rPr>
+              <a:t>0</a:t>
+            </a:r>
+            <a:r>
+              <a:rPr lang="en-US">
+                <a:solidFill>
+                  <a:srgbClr val="000066"/>
+                </a:solidFill>
+                <a:effectLst/>
+                <a:latin typeface="RobotoMono Nerd Font" pitchFamily="2" charset="0"/>
+                <a:ea typeface="RobotoMono Nerd Font" pitchFamily="2" charset="0"/>
+              </a:rPr>
+              <a:t>]</a:t>
+            </a:r>
+            <a:br>
+              <a:rPr lang="en-US">
+                <a:solidFill>
+                  <a:srgbClr val="000066"/>
+                </a:solidFill>
+                <a:effectLst/>
+                <a:latin typeface="RobotoMono Nerd Font" pitchFamily="2" charset="0"/>
+                <a:ea typeface="RobotoMono Nerd Font" pitchFamily="2" charset="0"/>
+              </a:rPr>
+            </a:br>
+            <a:br>
+              <a:rPr lang="en-US">
+                <a:solidFill>
+                  <a:srgbClr val="000066"/>
+                </a:solidFill>
+                <a:effectLst/>
+                <a:latin typeface="RobotoMono Nerd Font" pitchFamily="2" charset="0"/>
+                <a:ea typeface="RobotoMono Nerd Font" pitchFamily="2" charset="0"/>
+              </a:rPr>
+            </a:br>
+            <a:r>
+              <a:rPr lang="en-US">
+                <a:solidFill>
+                  <a:srgbClr val="000080"/>
+                </a:solidFill>
+                <a:effectLst/>
+                <a:latin typeface="RobotoMono Nerd Font" pitchFamily="2" charset="0"/>
+                <a:ea typeface="RobotoMono Nerd Font" pitchFamily="2" charset="0"/>
+              </a:rPr>
+              <a:t>print</a:t>
+            </a:r>
+            <a:r>
+              <a:rPr lang="en-US">
+                <a:solidFill>
+                  <a:srgbClr val="000066"/>
+                </a:solidFill>
+                <a:effectLst/>
+                <a:latin typeface="RobotoMono Nerd Font" pitchFamily="2" charset="0"/>
+                <a:ea typeface="RobotoMono Nerd Font" pitchFamily="2" charset="0"/>
+              </a:rPr>
+              <a:t>(</a:t>
+            </a:r>
+            <a:r>
+              <a:rPr lang="en-US" b="1">
+                <a:solidFill>
+                  <a:srgbClr val="008080"/>
+                </a:solidFill>
+                <a:effectLst/>
+                <a:latin typeface="RobotoMono Nerd Font" pitchFamily="2" charset="0"/>
+                <a:ea typeface="RobotoMono Nerd Font" pitchFamily="2" charset="0"/>
+              </a:rPr>
+              <a:t>f"Hệ số </a:t>
+            </a:r>
+            <a:r>
+              <a:rPr lang="en-US" b="1">
+                <a:solidFill>
+                  <a:srgbClr val="333333"/>
+                </a:solidFill>
+                <a:effectLst/>
+                <a:latin typeface="RobotoMono Nerd Font" pitchFamily="2" charset="0"/>
+                <a:ea typeface="RobotoMono Nerd Font" pitchFamily="2" charset="0"/>
+              </a:rPr>
+              <a:t>{</a:t>
+            </a:r>
+            <a:r>
+              <a:rPr lang="en-US">
+                <a:latin typeface="RobotoMono Nerd Font" pitchFamily="2" charset="0"/>
+                <a:ea typeface="RobotoMono Nerd Font" pitchFamily="2" charset="0"/>
+              </a:rPr>
+              <a:t>intercept</a:t>
+            </a:r>
+            <a:r>
+              <a:rPr lang="en-US" b="1">
+                <a:solidFill>
+                  <a:srgbClr val="333333"/>
+                </a:solidFill>
+                <a:effectLst/>
+                <a:latin typeface="RobotoMono Nerd Font" pitchFamily="2" charset="0"/>
+                <a:ea typeface="RobotoMono Nerd Font" pitchFamily="2" charset="0"/>
+              </a:rPr>
+              <a:t>}</a:t>
+            </a:r>
+            <a:r>
+              <a:rPr lang="en-US" b="1">
+                <a:solidFill>
+                  <a:srgbClr val="008080"/>
+                </a:solidFill>
+                <a:effectLst/>
+                <a:latin typeface="RobotoMono Nerd Font" pitchFamily="2" charset="0"/>
+                <a:ea typeface="RobotoMono Nerd Font" pitchFamily="2" charset="0"/>
+              </a:rPr>
+              <a:t>"</a:t>
+            </a:r>
+            <a:r>
+              <a:rPr lang="en-US">
+                <a:solidFill>
+                  <a:srgbClr val="000066"/>
+                </a:solidFill>
+                <a:effectLst/>
+                <a:latin typeface="RobotoMono Nerd Font" pitchFamily="2" charset="0"/>
+                <a:ea typeface="RobotoMono Nerd Font" pitchFamily="2" charset="0"/>
+              </a:rPr>
+              <a:t>)</a:t>
+            </a:r>
+            <a:br>
+              <a:rPr lang="en-US">
+                <a:solidFill>
+                  <a:srgbClr val="000066"/>
+                </a:solidFill>
+                <a:effectLst/>
+                <a:latin typeface="RobotoMono Nerd Font" pitchFamily="2" charset="0"/>
+                <a:ea typeface="RobotoMono Nerd Font" pitchFamily="2" charset="0"/>
+              </a:rPr>
+            </a:br>
+            <a:br>
+              <a:rPr lang="en-US">
+                <a:solidFill>
+                  <a:srgbClr val="000066"/>
+                </a:solidFill>
+                <a:effectLst/>
+                <a:latin typeface="RobotoMono Nerd Font" pitchFamily="2" charset="0"/>
+                <a:ea typeface="RobotoMono Nerd Font" pitchFamily="2" charset="0"/>
+              </a:rPr>
+            </a:br>
+            <a:r>
+              <a:rPr lang="en-US">
+                <a:latin typeface="RobotoMono Nerd Font" pitchFamily="2" charset="0"/>
+                <a:ea typeface="RobotoMono Nerd Font" pitchFamily="2" charset="0"/>
+              </a:rPr>
+              <a:t>score </a:t>
+            </a:r>
+            <a:r>
+              <a:rPr lang="en-US">
+                <a:solidFill>
+                  <a:srgbClr val="333333"/>
+                </a:solidFill>
+                <a:effectLst/>
+                <a:latin typeface="RobotoMono Nerd Font" pitchFamily="2" charset="0"/>
+                <a:ea typeface="RobotoMono Nerd Font" pitchFamily="2" charset="0"/>
+              </a:rPr>
+              <a:t>= </a:t>
+            </a:r>
+            <a:r>
+              <a:rPr lang="en-US">
+                <a:latin typeface="RobotoMono Nerd Font" pitchFamily="2" charset="0"/>
+                <a:ea typeface="RobotoMono Nerd Font" pitchFamily="2" charset="0"/>
+              </a:rPr>
+              <a:t>model</a:t>
+            </a:r>
+            <a:r>
+              <a:rPr lang="en-US">
+                <a:solidFill>
+                  <a:srgbClr val="333333"/>
+                </a:solidFill>
+                <a:effectLst/>
+                <a:latin typeface="RobotoMono Nerd Font" pitchFamily="2" charset="0"/>
+                <a:ea typeface="RobotoMono Nerd Font" pitchFamily="2" charset="0"/>
+              </a:rPr>
+              <a:t>.</a:t>
+            </a:r>
+            <a:r>
+              <a:rPr lang="en-US">
+                <a:solidFill>
+                  <a:srgbClr val="170591"/>
+                </a:solidFill>
+                <a:effectLst/>
+                <a:latin typeface="RobotoMono Nerd Font" pitchFamily="2" charset="0"/>
+                <a:ea typeface="RobotoMono Nerd Font" pitchFamily="2" charset="0"/>
+              </a:rPr>
+              <a:t>score</a:t>
+            </a:r>
+            <a:r>
+              <a:rPr lang="en-US">
+                <a:solidFill>
+                  <a:srgbClr val="000066"/>
+                </a:solidFill>
+                <a:effectLst/>
+                <a:latin typeface="RobotoMono Nerd Font" pitchFamily="2" charset="0"/>
+                <a:ea typeface="RobotoMono Nerd Font" pitchFamily="2" charset="0"/>
+              </a:rPr>
+              <a:t>(</a:t>
+            </a:r>
+            <a:r>
+              <a:rPr lang="en-US">
+                <a:latin typeface="RobotoMono Nerd Font" pitchFamily="2" charset="0"/>
+                <a:ea typeface="RobotoMono Nerd Font" pitchFamily="2" charset="0"/>
+              </a:rPr>
+              <a:t>X_test</a:t>
+            </a:r>
+            <a:r>
+              <a:rPr lang="en-US">
+                <a:solidFill>
+                  <a:srgbClr val="333333"/>
+                </a:solidFill>
+                <a:effectLst/>
+                <a:latin typeface="RobotoMono Nerd Font" pitchFamily="2" charset="0"/>
+                <a:ea typeface="RobotoMono Nerd Font" pitchFamily="2" charset="0"/>
+              </a:rPr>
+              <a:t>, </a:t>
+            </a:r>
+            <a:r>
+              <a:rPr lang="en-US">
+                <a:latin typeface="RobotoMono Nerd Font" pitchFamily="2" charset="0"/>
+                <a:ea typeface="RobotoMono Nerd Font" pitchFamily="2" charset="0"/>
+              </a:rPr>
+              <a:t>Y_test</a:t>
+            </a:r>
+            <a:r>
+              <a:rPr lang="en-US">
+                <a:solidFill>
+                  <a:srgbClr val="000066"/>
+                </a:solidFill>
+                <a:effectLst/>
+                <a:latin typeface="RobotoMono Nerd Font" pitchFamily="2" charset="0"/>
+                <a:ea typeface="RobotoMono Nerd Font" pitchFamily="2" charset="0"/>
+              </a:rPr>
+              <a:t>)</a:t>
+            </a:r>
+            <a:br>
+              <a:rPr lang="en-US">
+                <a:solidFill>
+                  <a:srgbClr val="000066"/>
+                </a:solidFill>
+                <a:effectLst/>
+                <a:latin typeface="RobotoMono Nerd Font" pitchFamily="2" charset="0"/>
+                <a:ea typeface="RobotoMono Nerd Font" pitchFamily="2" charset="0"/>
+              </a:rPr>
+            </a:br>
+            <a:r>
+              <a:rPr lang="en-US">
+                <a:solidFill>
+                  <a:srgbClr val="000080"/>
+                </a:solidFill>
+                <a:effectLst/>
+                <a:latin typeface="RobotoMono Nerd Font" pitchFamily="2" charset="0"/>
+                <a:ea typeface="RobotoMono Nerd Font" pitchFamily="2" charset="0"/>
+              </a:rPr>
+              <a:t>print</a:t>
+            </a:r>
+            <a:r>
+              <a:rPr lang="en-US">
+                <a:solidFill>
+                  <a:srgbClr val="000066"/>
+                </a:solidFill>
+                <a:effectLst/>
+                <a:latin typeface="RobotoMono Nerd Font" pitchFamily="2" charset="0"/>
+                <a:ea typeface="RobotoMono Nerd Font" pitchFamily="2" charset="0"/>
+              </a:rPr>
+              <a:t>(</a:t>
+            </a:r>
+            <a:r>
+              <a:rPr lang="en-US" b="1">
+                <a:solidFill>
+                  <a:srgbClr val="008080"/>
+                </a:solidFill>
+                <a:effectLst/>
+                <a:latin typeface="RobotoMono Nerd Font" pitchFamily="2" charset="0"/>
+                <a:ea typeface="RobotoMono Nerd Font" pitchFamily="2" charset="0"/>
+              </a:rPr>
+              <a:t>f"Score = </a:t>
+            </a:r>
+            <a:r>
+              <a:rPr lang="en-US" b="1">
+                <a:solidFill>
+                  <a:srgbClr val="333333"/>
+                </a:solidFill>
+                <a:effectLst/>
+                <a:latin typeface="RobotoMono Nerd Font" pitchFamily="2" charset="0"/>
+                <a:ea typeface="RobotoMono Nerd Font" pitchFamily="2" charset="0"/>
+              </a:rPr>
+              <a:t>{</a:t>
+            </a:r>
+            <a:r>
+              <a:rPr lang="en-US">
+                <a:latin typeface="RobotoMono Nerd Font" pitchFamily="2" charset="0"/>
+                <a:ea typeface="RobotoMono Nerd Font" pitchFamily="2" charset="0"/>
+              </a:rPr>
+              <a:t>score </a:t>
+            </a:r>
+            <a:r>
+              <a:rPr lang="en-US">
+                <a:solidFill>
+                  <a:srgbClr val="333333"/>
+                </a:solidFill>
+                <a:effectLst/>
+                <a:latin typeface="RobotoMono Nerd Font" pitchFamily="2" charset="0"/>
+                <a:ea typeface="RobotoMono Nerd Font" pitchFamily="2" charset="0"/>
+              </a:rPr>
+              <a:t>* </a:t>
+            </a:r>
+            <a:r>
+              <a:rPr lang="en-US" b="1">
+                <a:solidFill>
+                  <a:srgbClr val="333333"/>
+                </a:solidFill>
+                <a:effectLst/>
+                <a:latin typeface="RobotoMono Nerd Font" pitchFamily="2" charset="0"/>
+                <a:ea typeface="RobotoMono Nerd Font" pitchFamily="2" charset="0"/>
+              </a:rPr>
+              <a:t>100}</a:t>
+            </a:r>
+            <a:r>
+              <a:rPr lang="en-US" b="1">
+                <a:solidFill>
+                  <a:srgbClr val="008080"/>
+                </a:solidFill>
+                <a:effectLst/>
+                <a:latin typeface="RobotoMono Nerd Font" pitchFamily="2" charset="0"/>
+                <a:ea typeface="RobotoMono Nerd Font" pitchFamily="2" charset="0"/>
+              </a:rPr>
+              <a:t>%"</a:t>
+            </a:r>
+            <a:r>
+              <a:rPr lang="en-US">
+                <a:solidFill>
+                  <a:srgbClr val="000066"/>
+                </a:solidFill>
+                <a:effectLst/>
+                <a:latin typeface="RobotoMono Nerd Font" pitchFamily="2" charset="0"/>
+                <a:ea typeface="RobotoMono Nerd Font" pitchFamily="2" charset="0"/>
+              </a:rPr>
+              <a:t>)</a:t>
+            </a:r>
+            <a:br>
+              <a:rPr lang="en-US">
+                <a:solidFill>
+                  <a:srgbClr val="000066"/>
+                </a:solidFill>
+                <a:effectLst/>
+                <a:latin typeface="RobotoMono Nerd Font" pitchFamily="2" charset="0"/>
+                <a:ea typeface="RobotoMono Nerd Font" pitchFamily="2" charset="0"/>
+              </a:rPr>
+            </a:br>
+            <a:br>
+              <a:rPr lang="en-US">
+                <a:solidFill>
+                  <a:srgbClr val="000066"/>
+                </a:solidFill>
+                <a:effectLst/>
+                <a:latin typeface="RobotoMono Nerd Font" pitchFamily="2" charset="0"/>
+                <a:ea typeface="RobotoMono Nerd Font" pitchFamily="2" charset="0"/>
+              </a:rPr>
+            </a:br>
+            <a:r>
+              <a:rPr lang="en-US">
+                <a:latin typeface="RobotoMono Nerd Font" pitchFamily="2" charset="0"/>
+                <a:ea typeface="RobotoMono Nerd Font" pitchFamily="2" charset="0"/>
+              </a:rPr>
+              <a:t>fig </a:t>
+            </a:r>
+            <a:r>
+              <a:rPr lang="en-US">
+                <a:solidFill>
+                  <a:srgbClr val="333333"/>
+                </a:solidFill>
+                <a:effectLst/>
+                <a:latin typeface="RobotoMono Nerd Font" pitchFamily="2" charset="0"/>
+                <a:ea typeface="RobotoMono Nerd Font" pitchFamily="2" charset="0"/>
+              </a:rPr>
+              <a:t>= </a:t>
+            </a:r>
+            <a:r>
+              <a:rPr lang="en-US">
+                <a:latin typeface="RobotoMono Nerd Font" pitchFamily="2" charset="0"/>
+                <a:ea typeface="RobotoMono Nerd Font" pitchFamily="2" charset="0"/>
+              </a:rPr>
+              <a:t>plt</a:t>
+            </a:r>
+            <a:r>
+              <a:rPr lang="en-US">
+                <a:solidFill>
+                  <a:srgbClr val="333333"/>
+                </a:solidFill>
+                <a:effectLst/>
+                <a:latin typeface="RobotoMono Nerd Font" pitchFamily="2" charset="0"/>
+                <a:ea typeface="RobotoMono Nerd Font" pitchFamily="2" charset="0"/>
+              </a:rPr>
+              <a:t>.</a:t>
+            </a:r>
+            <a:r>
+              <a:rPr lang="en-US">
+                <a:solidFill>
+                  <a:srgbClr val="170591"/>
+                </a:solidFill>
+                <a:effectLst/>
+                <a:latin typeface="RobotoMono Nerd Font" pitchFamily="2" charset="0"/>
+                <a:ea typeface="RobotoMono Nerd Font" pitchFamily="2" charset="0"/>
+              </a:rPr>
+              <a:t>figure</a:t>
+            </a:r>
+            <a:r>
+              <a:rPr lang="en-US">
+                <a:solidFill>
+                  <a:srgbClr val="000066"/>
+                </a:solidFill>
+                <a:effectLst/>
+                <a:latin typeface="RobotoMono Nerd Font" pitchFamily="2" charset="0"/>
+                <a:ea typeface="RobotoMono Nerd Font" pitchFamily="2" charset="0"/>
+              </a:rPr>
+              <a:t>(</a:t>
+            </a:r>
+            <a:r>
+              <a:rPr lang="en-US">
+                <a:solidFill>
+                  <a:srgbClr val="660099"/>
+                </a:solidFill>
+                <a:effectLst/>
+                <a:latin typeface="RobotoMono Nerd Font" pitchFamily="2" charset="0"/>
+                <a:ea typeface="RobotoMono Nerd Font" pitchFamily="2" charset="0"/>
+              </a:rPr>
+              <a:t>figsize</a:t>
+            </a:r>
+            <a:r>
+              <a:rPr lang="en-US">
+                <a:solidFill>
+                  <a:srgbClr val="333333"/>
+                </a:solidFill>
+                <a:effectLst/>
+                <a:latin typeface="RobotoMono Nerd Font" pitchFamily="2" charset="0"/>
+                <a:ea typeface="RobotoMono Nerd Font" pitchFamily="2" charset="0"/>
+              </a:rPr>
+              <a:t>=</a:t>
+            </a:r>
+            <a:r>
+              <a:rPr lang="en-US">
+                <a:solidFill>
+                  <a:srgbClr val="000066"/>
+                </a:solidFill>
+                <a:effectLst/>
+                <a:latin typeface="RobotoMono Nerd Font" pitchFamily="2" charset="0"/>
+                <a:ea typeface="RobotoMono Nerd Font" pitchFamily="2" charset="0"/>
+              </a:rPr>
+              <a:t>(</a:t>
+            </a:r>
+            <a:r>
+              <a:rPr lang="en-US" b="1">
+                <a:solidFill>
+                  <a:srgbClr val="333333"/>
+                </a:solidFill>
+                <a:effectLst/>
+                <a:latin typeface="RobotoMono Nerd Font" pitchFamily="2" charset="0"/>
+                <a:ea typeface="RobotoMono Nerd Font" pitchFamily="2" charset="0"/>
+              </a:rPr>
+              <a:t>10</a:t>
+            </a:r>
+            <a:r>
+              <a:rPr lang="en-US">
+                <a:solidFill>
+                  <a:srgbClr val="333333"/>
+                </a:solidFill>
+                <a:effectLst/>
+                <a:latin typeface="RobotoMono Nerd Font" pitchFamily="2" charset="0"/>
+                <a:ea typeface="RobotoMono Nerd Font" pitchFamily="2" charset="0"/>
+              </a:rPr>
+              <a:t>, </a:t>
+            </a:r>
+            <a:r>
+              <a:rPr lang="en-US" b="1">
+                <a:solidFill>
+                  <a:srgbClr val="333333"/>
+                </a:solidFill>
+                <a:effectLst/>
+                <a:latin typeface="RobotoMono Nerd Font" pitchFamily="2" charset="0"/>
+                <a:ea typeface="RobotoMono Nerd Font" pitchFamily="2" charset="0"/>
+              </a:rPr>
+              <a:t>8</a:t>
+            </a:r>
+            <a:r>
+              <a:rPr lang="en-US">
+                <a:solidFill>
+                  <a:srgbClr val="000066"/>
+                </a:solidFill>
+                <a:effectLst/>
+                <a:latin typeface="RobotoMono Nerd Font" pitchFamily="2" charset="0"/>
+                <a:ea typeface="RobotoMono Nerd Font" pitchFamily="2" charset="0"/>
+              </a:rPr>
+              <a:t>))</a:t>
+            </a:r>
+            <a:br>
+              <a:rPr lang="en-US">
+                <a:solidFill>
+                  <a:srgbClr val="000066"/>
+                </a:solidFill>
+                <a:effectLst/>
+                <a:latin typeface="RobotoMono Nerd Font" pitchFamily="2" charset="0"/>
+                <a:ea typeface="RobotoMono Nerd Font" pitchFamily="2" charset="0"/>
+              </a:rPr>
+            </a:br>
+            <a:r>
+              <a:rPr lang="en-US">
+                <a:latin typeface="RobotoMono Nerd Font" pitchFamily="2" charset="0"/>
+                <a:ea typeface="RobotoMono Nerd Font" pitchFamily="2" charset="0"/>
+              </a:rPr>
+              <a:t>ax </a:t>
+            </a:r>
+            <a:r>
+              <a:rPr lang="en-US">
+                <a:solidFill>
+                  <a:srgbClr val="333333"/>
+                </a:solidFill>
+                <a:effectLst/>
+                <a:latin typeface="RobotoMono Nerd Font" pitchFamily="2" charset="0"/>
+                <a:ea typeface="RobotoMono Nerd Font" pitchFamily="2" charset="0"/>
+              </a:rPr>
+              <a:t>= </a:t>
+            </a:r>
+            <a:r>
+              <a:rPr lang="en-US">
+                <a:latin typeface="RobotoMono Nerd Font" pitchFamily="2" charset="0"/>
+                <a:ea typeface="RobotoMono Nerd Font" pitchFamily="2" charset="0"/>
+              </a:rPr>
+              <a:t>fig</a:t>
+            </a:r>
+            <a:r>
+              <a:rPr lang="en-US">
+                <a:solidFill>
+                  <a:srgbClr val="333333"/>
+                </a:solidFill>
+                <a:effectLst/>
+                <a:latin typeface="RobotoMono Nerd Font" pitchFamily="2" charset="0"/>
+                <a:ea typeface="RobotoMono Nerd Font" pitchFamily="2" charset="0"/>
+              </a:rPr>
+              <a:t>.</a:t>
+            </a:r>
+            <a:r>
+              <a:rPr lang="en-US">
+                <a:solidFill>
+                  <a:srgbClr val="170591"/>
+                </a:solidFill>
+                <a:effectLst/>
+                <a:latin typeface="RobotoMono Nerd Font" pitchFamily="2" charset="0"/>
+                <a:ea typeface="RobotoMono Nerd Font" pitchFamily="2" charset="0"/>
+              </a:rPr>
+              <a:t>add_subplot</a:t>
+            </a:r>
+            <a:r>
+              <a:rPr lang="en-US">
+                <a:solidFill>
+                  <a:srgbClr val="000066"/>
+                </a:solidFill>
+                <a:effectLst/>
+                <a:latin typeface="RobotoMono Nerd Font" pitchFamily="2" charset="0"/>
+                <a:ea typeface="RobotoMono Nerd Font" pitchFamily="2" charset="0"/>
+              </a:rPr>
+              <a:t>(</a:t>
+            </a:r>
+            <a:r>
+              <a:rPr lang="en-US" b="1">
+                <a:solidFill>
+                  <a:srgbClr val="333333"/>
+                </a:solidFill>
+                <a:effectLst/>
+                <a:latin typeface="RobotoMono Nerd Font" pitchFamily="2" charset="0"/>
+                <a:ea typeface="RobotoMono Nerd Font" pitchFamily="2" charset="0"/>
+              </a:rPr>
+              <a:t>111</a:t>
+            </a:r>
+            <a:r>
+              <a:rPr lang="en-US">
+                <a:solidFill>
+                  <a:srgbClr val="333333"/>
+                </a:solidFill>
+                <a:effectLst/>
+                <a:latin typeface="RobotoMono Nerd Font" pitchFamily="2" charset="0"/>
+                <a:ea typeface="RobotoMono Nerd Font" pitchFamily="2" charset="0"/>
+              </a:rPr>
+              <a:t>, </a:t>
+            </a:r>
+            <a:r>
+              <a:rPr lang="en-US">
+                <a:solidFill>
+                  <a:srgbClr val="660099"/>
+                </a:solidFill>
+                <a:effectLst/>
+                <a:latin typeface="RobotoMono Nerd Font" pitchFamily="2" charset="0"/>
+                <a:ea typeface="RobotoMono Nerd Font" pitchFamily="2" charset="0"/>
+              </a:rPr>
+              <a:t>projection</a:t>
+            </a:r>
+            <a:r>
+              <a:rPr lang="en-US">
+                <a:solidFill>
+                  <a:srgbClr val="333333"/>
+                </a:solidFill>
+                <a:effectLst/>
+                <a:latin typeface="RobotoMono Nerd Font" pitchFamily="2" charset="0"/>
+                <a:ea typeface="RobotoMono Nerd Font" pitchFamily="2" charset="0"/>
+              </a:rPr>
+              <a:t>=</a:t>
+            </a:r>
+            <a:r>
+              <a:rPr lang="en-US" b="1">
+                <a:solidFill>
+                  <a:srgbClr val="008080"/>
+                </a:solidFill>
+                <a:effectLst/>
+                <a:latin typeface="RobotoMono Nerd Font" pitchFamily="2" charset="0"/>
+                <a:ea typeface="RobotoMono Nerd Font" pitchFamily="2" charset="0"/>
+              </a:rPr>
+              <a:t>'3d'</a:t>
+            </a:r>
+            <a:r>
+              <a:rPr lang="en-US">
+                <a:solidFill>
+                  <a:srgbClr val="000066"/>
+                </a:solidFill>
+                <a:effectLst/>
+                <a:latin typeface="RobotoMono Nerd Font" pitchFamily="2" charset="0"/>
+                <a:ea typeface="RobotoMono Nerd Font" pitchFamily="2" charset="0"/>
+              </a:rPr>
+              <a:t>)</a:t>
+            </a:r>
+            <a:br>
+              <a:rPr lang="en-US">
+                <a:solidFill>
+                  <a:srgbClr val="000066"/>
+                </a:solidFill>
+                <a:effectLst/>
+                <a:latin typeface="RobotoMono Nerd Font" pitchFamily="2" charset="0"/>
+                <a:ea typeface="RobotoMono Nerd Font" pitchFamily="2" charset="0"/>
+              </a:rPr>
+            </a:br>
+            <a:r>
+              <a:rPr lang="en-US">
+                <a:latin typeface="RobotoMono Nerd Font" pitchFamily="2" charset="0"/>
+                <a:ea typeface="RobotoMono Nerd Font" pitchFamily="2" charset="0"/>
+              </a:rPr>
+              <a:t>ax</a:t>
+            </a:r>
+            <a:r>
+              <a:rPr lang="en-US">
+                <a:solidFill>
+                  <a:srgbClr val="333333"/>
+                </a:solidFill>
+                <a:effectLst/>
+                <a:latin typeface="RobotoMono Nerd Font" pitchFamily="2" charset="0"/>
+                <a:ea typeface="RobotoMono Nerd Font" pitchFamily="2" charset="0"/>
+              </a:rPr>
+              <a:t>.</a:t>
+            </a:r>
+            <a:r>
+              <a:rPr lang="en-US">
+                <a:solidFill>
+                  <a:srgbClr val="170591"/>
+                </a:solidFill>
+                <a:effectLst/>
+                <a:latin typeface="RobotoMono Nerd Font" pitchFamily="2" charset="0"/>
+                <a:ea typeface="RobotoMono Nerd Font" pitchFamily="2" charset="0"/>
+              </a:rPr>
+              <a:t>scatter3D</a:t>
+            </a:r>
+            <a:r>
+              <a:rPr lang="en-US">
+                <a:solidFill>
+                  <a:srgbClr val="000066"/>
+                </a:solidFill>
+                <a:effectLst/>
+                <a:latin typeface="RobotoMono Nerd Font" pitchFamily="2" charset="0"/>
+                <a:ea typeface="RobotoMono Nerd Font" pitchFamily="2" charset="0"/>
+              </a:rPr>
+              <a:t>(</a:t>
+            </a:r>
+            <a:r>
+              <a:rPr lang="en-US">
+                <a:latin typeface="RobotoMono Nerd Font" pitchFamily="2" charset="0"/>
+                <a:ea typeface="RobotoMono Nerd Font" pitchFamily="2" charset="0"/>
+              </a:rPr>
+              <a:t>X</a:t>
+            </a:r>
+            <a:r>
+              <a:rPr lang="en-US">
+                <a:solidFill>
+                  <a:srgbClr val="000066"/>
+                </a:solidFill>
+                <a:effectLst/>
+                <a:latin typeface="RobotoMono Nerd Font" pitchFamily="2" charset="0"/>
+                <a:ea typeface="RobotoMono Nerd Font" pitchFamily="2" charset="0"/>
+              </a:rPr>
+              <a:t>[</a:t>
+            </a:r>
+            <a:r>
+              <a:rPr lang="en-US" b="1">
+                <a:solidFill>
+                  <a:srgbClr val="008080"/>
+                </a:solidFill>
+                <a:effectLst/>
+                <a:latin typeface="RobotoMono Nerd Font" pitchFamily="2" charset="0"/>
+                <a:ea typeface="RobotoMono Nerd Font" pitchFamily="2" charset="0"/>
+              </a:rPr>
+              <a:t>"Dien tich"</a:t>
+            </a:r>
+            <a:r>
+              <a:rPr lang="en-US">
+                <a:solidFill>
+                  <a:srgbClr val="000066"/>
+                </a:solidFill>
+                <a:effectLst/>
+                <a:latin typeface="RobotoMono Nerd Font" pitchFamily="2" charset="0"/>
+                <a:ea typeface="RobotoMono Nerd Font" pitchFamily="2" charset="0"/>
+              </a:rPr>
+              <a:t>]</a:t>
+            </a:r>
+            <a:r>
+              <a:rPr lang="en-US">
+                <a:solidFill>
+                  <a:srgbClr val="333333"/>
+                </a:solidFill>
+                <a:effectLst/>
+                <a:latin typeface="RobotoMono Nerd Font" pitchFamily="2" charset="0"/>
+                <a:ea typeface="RobotoMono Nerd Font" pitchFamily="2" charset="0"/>
+              </a:rPr>
+              <a:t>, </a:t>
+            </a:r>
+            <a:r>
+              <a:rPr lang="en-US">
+                <a:latin typeface="RobotoMono Nerd Font" pitchFamily="2" charset="0"/>
+                <a:ea typeface="RobotoMono Nerd Font" pitchFamily="2" charset="0"/>
+              </a:rPr>
+              <a:t>X</a:t>
+            </a:r>
+            <a:r>
+              <a:rPr lang="en-US">
+                <a:solidFill>
+                  <a:srgbClr val="000066"/>
+                </a:solidFill>
+                <a:effectLst/>
+                <a:latin typeface="RobotoMono Nerd Font" pitchFamily="2" charset="0"/>
+                <a:ea typeface="RobotoMono Nerd Font" pitchFamily="2" charset="0"/>
+              </a:rPr>
+              <a:t>[</a:t>
+            </a:r>
+            <a:r>
+              <a:rPr lang="en-US" b="1">
+                <a:solidFill>
+                  <a:srgbClr val="008080"/>
+                </a:solidFill>
+                <a:effectLst/>
+                <a:latin typeface="RobotoMono Nerd Font" pitchFamily="2" charset="0"/>
+                <a:ea typeface="RobotoMono Nerd Font" pitchFamily="2" charset="0"/>
+              </a:rPr>
+              <a:t>"1/Khoang Cach"</a:t>
+            </a:r>
+            <a:r>
+              <a:rPr lang="en-US">
+                <a:solidFill>
+                  <a:srgbClr val="000066"/>
+                </a:solidFill>
+                <a:effectLst/>
+                <a:latin typeface="RobotoMono Nerd Font" pitchFamily="2" charset="0"/>
+                <a:ea typeface="RobotoMono Nerd Font" pitchFamily="2" charset="0"/>
+              </a:rPr>
+              <a:t>]</a:t>
+            </a:r>
+            <a:r>
+              <a:rPr lang="en-US">
+                <a:solidFill>
+                  <a:srgbClr val="333333"/>
+                </a:solidFill>
+                <a:effectLst/>
+                <a:latin typeface="RobotoMono Nerd Font" pitchFamily="2" charset="0"/>
+                <a:ea typeface="RobotoMono Nerd Font" pitchFamily="2" charset="0"/>
+              </a:rPr>
+              <a:t>, </a:t>
+            </a:r>
+            <a:r>
+              <a:rPr lang="en-US">
+                <a:latin typeface="RobotoMono Nerd Font" pitchFamily="2" charset="0"/>
+                <a:ea typeface="RobotoMono Nerd Font" pitchFamily="2" charset="0"/>
+              </a:rPr>
+              <a:t>Y</a:t>
+            </a:r>
+            <a:r>
+              <a:rPr lang="en-US">
+                <a:solidFill>
+                  <a:srgbClr val="333333"/>
+                </a:solidFill>
+                <a:effectLst/>
+                <a:latin typeface="RobotoMono Nerd Font" pitchFamily="2" charset="0"/>
+                <a:ea typeface="RobotoMono Nerd Font" pitchFamily="2" charset="0"/>
+              </a:rPr>
+              <a:t>, </a:t>
+            </a:r>
+            <a:r>
+              <a:rPr lang="en-US">
+                <a:solidFill>
+                  <a:srgbClr val="660099"/>
+                </a:solidFill>
+                <a:effectLst/>
+                <a:latin typeface="RobotoMono Nerd Font" pitchFamily="2" charset="0"/>
+                <a:ea typeface="RobotoMono Nerd Font" pitchFamily="2" charset="0"/>
+              </a:rPr>
+              <a:t>c</a:t>
+            </a:r>
+            <a:r>
+              <a:rPr lang="en-US">
+                <a:solidFill>
+                  <a:srgbClr val="333333"/>
+                </a:solidFill>
+                <a:effectLst/>
+                <a:latin typeface="RobotoMono Nerd Font" pitchFamily="2" charset="0"/>
+                <a:ea typeface="RobotoMono Nerd Font" pitchFamily="2" charset="0"/>
+              </a:rPr>
+              <a:t>=</a:t>
+            </a:r>
+            <a:r>
+              <a:rPr lang="en-US">
+                <a:solidFill>
+                  <a:srgbClr val="000066"/>
+                </a:solidFill>
+                <a:effectLst/>
+                <a:latin typeface="RobotoMono Nerd Font" pitchFamily="2" charset="0"/>
+                <a:ea typeface="RobotoMono Nerd Font" pitchFamily="2" charset="0"/>
+              </a:rPr>
+              <a:t>[</a:t>
+            </a:r>
+            <a:r>
+              <a:rPr lang="en-US" b="1">
+                <a:solidFill>
+                  <a:srgbClr val="008080"/>
+                </a:solidFill>
+                <a:effectLst/>
+                <a:latin typeface="RobotoMono Nerd Font" pitchFamily="2" charset="0"/>
+                <a:ea typeface="RobotoMono Nerd Font" pitchFamily="2" charset="0"/>
+              </a:rPr>
+              <a:t>'b'</a:t>
+            </a:r>
+            <a:r>
+              <a:rPr lang="en-US">
+                <a:solidFill>
+                  <a:srgbClr val="000066"/>
+                </a:solidFill>
+                <a:effectLst/>
+                <a:latin typeface="RobotoMono Nerd Font" pitchFamily="2" charset="0"/>
+                <a:ea typeface="RobotoMono Nerd Font" pitchFamily="2" charset="0"/>
+              </a:rPr>
+              <a:t>]</a:t>
+            </a:r>
+            <a:r>
+              <a:rPr lang="en-US">
+                <a:solidFill>
+                  <a:srgbClr val="333333"/>
+                </a:solidFill>
+                <a:effectLst/>
+                <a:latin typeface="RobotoMono Nerd Font" pitchFamily="2" charset="0"/>
+                <a:ea typeface="RobotoMono Nerd Font" pitchFamily="2" charset="0"/>
+              </a:rPr>
+              <a:t>, </a:t>
+            </a:r>
+            <a:r>
+              <a:rPr lang="en-US">
+                <a:solidFill>
+                  <a:srgbClr val="660099"/>
+                </a:solidFill>
+                <a:effectLst/>
+                <a:latin typeface="RobotoMono Nerd Font" pitchFamily="2" charset="0"/>
+                <a:ea typeface="RobotoMono Nerd Font" pitchFamily="2" charset="0"/>
+              </a:rPr>
+              <a:t>marker</a:t>
+            </a:r>
+            <a:r>
+              <a:rPr lang="en-US">
+                <a:solidFill>
+                  <a:srgbClr val="333333"/>
+                </a:solidFill>
+                <a:effectLst/>
+                <a:latin typeface="RobotoMono Nerd Font" pitchFamily="2" charset="0"/>
+                <a:ea typeface="RobotoMono Nerd Font" pitchFamily="2" charset="0"/>
+              </a:rPr>
+              <a:t>=</a:t>
+            </a:r>
+            <a:r>
+              <a:rPr lang="en-US" b="1">
+                <a:solidFill>
+                  <a:srgbClr val="008080"/>
+                </a:solidFill>
+                <a:effectLst/>
+                <a:latin typeface="RobotoMono Nerd Font" pitchFamily="2" charset="0"/>
+                <a:ea typeface="RobotoMono Nerd Font" pitchFamily="2" charset="0"/>
+              </a:rPr>
+              <a:t>'o'</a:t>
+            </a:r>
+            <a:r>
+              <a:rPr lang="en-US">
+                <a:solidFill>
+                  <a:srgbClr val="000066"/>
+                </a:solidFill>
+                <a:effectLst/>
+                <a:latin typeface="RobotoMono Nerd Font" pitchFamily="2" charset="0"/>
+                <a:ea typeface="RobotoMono Nerd Font" pitchFamily="2" charset="0"/>
+              </a:rPr>
+              <a:t>)</a:t>
+            </a:r>
+            <a:br>
+              <a:rPr lang="en-US">
+                <a:solidFill>
+                  <a:srgbClr val="000066"/>
+                </a:solidFill>
+                <a:effectLst/>
+                <a:latin typeface="RobotoMono Nerd Font" pitchFamily="2" charset="0"/>
+                <a:ea typeface="RobotoMono Nerd Font" pitchFamily="2" charset="0"/>
+              </a:rPr>
+            </a:br>
+            <a:br>
+              <a:rPr lang="en-US">
+                <a:solidFill>
+                  <a:srgbClr val="000066"/>
+                </a:solidFill>
+                <a:effectLst/>
+                <a:latin typeface="RobotoMono Nerd Font" pitchFamily="2" charset="0"/>
+                <a:ea typeface="RobotoMono Nerd Font" pitchFamily="2" charset="0"/>
+              </a:rPr>
+            </a:br>
+            <a:r>
+              <a:rPr lang="en-US">
+                <a:latin typeface="RobotoMono Nerd Font" pitchFamily="2" charset="0"/>
+                <a:ea typeface="RobotoMono Nerd Font" pitchFamily="2" charset="0"/>
+              </a:rPr>
+              <a:t>ax</a:t>
+            </a:r>
+            <a:r>
+              <a:rPr lang="en-US">
+                <a:solidFill>
+                  <a:srgbClr val="333333"/>
+                </a:solidFill>
+                <a:effectLst/>
+                <a:latin typeface="RobotoMono Nerd Font" pitchFamily="2" charset="0"/>
+                <a:ea typeface="RobotoMono Nerd Font" pitchFamily="2" charset="0"/>
+              </a:rPr>
+              <a:t>.</a:t>
+            </a:r>
+            <a:r>
+              <a:rPr lang="en-US">
+                <a:solidFill>
+                  <a:srgbClr val="170591"/>
+                </a:solidFill>
+                <a:effectLst/>
+                <a:latin typeface="RobotoMono Nerd Font" pitchFamily="2" charset="0"/>
+                <a:ea typeface="RobotoMono Nerd Font" pitchFamily="2" charset="0"/>
+              </a:rPr>
+              <a:t>set_xlabel</a:t>
+            </a:r>
+            <a:r>
+              <a:rPr lang="en-US">
+                <a:solidFill>
+                  <a:srgbClr val="000066"/>
+                </a:solidFill>
+                <a:effectLst/>
+                <a:latin typeface="RobotoMono Nerd Font" pitchFamily="2" charset="0"/>
+                <a:ea typeface="RobotoMono Nerd Font" pitchFamily="2" charset="0"/>
+              </a:rPr>
+              <a:t>(</a:t>
+            </a:r>
+            <a:r>
+              <a:rPr lang="en-US" b="1">
+                <a:solidFill>
+                  <a:srgbClr val="008080"/>
+                </a:solidFill>
+                <a:effectLst/>
+                <a:latin typeface="RobotoMono Nerd Font" pitchFamily="2" charset="0"/>
+                <a:ea typeface="RobotoMono Nerd Font" pitchFamily="2" charset="0"/>
+              </a:rPr>
+              <a:t>'Diện tích'</a:t>
+            </a:r>
+            <a:r>
+              <a:rPr lang="en-US">
+                <a:solidFill>
+                  <a:srgbClr val="000066"/>
+                </a:solidFill>
+                <a:effectLst/>
+                <a:latin typeface="RobotoMono Nerd Font" pitchFamily="2" charset="0"/>
+                <a:ea typeface="RobotoMono Nerd Font" pitchFamily="2" charset="0"/>
+              </a:rPr>
+              <a:t>)</a:t>
+            </a:r>
+            <a:br>
+              <a:rPr lang="en-US">
+                <a:solidFill>
+                  <a:srgbClr val="000066"/>
+                </a:solidFill>
+                <a:effectLst/>
+                <a:latin typeface="RobotoMono Nerd Font" pitchFamily="2" charset="0"/>
+                <a:ea typeface="RobotoMono Nerd Font" pitchFamily="2" charset="0"/>
+              </a:rPr>
+            </a:br>
+            <a:r>
+              <a:rPr lang="en-US">
+                <a:latin typeface="RobotoMono Nerd Font" pitchFamily="2" charset="0"/>
+                <a:ea typeface="RobotoMono Nerd Font" pitchFamily="2" charset="0"/>
+              </a:rPr>
+              <a:t>ax</a:t>
+            </a:r>
+            <a:r>
+              <a:rPr lang="en-US">
+                <a:solidFill>
+                  <a:srgbClr val="333333"/>
+                </a:solidFill>
+                <a:effectLst/>
+                <a:latin typeface="RobotoMono Nerd Font" pitchFamily="2" charset="0"/>
+                <a:ea typeface="RobotoMono Nerd Font" pitchFamily="2" charset="0"/>
+              </a:rPr>
+              <a:t>.</a:t>
+            </a:r>
+            <a:r>
+              <a:rPr lang="en-US">
+                <a:solidFill>
+                  <a:srgbClr val="170591"/>
+                </a:solidFill>
+                <a:effectLst/>
+                <a:latin typeface="RobotoMono Nerd Font" pitchFamily="2" charset="0"/>
+                <a:ea typeface="RobotoMono Nerd Font" pitchFamily="2" charset="0"/>
+              </a:rPr>
+              <a:t>set_ylabel</a:t>
+            </a:r>
+            <a:r>
+              <a:rPr lang="en-US">
+                <a:solidFill>
+                  <a:srgbClr val="000066"/>
+                </a:solidFill>
+                <a:effectLst/>
+                <a:latin typeface="RobotoMono Nerd Font" pitchFamily="2" charset="0"/>
+                <a:ea typeface="RobotoMono Nerd Font" pitchFamily="2" charset="0"/>
+              </a:rPr>
+              <a:t>(</a:t>
+            </a:r>
+            <a:r>
+              <a:rPr lang="en-US" b="1">
+                <a:solidFill>
+                  <a:srgbClr val="008080"/>
+                </a:solidFill>
+                <a:effectLst/>
+                <a:latin typeface="RobotoMono Nerd Font" pitchFamily="2" charset="0"/>
+                <a:ea typeface="RobotoMono Nerd Font" pitchFamily="2" charset="0"/>
+              </a:rPr>
+              <a:t>'1 / Khoảng cách '</a:t>
+            </a:r>
+            <a:r>
+              <a:rPr lang="en-US">
+                <a:solidFill>
+                  <a:srgbClr val="000066"/>
+                </a:solidFill>
+                <a:effectLst/>
+                <a:latin typeface="RobotoMono Nerd Font" pitchFamily="2" charset="0"/>
+                <a:ea typeface="RobotoMono Nerd Font" pitchFamily="2" charset="0"/>
+              </a:rPr>
+              <a:t>)</a:t>
+            </a:r>
+            <a:br>
+              <a:rPr lang="en-US">
+                <a:solidFill>
+                  <a:srgbClr val="000066"/>
+                </a:solidFill>
+                <a:effectLst/>
+                <a:latin typeface="RobotoMono Nerd Font" pitchFamily="2" charset="0"/>
+                <a:ea typeface="RobotoMono Nerd Font" pitchFamily="2" charset="0"/>
+              </a:rPr>
+            </a:br>
+            <a:r>
+              <a:rPr lang="en-US">
+                <a:latin typeface="RobotoMono Nerd Font" pitchFamily="2" charset="0"/>
+                <a:ea typeface="RobotoMono Nerd Font" pitchFamily="2" charset="0"/>
+              </a:rPr>
+              <a:t>ax</a:t>
+            </a:r>
+            <a:r>
+              <a:rPr lang="en-US">
+                <a:solidFill>
+                  <a:srgbClr val="333333"/>
+                </a:solidFill>
+                <a:effectLst/>
+                <a:latin typeface="RobotoMono Nerd Font" pitchFamily="2" charset="0"/>
+                <a:ea typeface="RobotoMono Nerd Font" pitchFamily="2" charset="0"/>
+              </a:rPr>
+              <a:t>.</a:t>
+            </a:r>
+            <a:r>
+              <a:rPr lang="en-US">
+                <a:solidFill>
+                  <a:srgbClr val="170591"/>
+                </a:solidFill>
+                <a:effectLst/>
+                <a:latin typeface="RobotoMono Nerd Font" pitchFamily="2" charset="0"/>
+                <a:ea typeface="RobotoMono Nerd Font" pitchFamily="2" charset="0"/>
+              </a:rPr>
+              <a:t>set_zlabel</a:t>
+            </a:r>
+            <a:r>
+              <a:rPr lang="en-US">
+                <a:solidFill>
+                  <a:srgbClr val="000066"/>
+                </a:solidFill>
+                <a:effectLst/>
+                <a:latin typeface="RobotoMono Nerd Font" pitchFamily="2" charset="0"/>
+                <a:ea typeface="RobotoMono Nerd Font" pitchFamily="2" charset="0"/>
+              </a:rPr>
+              <a:t>(</a:t>
+            </a:r>
+            <a:r>
+              <a:rPr lang="en-US" b="1">
+                <a:solidFill>
+                  <a:srgbClr val="008080"/>
+                </a:solidFill>
+                <a:effectLst/>
+                <a:latin typeface="RobotoMono Nerd Font" pitchFamily="2" charset="0"/>
+                <a:ea typeface="RobotoMono Nerd Font" pitchFamily="2" charset="0"/>
+              </a:rPr>
+              <a:t>'Giá (Triệu VND)'</a:t>
+            </a:r>
+            <a:r>
+              <a:rPr lang="en-US">
+                <a:solidFill>
+                  <a:srgbClr val="000066"/>
+                </a:solidFill>
+                <a:effectLst/>
+                <a:latin typeface="RobotoMono Nerd Font" pitchFamily="2" charset="0"/>
+                <a:ea typeface="RobotoMono Nerd Font" pitchFamily="2" charset="0"/>
+              </a:rPr>
+              <a:t>)</a:t>
+            </a:r>
+            <a:br>
+              <a:rPr lang="en-US">
+                <a:solidFill>
+                  <a:srgbClr val="000066"/>
+                </a:solidFill>
+                <a:effectLst/>
+                <a:latin typeface="RobotoMono Nerd Font" pitchFamily="2" charset="0"/>
+                <a:ea typeface="RobotoMono Nerd Font" pitchFamily="2" charset="0"/>
+              </a:rPr>
+            </a:br>
+            <a:r>
+              <a:rPr lang="en-US">
+                <a:latin typeface="RobotoMono Nerd Font" pitchFamily="2" charset="0"/>
+                <a:ea typeface="RobotoMono Nerd Font" pitchFamily="2" charset="0"/>
+              </a:rPr>
+              <a:t>plt</a:t>
+            </a:r>
+            <a:r>
+              <a:rPr lang="en-US">
+                <a:solidFill>
+                  <a:srgbClr val="333333"/>
+                </a:solidFill>
+                <a:effectLst/>
+                <a:latin typeface="RobotoMono Nerd Font" pitchFamily="2" charset="0"/>
+                <a:ea typeface="RobotoMono Nerd Font" pitchFamily="2" charset="0"/>
+              </a:rPr>
+              <a:t>.</a:t>
+            </a:r>
+            <a:r>
+              <a:rPr lang="en-US">
+                <a:solidFill>
+                  <a:srgbClr val="170591"/>
+                </a:solidFill>
+                <a:effectLst/>
+                <a:latin typeface="RobotoMono Nerd Font" pitchFamily="2" charset="0"/>
+                <a:ea typeface="RobotoMono Nerd Font" pitchFamily="2" charset="0"/>
+              </a:rPr>
+              <a:t>show</a:t>
+            </a:r>
+            <a:r>
+              <a:rPr lang="en-US">
+                <a:solidFill>
+                  <a:srgbClr val="000066"/>
+                </a:solidFill>
+                <a:effectLst/>
+                <a:latin typeface="RobotoMono Nerd Font" pitchFamily="2" charset="0"/>
+                <a:ea typeface="RobotoMono Nerd Font" pitchFamily="2" charset="0"/>
+              </a:rPr>
+              <a:t>()</a:t>
+            </a:r>
+            <a:endParaRPr lang="en-US">
+              <a:latin typeface="RobotoMono Nerd Font" pitchFamily="2" charset="0"/>
+              <a:ea typeface="RobotoMono Nerd Font" pitchFamily="2" charset="0"/>
+            </a:endParaRPr>
+          </a:p>
+        </p:txBody>
+      </p:sp>
+      <p:sp>
+        <p:nvSpPr>
+          <p:cNvPr id="3" name="Folded Corner 2">
+            <a:extLst>
+              <a:ext uri="{FF2B5EF4-FFF2-40B4-BE49-F238E27FC236}">
+                <a16:creationId xmlns:a16="http://schemas.microsoft.com/office/drawing/2014/main" id="{12127761-D52A-8A47-B3D8-A4EDAF29A322}"/>
+              </a:ext>
+            </a:extLst>
+          </p:cNvPr>
+          <p:cNvSpPr/>
+          <p:nvPr/>
+        </p:nvSpPr>
+        <p:spPr>
+          <a:xfrm>
+            <a:off x="7446935" y="4698333"/>
+            <a:ext cx="1580828" cy="340962"/>
+          </a:xfrm>
+          <a:prstGeom prst="foldedCorner">
+            <a:avLst/>
+          </a:prstGeom>
+          <a:solidFill>
+            <a:schemeClr val="bg1">
+              <a:lumMod val="85000"/>
+            </a:schemeClr>
+          </a:solidFill>
+          <a:ln w="12700"/>
+        </p:spPr>
+        <p:style>
+          <a:lnRef idx="2">
+            <a:schemeClr val="accent1">
+              <a:shade val="50000"/>
+            </a:schemeClr>
+          </a:lnRef>
+          <a:fillRef idx="1">
+            <a:schemeClr val="accent1"/>
+          </a:fillRef>
+          <a:effectRef idx="0">
+            <a:schemeClr val="accent1"/>
+          </a:effectRef>
+          <a:fontRef idx="minor">
+            <a:schemeClr val="lt1"/>
+          </a:fontRef>
+        </p:style>
+        <p:txBody>
+          <a:bodyPr rtlCol="0" anchor="ctr"/>
+          <a:lstStyle/>
+          <a:p>
+            <a:pPr algn="ctr"/>
+            <a:r>
+              <a:rPr lang="en-US" sz="1200">
+                <a:solidFill>
+                  <a:schemeClr val="bg2"/>
+                </a:solidFill>
+                <a:latin typeface="Verdana" panose="020B0604030504040204" pitchFamily="34" charset="0"/>
+                <a:ea typeface="Verdana" panose="020B0604030504040204" pitchFamily="34" charset="0"/>
+                <a:cs typeface="Verdana" panose="020B0604030504040204" pitchFamily="34" charset="0"/>
+              </a:rPr>
+              <a:t>HousePrice1.py 2</a:t>
+            </a:r>
+          </a:p>
+        </p:txBody>
+      </p:sp>
+    </p:spTree>
+    <p:extLst>
+      <p:ext uri="{BB962C8B-B14F-4D97-AF65-F5344CB8AC3E}">
+        <p14:creationId xmlns:p14="http://schemas.microsoft.com/office/powerpoint/2010/main" val="1173752312"/>
+      </p:ext>
+    </p:extLst>
+  </p:cSld>
+  <p:clrMapOvr>
+    <a:masterClrMapping/>
+  </p:clrMapOvr>
+</p:sld>
+</file>
+
+<file path=ppt/slides/slide47.xml><?xml version="1.0" encoding="utf-8"?>
+<p:sld xmlns:a="http://schemas.openxmlformats.org/drawingml/2006/main" xmlns:r="http://schemas.openxmlformats.org/officeDocument/2006/relationships" xmlns:p="http://schemas.openxmlformats.org/presentationml/2006/main">
+  <p:cSld>
+    <p:spTree>
+      <p:nvGrpSpPr>
+        <p:cNvPr id="1" name=""/>
+        <p:cNvGrpSpPr/>
+        <p:nvPr/>
+      </p:nvGrpSpPr>
+      <p:grpSpPr>
+        <a:xfrm>
+          <a:off x="0" y="0"/>
+          <a:ext cx="0" cy="0"/>
+          <a:chOff x="0" y="0"/>
+          <a:chExt cx="0" cy="0"/>
+        </a:xfrm>
+      </p:grpSpPr>
+      <p:sp>
+        <p:nvSpPr>
+          <p:cNvPr id="2" name="Title 1">
+            <a:extLst>
+              <a:ext uri="{FF2B5EF4-FFF2-40B4-BE49-F238E27FC236}">
+                <a16:creationId xmlns:a16="http://schemas.microsoft.com/office/drawing/2014/main" id="{46AFE05C-1DDF-6B4C-96EE-EB7E75A4BE2A}"/>
+              </a:ext>
+            </a:extLst>
+          </p:cNvPr>
+          <p:cNvSpPr>
+            <a:spLocks noGrp="1"/>
+          </p:cNvSpPr>
+          <p:nvPr>
+            <p:ph type="title"/>
+          </p:nvPr>
+        </p:nvSpPr>
+        <p:spPr/>
+        <p:txBody>
+          <a:bodyPr/>
+          <a:lstStyle/>
+          <a:p>
+            <a:r>
+              <a:rPr lang="en-US"/>
+              <a:t>Bài tập</a:t>
+            </a:r>
+          </a:p>
+        </p:txBody>
+      </p:sp>
+      <p:sp>
+        <p:nvSpPr>
+          <p:cNvPr id="3" name="Text Placeholder 2">
+            <a:extLst>
+              <a:ext uri="{FF2B5EF4-FFF2-40B4-BE49-F238E27FC236}">
+                <a16:creationId xmlns:a16="http://schemas.microsoft.com/office/drawing/2014/main" id="{388E6DF2-452D-DF41-815B-451C5B4B18A0}"/>
+              </a:ext>
+            </a:extLst>
+          </p:cNvPr>
+          <p:cNvSpPr>
+            <a:spLocks noGrp="1"/>
+          </p:cNvSpPr>
+          <p:nvPr>
+            <p:ph type="body" idx="1"/>
+          </p:nvPr>
+        </p:nvSpPr>
+        <p:spPr/>
+        <p:txBody>
+          <a:bodyPr/>
+          <a:lstStyle/>
+          <a:p>
+            <a:r>
+              <a:rPr lang="en-US"/>
+              <a:t>Không sử dung ScikitLearn hãy viết code Python thuần thuật toán Gradient Descent để tìm ra:</a:t>
+            </a:r>
+          </a:p>
+          <a:p>
+            <a:pPr lvl="1"/>
+            <a:r>
+              <a:rPr lang="en-US"/>
+              <a:t>w0: intercept</a:t>
+            </a:r>
+          </a:p>
+          <a:p>
+            <a:pPr lvl="1"/>
+            <a:r>
+              <a:rPr lang="en-US"/>
+              <a:t>w1: coefficient cho feature diện tích</a:t>
+            </a:r>
+          </a:p>
+          <a:p>
+            <a:pPr lvl="1"/>
+            <a:r>
+              <a:rPr lang="en-US"/>
+              <a:t>W2: coefficient cho feature nghịch đảo khoảng cách đến trung tâm Hồ Gươm</a:t>
+            </a:r>
+          </a:p>
+        </p:txBody>
+      </p:sp>
+    </p:spTree>
+    <p:extLst>
+      <p:ext uri="{BB962C8B-B14F-4D97-AF65-F5344CB8AC3E}">
+        <p14:creationId xmlns:p14="http://schemas.microsoft.com/office/powerpoint/2010/main" val="1772915419"/>
       </p:ext>
     </p:extLst>
   </p:cSld>
@@ -23993,7 +29795,7 @@
             </p:nvSpPr>
             <p:spPr>
               <a:xfrm>
-                <a:off x="307910" y="933062"/>
+                <a:off x="424286" y="927670"/>
                 <a:ext cx="2626095" cy="492443"/>
               </a:xfrm>
               <a:prstGeom prst="rect">
@@ -24014,14 +29816,33 @@
                       <m:jc m:val="centerGroup"/>
                     </m:oMathParaPr>
                     <m:oMath xmlns:m="http://schemas.openxmlformats.org/officeDocument/2006/math">
+                      <m:sSub>
+                        <m:sSubPr>
+                          <m:ctrlPr>
+                            <a:rPr lang="en-US" sz="3200" b="0" i="1">
+                              <a:latin typeface="Cambria Math" panose="02040503050406030204" pitchFamily="18" charset="0"/>
+                            </a:rPr>
+                          </m:ctrlPr>
+                        </m:sSubPr>
+                        <m:e>
+                          <m:r>
+                            <a:rPr lang="vi-VN" sz="3200" b="0" i="1">
+                              <a:latin typeface="Cambria Math" panose="02040503050406030204" pitchFamily="18" charset="0"/>
+                            </a:rPr>
+                            <m:t>𝑦</m:t>
+                          </m:r>
+                        </m:e>
+                        <m:sub>
+                          <m:r>
+                            <a:rPr lang="vi-VN" sz="3200" b="0" i="1">
+                              <a:latin typeface="Cambria Math" panose="02040503050406030204" pitchFamily="18" charset="0"/>
+                            </a:rPr>
+                            <m:t>0</m:t>
+                          </m:r>
+                        </m:sub>
+                      </m:sSub>
                       <m:r>
-                        <a:rPr lang="en-US" sz="3200" b="0" i="1">
-                          <a:latin typeface="Cambria Math" panose="02040503050406030204" pitchFamily="18" charset="0"/>
-                        </a:rPr>
-                        <m:t>𝑦</m:t>
-                      </m:r>
-                      <m:r>
-                        <a:rPr lang="en-US" sz="3200" b="0" i="1">
+                        <a:rPr lang="vi-VN" sz="3200" b="0" i="1">
                           <a:latin typeface="Cambria Math" panose="02040503050406030204" pitchFamily="18" charset="0"/>
                         </a:rPr>
                         <m:t>=</m:t>
@@ -24032,18 +29853,31 @@
                         </a:rPr>
                         <m:t>𝑎</m:t>
                       </m:r>
-                      <m:r>
-                        <a:rPr lang="en-US" sz="3200" b="0" i="1">
-                          <a:latin typeface="Cambria Math" panose="02040503050406030204" pitchFamily="18" charset="0"/>
-                        </a:rPr>
-                        <m:t> ∗</m:t>
-                      </m:r>
-                      <m:r>
-                        <a:rPr lang="en-US" sz="3200" b="0" i="1">
-                          <a:latin typeface="Cambria Math" panose="02040503050406030204" pitchFamily="18" charset="0"/>
-                        </a:rPr>
-                        <m:t>𝑥</m:t>
-                      </m:r>
+                      <m:sSub>
+                        <m:sSubPr>
+                          <m:ctrlPr>
+                            <a:rPr lang="en-US" sz="3200" b="0" i="1">
+                              <a:latin typeface="Cambria Math" panose="02040503050406030204" pitchFamily="18" charset="0"/>
+                            </a:rPr>
+                          </m:ctrlPr>
+                        </m:sSubPr>
+                        <m:e>
+                          <m:r>
+                            <a:rPr lang="en-US" sz="3200" b="0" i="1">
+                              <a:latin typeface="Cambria Math" panose="02040503050406030204" pitchFamily="18" charset="0"/>
+                            </a:rPr>
+                            <m:t>𝑥</m:t>
+                          </m:r>
+                        </m:e>
+                        <m:sub>
+                          <m:r>
+                            <a:rPr lang="en-US" sz="3200" b="0" i="1">
+                              <a:latin typeface="Cambria Math" panose="02040503050406030204" pitchFamily="18" charset="0"/>
+                            </a:rPr>
+                            <m:t>0</m:t>
+                          </m:r>
+                        </m:sub>
+                      </m:sSub>
                       <m:r>
                         <a:rPr lang="en-US" sz="3200" b="0" i="1">
                           <a:latin typeface="Cambria Math" panose="02040503050406030204" pitchFamily="18" charset="0"/>
@@ -24081,7 +29915,7 @@
             </p:nvSpPr>
             <p:spPr>
               <a:xfrm>
-                <a:off x="307910" y="933062"/>
+                <a:off x="424286" y="927670"/>
                 <a:ext cx="2626095" cy="492443"/>
               </a:xfrm>
               <a:prstGeom prst="rect">
@@ -24090,7 +29924,691 @@
               <a:blipFill>
                 <a:blip r:embed="rId2"/>
                 <a:stretch>
-                  <a:fillRect l="-1449" t="-2500" r="-483" b="-37500"/>
+                  <a:fillRect b="-25000"/>
+                </a:stretch>
+              </a:blipFill>
+            </p:spPr>
+            <p:txBody>
+              <a:bodyPr/>
+              <a:lstStyle/>
+              <a:p>
+                <a:r>
+                  <a:rPr lang="en-US">
+                    <a:noFill/>
+                  </a:rPr>
+                  <a:t> </a:t>
+                </a:r>
+              </a:p>
+            </p:txBody>
+          </p:sp>
+        </mc:Fallback>
+      </mc:AlternateContent>
+      <mc:AlternateContent xmlns:mc="http://schemas.openxmlformats.org/markup-compatibility/2006" xmlns:a14="http://schemas.microsoft.com/office/drawing/2010/main">
+        <mc:Choice Requires="a14">
+          <p:sp>
+            <p:nvSpPr>
+              <p:cNvPr id="5" name="TextBox 4">
+                <a:extLst>
+                  <a:ext uri="{FF2B5EF4-FFF2-40B4-BE49-F238E27FC236}">
+                    <a16:creationId xmlns:a16="http://schemas.microsoft.com/office/drawing/2014/main" id="{101BA642-F6AC-B345-B2C0-368AF68E49B7}"/>
+                  </a:ext>
+                </a:extLst>
+              </p:cNvPr>
+              <p:cNvSpPr txBox="1"/>
+              <p:nvPr/>
+            </p:nvSpPr>
+            <p:spPr>
+              <a:xfrm>
+                <a:off x="424287" y="1907164"/>
+                <a:ext cx="2626095" cy="492443"/>
+              </a:xfrm>
+              <a:prstGeom prst="rect">
+                <a:avLst/>
+              </a:prstGeom>
+              <a:noFill/>
+            </p:spPr>
+            <p:txBody>
+              <a:bodyPr wrap="square" lIns="0" tIns="0" rIns="0" bIns="0" rtlCol="0">
+                <a:spAutoFit/>
+              </a:bodyPr>
+              <a:lstStyle/>
+              <a:p>
+                <a:pPr/>
+                <a14:m>
+                  <m:oMathPara xmlns:m="http://schemas.openxmlformats.org/officeDocument/2006/math">
+                    <m:oMathParaPr>
+                      <m:jc m:val="centerGroup"/>
+                    </m:oMathParaPr>
+                    <m:oMath xmlns:m="http://schemas.openxmlformats.org/officeDocument/2006/math">
+                      <m:sSub>
+                        <m:sSubPr>
+                          <m:ctrlPr>
+                            <a:rPr lang="en-US" sz="3200" b="0" i="1">
+                              <a:latin typeface="Cambria Math" panose="02040503050406030204" pitchFamily="18" charset="0"/>
+                            </a:rPr>
+                          </m:ctrlPr>
+                        </m:sSubPr>
+                        <m:e>
+                          <m:r>
+                            <a:rPr lang="vi-VN" sz="3200" b="0" i="1">
+                              <a:latin typeface="Cambria Math" panose="02040503050406030204" pitchFamily="18" charset="0"/>
+                            </a:rPr>
+                            <m:t>𝑦</m:t>
+                          </m:r>
+                        </m:e>
+                        <m:sub>
+                          <m:r>
+                            <a:rPr lang="en-US" sz="3200" b="0" i="1">
+                              <a:latin typeface="Cambria Math" panose="02040503050406030204" pitchFamily="18" charset="0"/>
+                            </a:rPr>
+                            <m:t>1</m:t>
+                          </m:r>
+                        </m:sub>
+                      </m:sSub>
+                      <m:r>
+                        <a:rPr lang="vi-VN" sz="3200" b="0" i="1">
+                          <a:latin typeface="Cambria Math" panose="02040503050406030204" pitchFamily="18" charset="0"/>
+                        </a:rPr>
+                        <m:t>=</m:t>
+                      </m:r>
+                      <m:r>
+                        <a:rPr lang="en-US" sz="3200" b="0" i="1">
+                          <a:latin typeface="Cambria Math" panose="02040503050406030204" pitchFamily="18" charset="0"/>
+                        </a:rPr>
+                        <m:t>𝑎</m:t>
+                      </m:r>
+                      <m:sSub>
+                        <m:sSubPr>
+                          <m:ctrlPr>
+                            <a:rPr lang="en-US" sz="3200" b="0" i="1">
+                              <a:latin typeface="Cambria Math" panose="02040503050406030204" pitchFamily="18" charset="0"/>
+                            </a:rPr>
+                          </m:ctrlPr>
+                        </m:sSubPr>
+                        <m:e>
+                          <m:r>
+                            <a:rPr lang="en-US" sz="3200" b="0" i="1">
+                              <a:latin typeface="Cambria Math" panose="02040503050406030204" pitchFamily="18" charset="0"/>
+                            </a:rPr>
+                            <m:t>𝑥</m:t>
+                          </m:r>
+                        </m:e>
+                        <m:sub>
+                          <m:r>
+                            <a:rPr lang="en-US" sz="3200" b="0" i="1">
+                              <a:latin typeface="Cambria Math" panose="02040503050406030204" pitchFamily="18" charset="0"/>
+                            </a:rPr>
+                            <m:t>1</m:t>
+                          </m:r>
+                        </m:sub>
+                      </m:sSub>
+                      <m:r>
+                        <a:rPr lang="en-US" sz="3200" b="0" i="1">
+                          <a:latin typeface="Cambria Math" panose="02040503050406030204" pitchFamily="18" charset="0"/>
+                        </a:rPr>
+                        <m:t>+</m:t>
+                      </m:r>
+                      <m:r>
+                        <a:rPr lang="en-US" sz="3200" b="0" i="1">
+                          <a:latin typeface="Cambria Math" panose="02040503050406030204" pitchFamily="18" charset="0"/>
+                        </a:rPr>
+                        <m:t>𝑏</m:t>
+                      </m:r>
+                    </m:oMath>
+                  </m:oMathPara>
+                </a14:m>
+                <a:endParaRPr lang="en-US" sz="3200" b="0"/>
+              </a:p>
+            </p:txBody>
+          </p:sp>
+        </mc:Choice>
+        <mc:Fallback xmlns="">
+          <p:sp>
+            <p:nvSpPr>
+              <p:cNvPr id="5" name="TextBox 4">
+                <a:extLst>
+                  <a:ext uri="{FF2B5EF4-FFF2-40B4-BE49-F238E27FC236}">
+                    <a16:creationId xmlns:a16="http://schemas.microsoft.com/office/drawing/2014/main" id="{101BA642-F6AC-B345-B2C0-368AF68E49B7}"/>
+                  </a:ext>
+                </a:extLst>
+              </p:cNvPr>
+              <p:cNvSpPr txBox="1">
+                <a:spLocks noRot="1" noChangeAspect="1" noMove="1" noResize="1" noEditPoints="1" noAdjustHandles="1" noChangeArrowheads="1" noChangeShapeType="1" noTextEdit="1"/>
+              </p:cNvSpPr>
+              <p:nvPr/>
+            </p:nvSpPr>
+            <p:spPr>
+              <a:xfrm>
+                <a:off x="424287" y="1907164"/>
+                <a:ext cx="2626095" cy="492443"/>
+              </a:xfrm>
+              <a:prstGeom prst="rect">
+                <a:avLst/>
+              </a:prstGeom>
+              <a:blipFill>
+                <a:blip r:embed="rId3"/>
+                <a:stretch>
+                  <a:fillRect b="-25000"/>
+                </a:stretch>
+              </a:blipFill>
+            </p:spPr>
+            <p:txBody>
+              <a:bodyPr/>
+              <a:lstStyle/>
+              <a:p>
+                <a:r>
+                  <a:rPr lang="en-US">
+                    <a:noFill/>
+                  </a:rPr>
+                  <a:t> </a:t>
+                </a:r>
+              </a:p>
+            </p:txBody>
+          </p:sp>
+        </mc:Fallback>
+      </mc:AlternateContent>
+      <mc:AlternateContent xmlns:mc="http://schemas.openxmlformats.org/markup-compatibility/2006" xmlns:a14="http://schemas.microsoft.com/office/drawing/2010/main">
+        <mc:Choice Requires="a14">
+          <p:sp>
+            <p:nvSpPr>
+              <p:cNvPr id="3" name="TextBox 2">
+                <a:extLst>
+                  <a:ext uri="{FF2B5EF4-FFF2-40B4-BE49-F238E27FC236}">
+                    <a16:creationId xmlns:a16="http://schemas.microsoft.com/office/drawing/2014/main" id="{AC4F3AF6-39B6-0A44-B2BC-DF3AC0D5E0A5}"/>
+                  </a:ext>
+                </a:extLst>
+              </p:cNvPr>
+              <p:cNvSpPr txBox="1"/>
+              <p:nvPr/>
+            </p:nvSpPr>
+            <p:spPr>
+              <a:xfrm>
+                <a:off x="526942" y="2881266"/>
+                <a:ext cx="2655920" cy="1039195"/>
+              </a:xfrm>
+              <a:prstGeom prst="rect">
+                <a:avLst/>
+              </a:prstGeom>
+              <a:noFill/>
+            </p:spPr>
+            <p:txBody>
+              <a:bodyPr wrap="none" lIns="0" tIns="0" rIns="0" bIns="0" rtlCol="0">
+                <a:spAutoFit/>
+              </a:bodyPr>
+              <a:lstStyle/>
+              <a:p>
+                <a:pPr/>
+                <a14:m>
+                  <m:oMathPara xmlns:m="http://schemas.openxmlformats.org/officeDocument/2006/math">
+                    <m:oMathParaPr>
+                      <m:jc m:val="centerGroup"/>
+                    </m:oMathParaPr>
+                    <m:oMath xmlns:m="http://schemas.openxmlformats.org/officeDocument/2006/math">
+                      <m:r>
+                        <a:rPr lang="en-US" sz="3600" b="0" i="1">
+                          <a:latin typeface="Cambria Math" panose="02040503050406030204" pitchFamily="18" charset="0"/>
+                        </a:rPr>
+                        <m:t>𝑎</m:t>
+                      </m:r>
+                      <m:r>
+                        <a:rPr lang="en-US" sz="3600" b="0" i="1">
+                          <a:latin typeface="Cambria Math" panose="02040503050406030204" pitchFamily="18" charset="0"/>
+                        </a:rPr>
+                        <m:t>= </m:t>
+                      </m:r>
+                      <m:f>
+                        <m:fPr>
+                          <m:ctrlPr>
+                            <a:rPr lang="en-US" sz="3600" b="0" i="1">
+                              <a:latin typeface="Cambria Math" panose="02040503050406030204" pitchFamily="18" charset="0"/>
+                            </a:rPr>
+                          </m:ctrlPr>
+                        </m:fPr>
+                        <m:num>
+                          <m:sSub>
+                            <m:sSubPr>
+                              <m:ctrlPr>
+                                <a:rPr lang="en-US" sz="3600" i="1">
+                                  <a:latin typeface="Cambria Math" panose="02040503050406030204" pitchFamily="18" charset="0"/>
+                                </a:rPr>
+                              </m:ctrlPr>
+                            </m:sSubPr>
+                            <m:e>
+                              <m:r>
+                                <a:rPr lang="vi-VN" sz="3600" i="1">
+                                  <a:latin typeface="Cambria Math" panose="02040503050406030204" pitchFamily="18" charset="0"/>
+                                </a:rPr>
+                                <m:t>𝑦</m:t>
+                              </m:r>
+                            </m:e>
+                            <m:sub>
+                              <m:r>
+                                <a:rPr lang="en-US" sz="3600" i="1">
+                                  <a:latin typeface="Cambria Math" panose="02040503050406030204" pitchFamily="18" charset="0"/>
+                                </a:rPr>
+                                <m:t>1</m:t>
+                              </m:r>
+                            </m:sub>
+                          </m:sSub>
+                          <m:r>
+                            <a:rPr lang="en-US" sz="3600" b="0" i="1">
+                              <a:latin typeface="Cambria Math" panose="02040503050406030204" pitchFamily="18" charset="0"/>
+                            </a:rPr>
+                            <m:t>−</m:t>
+                          </m:r>
+                          <m:sSub>
+                            <m:sSubPr>
+                              <m:ctrlPr>
+                                <a:rPr lang="en-US" sz="3600" i="1">
+                                  <a:latin typeface="Cambria Math" panose="02040503050406030204" pitchFamily="18" charset="0"/>
+                                </a:rPr>
+                              </m:ctrlPr>
+                            </m:sSubPr>
+                            <m:e>
+                              <m:r>
+                                <a:rPr lang="vi-VN" sz="3600" i="1">
+                                  <a:latin typeface="Cambria Math" panose="02040503050406030204" pitchFamily="18" charset="0"/>
+                                </a:rPr>
+                                <m:t>𝑦</m:t>
+                              </m:r>
+                            </m:e>
+                            <m:sub>
+                              <m:r>
+                                <a:rPr lang="vi-VN" sz="3600" i="1">
+                                  <a:latin typeface="Cambria Math" panose="02040503050406030204" pitchFamily="18" charset="0"/>
+                                </a:rPr>
+                                <m:t>0</m:t>
+                              </m:r>
+                            </m:sub>
+                          </m:sSub>
+                        </m:num>
+                        <m:den>
+                          <m:sSub>
+                            <m:sSubPr>
+                              <m:ctrlPr>
+                                <a:rPr lang="en-US" sz="3600" i="1">
+                                  <a:latin typeface="Cambria Math" panose="02040503050406030204" pitchFamily="18" charset="0"/>
+                                </a:rPr>
+                              </m:ctrlPr>
+                            </m:sSubPr>
+                            <m:e>
+                              <m:r>
+                                <a:rPr lang="en-US" sz="3600" i="1">
+                                  <a:latin typeface="Cambria Math" panose="02040503050406030204" pitchFamily="18" charset="0"/>
+                                </a:rPr>
+                                <m:t>𝑥</m:t>
+                              </m:r>
+                            </m:e>
+                            <m:sub>
+                              <m:r>
+                                <a:rPr lang="en-US" sz="3600" i="1">
+                                  <a:latin typeface="Cambria Math" panose="02040503050406030204" pitchFamily="18" charset="0"/>
+                                </a:rPr>
+                                <m:t>1</m:t>
+                              </m:r>
+                            </m:sub>
+                          </m:sSub>
+                          <m:r>
+                            <a:rPr lang="en-US" sz="3600" b="0" i="1">
+                              <a:latin typeface="Cambria Math" panose="02040503050406030204" pitchFamily="18" charset="0"/>
+                            </a:rPr>
+                            <m:t>−</m:t>
+                          </m:r>
+                          <m:sSub>
+                            <m:sSubPr>
+                              <m:ctrlPr>
+                                <a:rPr lang="en-US" sz="3600" i="1">
+                                  <a:latin typeface="Cambria Math" panose="02040503050406030204" pitchFamily="18" charset="0"/>
+                                </a:rPr>
+                              </m:ctrlPr>
+                            </m:sSubPr>
+                            <m:e>
+                              <m:r>
+                                <a:rPr lang="en-US" sz="3600" i="1">
+                                  <a:latin typeface="Cambria Math" panose="02040503050406030204" pitchFamily="18" charset="0"/>
+                                </a:rPr>
+                                <m:t>𝑥</m:t>
+                              </m:r>
+                            </m:e>
+                            <m:sub>
+                              <m:r>
+                                <a:rPr lang="en-US" sz="3600" i="1">
+                                  <a:latin typeface="Cambria Math" panose="02040503050406030204" pitchFamily="18" charset="0"/>
+                                </a:rPr>
+                                <m:t>0</m:t>
+                              </m:r>
+                            </m:sub>
+                          </m:sSub>
+                        </m:den>
+                      </m:f>
+                      <m:r>
+                        <a:rPr lang="en-US" sz="3600" b="0" i="1">
+                          <a:latin typeface="Cambria Math" panose="02040503050406030204" pitchFamily="18" charset="0"/>
+                        </a:rPr>
+                        <m:t> </m:t>
+                      </m:r>
+                    </m:oMath>
+                  </m:oMathPara>
+                </a14:m>
+                <a:endParaRPr lang="en-US" sz="3600"/>
+              </a:p>
+            </p:txBody>
+          </p:sp>
+        </mc:Choice>
+        <mc:Fallback xmlns="">
+          <p:sp>
+            <p:nvSpPr>
+              <p:cNvPr id="3" name="TextBox 2">
+                <a:extLst>
+                  <a:ext uri="{FF2B5EF4-FFF2-40B4-BE49-F238E27FC236}">
+                    <a16:creationId xmlns:a16="http://schemas.microsoft.com/office/drawing/2014/main" id="{AC4F3AF6-39B6-0A44-B2BC-DF3AC0D5E0A5}"/>
+                  </a:ext>
+                </a:extLst>
+              </p:cNvPr>
+              <p:cNvSpPr txBox="1">
+                <a:spLocks noRot="1" noChangeAspect="1" noMove="1" noResize="1" noEditPoints="1" noAdjustHandles="1" noChangeArrowheads="1" noChangeShapeType="1" noTextEdit="1"/>
+              </p:cNvSpPr>
+              <p:nvPr/>
+            </p:nvSpPr>
+            <p:spPr>
+              <a:xfrm>
+                <a:off x="526942" y="2881266"/>
+                <a:ext cx="2655920" cy="1039195"/>
+              </a:xfrm>
+              <a:prstGeom prst="rect">
+                <a:avLst/>
+              </a:prstGeom>
+              <a:blipFill>
+                <a:blip r:embed="rId4"/>
+                <a:stretch>
+                  <a:fillRect l="-948" r="-5687" b="-9639"/>
+                </a:stretch>
+              </a:blipFill>
+            </p:spPr>
+            <p:txBody>
+              <a:bodyPr/>
+              <a:lstStyle/>
+              <a:p>
+                <a:r>
+                  <a:rPr lang="en-US">
+                    <a:noFill/>
+                  </a:rPr>
+                  <a:t> </a:t>
+                </a:r>
+              </a:p>
+            </p:txBody>
+          </p:sp>
+        </mc:Fallback>
+      </mc:AlternateContent>
+      <mc:AlternateContent xmlns:mc="http://schemas.openxmlformats.org/markup-compatibility/2006" xmlns:a14="http://schemas.microsoft.com/office/drawing/2010/main">
+        <mc:Choice Requires="a14">
+          <p:sp>
+            <p:nvSpPr>
+              <p:cNvPr id="6" name="TextBox 5">
+                <a:extLst>
+                  <a:ext uri="{FF2B5EF4-FFF2-40B4-BE49-F238E27FC236}">
+                    <a16:creationId xmlns:a16="http://schemas.microsoft.com/office/drawing/2014/main" id="{722912B5-DA79-8744-A9B3-E92733EF2397}"/>
+                  </a:ext>
+                </a:extLst>
+              </p:cNvPr>
+              <p:cNvSpPr txBox="1"/>
+              <p:nvPr/>
+            </p:nvSpPr>
+            <p:spPr>
+              <a:xfrm>
+                <a:off x="4029559" y="2995752"/>
+                <a:ext cx="3262368" cy="810222"/>
+              </a:xfrm>
+              <a:prstGeom prst="rect">
+                <a:avLst/>
+              </a:prstGeom>
+              <a:noFill/>
+            </p:spPr>
+            <p:txBody>
+              <a:bodyPr wrap="none" lIns="0" tIns="0" rIns="0" bIns="0" rtlCol="0">
+                <a:spAutoFit/>
+              </a:bodyPr>
+              <a:lstStyle/>
+              <a:p>
+                <a14:m>
+                  <m:oMath xmlns:m="http://schemas.openxmlformats.org/officeDocument/2006/math">
+                    <m:r>
+                      <a:rPr lang="en-US" sz="3600" b="0" i="1">
+                        <a:latin typeface="Cambria Math" panose="02040503050406030204" pitchFamily="18" charset="0"/>
+                      </a:rPr>
+                      <m:t>𝑏</m:t>
+                    </m:r>
+                    <m:r>
+                      <a:rPr lang="en-US" sz="3600" b="0" i="1">
+                        <a:latin typeface="Cambria Math" panose="02040503050406030204" pitchFamily="18" charset="0"/>
+                      </a:rPr>
+                      <m:t>=</m:t>
+                    </m:r>
+                  </m:oMath>
+                </a14:m>
+                <a:r>
+                  <a:rPr lang="en-US" sz="3600"/>
+                  <a:t> </a:t>
+                </a:r>
+                <a14:m>
+                  <m:oMath xmlns:m="http://schemas.openxmlformats.org/officeDocument/2006/math">
+                    <m:sSub>
+                      <m:sSubPr>
+                        <m:ctrlPr>
+                          <a:rPr lang="en-US" sz="3600" i="1">
+                            <a:latin typeface="Cambria Math" panose="02040503050406030204" pitchFamily="18" charset="0"/>
+                          </a:rPr>
+                        </m:ctrlPr>
+                      </m:sSubPr>
+                      <m:e>
+                        <m:r>
+                          <a:rPr lang="vi-VN" sz="3600" i="1">
+                            <a:latin typeface="Cambria Math" panose="02040503050406030204" pitchFamily="18" charset="0"/>
+                          </a:rPr>
+                          <m:t>𝑦</m:t>
+                        </m:r>
+                      </m:e>
+                      <m:sub>
+                        <m:r>
+                          <a:rPr lang="vi-VN" sz="3600" i="1">
+                            <a:latin typeface="Cambria Math" panose="02040503050406030204" pitchFamily="18" charset="0"/>
+                          </a:rPr>
+                          <m:t>0</m:t>
+                        </m:r>
+                      </m:sub>
+                    </m:sSub>
+                  </m:oMath>
+                </a14:m>
+                <a:r>
+                  <a:rPr lang="en-US" sz="3600"/>
+                  <a:t> - </a:t>
+                </a:r>
+                <a14:m>
+                  <m:oMath xmlns:m="http://schemas.openxmlformats.org/officeDocument/2006/math">
+                    <m:f>
+                      <m:fPr>
+                        <m:ctrlPr>
+                          <a:rPr lang="en-US" sz="3600" i="1">
+                            <a:latin typeface="Cambria Math" panose="02040503050406030204" pitchFamily="18" charset="0"/>
+                          </a:rPr>
+                        </m:ctrlPr>
+                      </m:fPr>
+                      <m:num>
+                        <m:sSub>
+                          <m:sSubPr>
+                            <m:ctrlPr>
+                              <a:rPr lang="en-US" sz="3600" i="1">
+                                <a:latin typeface="Cambria Math" panose="02040503050406030204" pitchFamily="18" charset="0"/>
+                              </a:rPr>
+                            </m:ctrlPr>
+                          </m:sSubPr>
+                          <m:e>
+                            <m:r>
+                              <a:rPr lang="vi-VN" sz="3600" i="1">
+                                <a:latin typeface="Cambria Math" panose="02040503050406030204" pitchFamily="18" charset="0"/>
+                              </a:rPr>
+                              <m:t>𝑦</m:t>
+                            </m:r>
+                          </m:e>
+                          <m:sub>
+                            <m:r>
+                              <a:rPr lang="en-US" sz="3600" i="1">
+                                <a:latin typeface="Cambria Math" panose="02040503050406030204" pitchFamily="18" charset="0"/>
+                              </a:rPr>
+                              <m:t>1</m:t>
+                            </m:r>
+                          </m:sub>
+                        </m:sSub>
+                        <m:r>
+                          <a:rPr lang="en-US" sz="3600" i="1">
+                            <a:latin typeface="Cambria Math" panose="02040503050406030204" pitchFamily="18" charset="0"/>
+                          </a:rPr>
+                          <m:t>−</m:t>
+                        </m:r>
+                        <m:sSub>
+                          <m:sSubPr>
+                            <m:ctrlPr>
+                              <a:rPr lang="en-US" sz="3600" i="1">
+                                <a:latin typeface="Cambria Math" panose="02040503050406030204" pitchFamily="18" charset="0"/>
+                              </a:rPr>
+                            </m:ctrlPr>
+                          </m:sSubPr>
+                          <m:e>
+                            <m:r>
+                              <a:rPr lang="vi-VN" sz="3600" i="1">
+                                <a:latin typeface="Cambria Math" panose="02040503050406030204" pitchFamily="18" charset="0"/>
+                              </a:rPr>
+                              <m:t>𝑦</m:t>
+                            </m:r>
+                          </m:e>
+                          <m:sub>
+                            <m:r>
+                              <a:rPr lang="vi-VN" sz="3600" i="1">
+                                <a:latin typeface="Cambria Math" panose="02040503050406030204" pitchFamily="18" charset="0"/>
+                              </a:rPr>
+                              <m:t>0</m:t>
+                            </m:r>
+                          </m:sub>
+                        </m:sSub>
+                      </m:num>
+                      <m:den>
+                        <m:sSub>
+                          <m:sSubPr>
+                            <m:ctrlPr>
+                              <a:rPr lang="en-US" sz="3600" i="1">
+                                <a:latin typeface="Cambria Math" panose="02040503050406030204" pitchFamily="18" charset="0"/>
+                              </a:rPr>
+                            </m:ctrlPr>
+                          </m:sSubPr>
+                          <m:e>
+                            <m:r>
+                              <a:rPr lang="en-US" sz="3600" i="1">
+                                <a:latin typeface="Cambria Math" panose="02040503050406030204" pitchFamily="18" charset="0"/>
+                              </a:rPr>
+                              <m:t>𝑥</m:t>
+                            </m:r>
+                          </m:e>
+                          <m:sub>
+                            <m:r>
+                              <a:rPr lang="en-US" sz="3600" i="1">
+                                <a:latin typeface="Cambria Math" panose="02040503050406030204" pitchFamily="18" charset="0"/>
+                              </a:rPr>
+                              <m:t>1</m:t>
+                            </m:r>
+                          </m:sub>
+                        </m:sSub>
+                        <m:r>
+                          <a:rPr lang="en-US" sz="3600" i="1">
+                            <a:latin typeface="Cambria Math" panose="02040503050406030204" pitchFamily="18" charset="0"/>
+                          </a:rPr>
+                          <m:t>−</m:t>
+                        </m:r>
+                        <m:sSub>
+                          <m:sSubPr>
+                            <m:ctrlPr>
+                              <a:rPr lang="en-US" sz="3600" i="1">
+                                <a:latin typeface="Cambria Math" panose="02040503050406030204" pitchFamily="18" charset="0"/>
+                              </a:rPr>
+                            </m:ctrlPr>
+                          </m:sSubPr>
+                          <m:e>
+                            <m:r>
+                              <a:rPr lang="en-US" sz="3600" i="1">
+                                <a:latin typeface="Cambria Math" panose="02040503050406030204" pitchFamily="18" charset="0"/>
+                              </a:rPr>
+                              <m:t>𝑥</m:t>
+                            </m:r>
+                          </m:e>
+                          <m:sub>
+                            <m:r>
+                              <a:rPr lang="en-US" sz="3600" i="1">
+                                <a:latin typeface="Cambria Math" panose="02040503050406030204" pitchFamily="18" charset="0"/>
+                              </a:rPr>
+                              <m:t>0</m:t>
+                            </m:r>
+                          </m:sub>
+                        </m:sSub>
+                      </m:den>
+                    </m:f>
+                    <m:sSub>
+                      <m:sSubPr>
+                        <m:ctrlPr>
+                          <a:rPr lang="en-US" sz="3600" i="1">
+                            <a:latin typeface="Cambria Math" panose="02040503050406030204" pitchFamily="18" charset="0"/>
+                          </a:rPr>
+                        </m:ctrlPr>
+                      </m:sSubPr>
+                      <m:e>
+                        <m:r>
+                          <a:rPr lang="en-US" sz="3600" i="1">
+                            <a:latin typeface="Cambria Math" panose="02040503050406030204" pitchFamily="18" charset="0"/>
+                          </a:rPr>
+                          <m:t>𝑥</m:t>
+                        </m:r>
+                      </m:e>
+                      <m:sub>
+                        <m:r>
+                          <a:rPr lang="en-US" sz="3600" i="1">
+                            <a:latin typeface="Cambria Math" panose="02040503050406030204" pitchFamily="18" charset="0"/>
+                          </a:rPr>
+                          <m:t>0</m:t>
+                        </m:r>
+                      </m:sub>
+                    </m:sSub>
+                  </m:oMath>
+                </a14:m>
+                <a:endParaRPr lang="en-US" sz="3600"/>
+              </a:p>
+            </p:txBody>
+          </p:sp>
+        </mc:Choice>
+        <mc:Fallback xmlns="">
+          <p:sp>
+            <p:nvSpPr>
+              <p:cNvPr id="6" name="TextBox 5">
+                <a:extLst>
+                  <a:ext uri="{FF2B5EF4-FFF2-40B4-BE49-F238E27FC236}">
+                    <a16:creationId xmlns:a16="http://schemas.microsoft.com/office/drawing/2014/main" id="{722912B5-DA79-8744-A9B3-E92733EF2397}"/>
+                  </a:ext>
+                </a:extLst>
+              </p:cNvPr>
+              <p:cNvSpPr txBox="1">
+                <a:spLocks noRot="1" noChangeAspect="1" noMove="1" noResize="1" noEditPoints="1" noAdjustHandles="1" noChangeArrowheads="1" noChangeShapeType="1" noTextEdit="1"/>
+              </p:cNvSpPr>
+              <p:nvPr/>
+            </p:nvSpPr>
+            <p:spPr>
+              <a:xfrm>
+                <a:off x="4029559" y="2995752"/>
+                <a:ext cx="3262368" cy="810222"/>
+              </a:xfrm>
+              <a:prstGeom prst="rect">
+                <a:avLst/>
+              </a:prstGeom>
+              <a:blipFill>
+                <a:blip r:embed="rId5"/>
+                <a:stretch>
+                  <a:fillRect l="-4651" t="-10769" r="-1550" b="-7692"/>
                 </a:stretch>
               </a:blipFill>
             </p:spPr>
